--- a/r_table/slides/Authority look up table.pptx
+++ b/r_table/slides/Authority look up table.pptx
@@ -2,18 +2,29 @@
 <file path=ppt/presentation.xml><?xml version="1.0" encoding="utf-8"?>
 <p:presentation xmlns:a="http://schemas.openxmlformats.org/drawingml/2006/main" xmlns:r="http://schemas.openxmlformats.org/officeDocument/2006/relationships" xmlns:p="http://schemas.openxmlformats.org/presentationml/2006/main" saveSubsetFonts="1">
   <p:sldMasterIdLst>
-    <p:sldMasterId id="2147483648" r:id="rId1"/>
+    <p:sldMasterId id="2147483660" r:id="rId1"/>
   </p:sldMasterIdLst>
   <p:sldIdLst>
     <p:sldId id="256" r:id="rId2"/>
-    <p:sldId id="257" r:id="rId3"/>
-    <p:sldId id="258" r:id="rId4"/>
-    <p:sldId id="260" r:id="rId5"/>
-    <p:sldId id="259" r:id="rId6"/>
-    <p:sldId id="261" r:id="rId7"/>
-    <p:sldId id="262" r:id="rId8"/>
-    <p:sldId id="263" r:id="rId9"/>
-    <p:sldId id="264" r:id="rId10"/>
+    <p:sldId id="277" r:id="rId3"/>
+    <p:sldId id="257" r:id="rId4"/>
+    <p:sldId id="258" r:id="rId5"/>
+    <p:sldId id="274" r:id="rId6"/>
+    <p:sldId id="260" r:id="rId7"/>
+    <p:sldId id="267" r:id="rId8"/>
+    <p:sldId id="269" r:id="rId9"/>
+    <p:sldId id="266" r:id="rId10"/>
+    <p:sldId id="272" r:id="rId11"/>
+    <p:sldId id="273" r:id="rId12"/>
+    <p:sldId id="270" r:id="rId13"/>
+    <p:sldId id="271" r:id="rId14"/>
+    <p:sldId id="265" r:id="rId15"/>
+    <p:sldId id="261" r:id="rId16"/>
+    <p:sldId id="268" r:id="rId17"/>
+    <p:sldId id="262" r:id="rId18"/>
+    <p:sldId id="263" r:id="rId19"/>
+    <p:sldId id="264" r:id="rId20"/>
+    <p:sldId id="276" r:id="rId21"/>
   </p:sldIdLst>
   <p:sldSz cx="12192000" cy="6858000"/>
   <p:notesSz cx="6858000" cy="9144000"/>
@@ -21,7 +32,7 @@
     <a:defPPr>
       <a:defRPr lang="en-US"/>
     </a:defPPr>
-    <a:lvl1pPr marL="0" algn="l" defTabSz="914400" rtl="0" eaLnBrk="1" latinLnBrk="0" hangingPunct="1">
+    <a:lvl1pPr marL="0" algn="l" defTabSz="457200" rtl="0" eaLnBrk="1" latinLnBrk="0" hangingPunct="1">
       <a:defRPr sz="1800" kern="1200">
         <a:solidFill>
           <a:schemeClr val="tx1"/>
@@ -31,7 +42,7 @@
         <a:cs typeface="+mn-cs"/>
       </a:defRPr>
     </a:lvl1pPr>
-    <a:lvl2pPr marL="457200" algn="l" defTabSz="914400" rtl="0" eaLnBrk="1" latinLnBrk="0" hangingPunct="1">
+    <a:lvl2pPr marL="457200" algn="l" defTabSz="457200" rtl="0" eaLnBrk="1" latinLnBrk="0" hangingPunct="1">
       <a:defRPr sz="1800" kern="1200">
         <a:solidFill>
           <a:schemeClr val="tx1"/>
@@ -41,7 +52,7 @@
         <a:cs typeface="+mn-cs"/>
       </a:defRPr>
     </a:lvl2pPr>
-    <a:lvl3pPr marL="914400" algn="l" defTabSz="914400" rtl="0" eaLnBrk="1" latinLnBrk="0" hangingPunct="1">
+    <a:lvl3pPr marL="914400" algn="l" defTabSz="457200" rtl="0" eaLnBrk="1" latinLnBrk="0" hangingPunct="1">
       <a:defRPr sz="1800" kern="1200">
         <a:solidFill>
           <a:schemeClr val="tx1"/>
@@ -51,7 +62,7 @@
         <a:cs typeface="+mn-cs"/>
       </a:defRPr>
     </a:lvl3pPr>
-    <a:lvl4pPr marL="1371600" algn="l" defTabSz="914400" rtl="0" eaLnBrk="1" latinLnBrk="0" hangingPunct="1">
+    <a:lvl4pPr marL="1371600" algn="l" defTabSz="457200" rtl="0" eaLnBrk="1" latinLnBrk="0" hangingPunct="1">
       <a:defRPr sz="1800" kern="1200">
         <a:solidFill>
           <a:schemeClr val="tx1"/>
@@ -61,7 +72,7 @@
         <a:cs typeface="+mn-cs"/>
       </a:defRPr>
     </a:lvl4pPr>
-    <a:lvl5pPr marL="1828800" algn="l" defTabSz="914400" rtl="0" eaLnBrk="1" latinLnBrk="0" hangingPunct="1">
+    <a:lvl5pPr marL="1828800" algn="l" defTabSz="457200" rtl="0" eaLnBrk="1" latinLnBrk="0" hangingPunct="1">
       <a:defRPr sz="1800" kern="1200">
         <a:solidFill>
           <a:schemeClr val="tx1"/>
@@ -71,7 +82,7 @@
         <a:cs typeface="+mn-cs"/>
       </a:defRPr>
     </a:lvl5pPr>
-    <a:lvl6pPr marL="2286000" algn="l" defTabSz="914400" rtl="0" eaLnBrk="1" latinLnBrk="0" hangingPunct="1">
+    <a:lvl6pPr marL="2286000" algn="l" defTabSz="457200" rtl="0" eaLnBrk="1" latinLnBrk="0" hangingPunct="1">
       <a:defRPr sz="1800" kern="1200">
         <a:solidFill>
           <a:schemeClr val="tx1"/>
@@ -81,7 +92,7 @@
         <a:cs typeface="+mn-cs"/>
       </a:defRPr>
     </a:lvl6pPr>
-    <a:lvl7pPr marL="2743200" algn="l" defTabSz="914400" rtl="0" eaLnBrk="1" latinLnBrk="0" hangingPunct="1">
+    <a:lvl7pPr marL="2743200" algn="l" defTabSz="457200" rtl="0" eaLnBrk="1" latinLnBrk="0" hangingPunct="1">
       <a:defRPr sz="1800" kern="1200">
         <a:solidFill>
           <a:schemeClr val="tx1"/>
@@ -91,7 +102,7 @@
         <a:cs typeface="+mn-cs"/>
       </a:defRPr>
     </a:lvl7pPr>
-    <a:lvl8pPr marL="3200400" algn="l" defTabSz="914400" rtl="0" eaLnBrk="1" latinLnBrk="0" hangingPunct="1">
+    <a:lvl8pPr marL="3200400" algn="l" defTabSz="457200" rtl="0" eaLnBrk="1" latinLnBrk="0" hangingPunct="1">
       <a:defRPr sz="1800" kern="1200">
         <a:solidFill>
           <a:schemeClr val="tx1"/>
@@ -101,7 +112,7 @@
         <a:cs typeface="+mn-cs"/>
       </a:defRPr>
     </a:lvl8pPr>
-    <a:lvl9pPr marL="3657600" algn="l" defTabSz="914400" rtl="0" eaLnBrk="1" latinLnBrk="0" hangingPunct="1">
+    <a:lvl9pPr marL="3657600" algn="l" defTabSz="457200" rtl="0" eaLnBrk="1" latinLnBrk="0" hangingPunct="1">
       <a:defRPr sz="1800" kern="1200">
         <a:solidFill>
           <a:schemeClr val="tx1"/>
@@ -112,11 +123,42 @@
       </a:defRPr>
     </a:lvl9pPr>
   </p:defaultTextStyle>
+  <p:extLst>
+    <p:ext uri="{EFAFB233-063F-42B5-8137-9DF3F51BA10A}">
+      <p15:sldGuideLst xmlns:p15="http://schemas.microsoft.com/office/powerpoint/2012/main"/>
+    </p:ext>
+  </p:extLst>
 </p:presentation>
 </file>
 
+<file path=ppt/commentAuthors.xml><?xml version="1.0" encoding="utf-8"?>
+<p:cmAuthorLst xmlns:a="http://schemas.openxmlformats.org/drawingml/2006/main" xmlns:r="http://schemas.openxmlformats.org/officeDocument/2006/relationships" xmlns:p="http://schemas.openxmlformats.org/presentationml/2006/main">
+  <p:cmAuthor id="1" name="Manuha Vancha" initials="MV" lastIdx="1" clrIdx="0">
+    <p:extLst>
+      <p:ext uri="{19B8F6BF-5375-455C-9EA6-DF929625EA0E}">
+        <p15:presenceInfo xmlns:p15="http://schemas.microsoft.com/office/powerpoint/2012/main" userId="2e2d4189d824a716" providerId="Windows Live"/>
+      </p:ext>
+    </p:extLst>
+  </p:cmAuthor>
+</p:cmAuthorLst>
+</file>
+
+<file path=ppt/comments/comment1.xml><?xml version="1.0" encoding="utf-8"?>
+<p:cmLst xmlns:a="http://schemas.openxmlformats.org/drawingml/2006/main" xmlns:r="http://schemas.openxmlformats.org/officeDocument/2006/relationships" xmlns:p="http://schemas.openxmlformats.org/presentationml/2006/main">
+  <p:cm authorId="1" dt="2020-09-22T16:06:06.469" idx="1">
+    <p:pos x="10" y="10"/>
+    <p:text>might not be necessary</p:text>
+    <p:extLst>
+      <p:ext uri="{C676402C-5697-4E1C-873F-D02D1690AC5C}">
+        <p15:threadingInfo xmlns:p15="http://schemas.microsoft.com/office/powerpoint/2012/main" timeZoneBias="420"/>
+      </p:ext>
+    </p:extLst>
+  </p:cm>
+</p:cmLst>
+</file>
+
 <file path=ppt/slideLayouts/slideLayout1.xml><?xml version="1.0" encoding="utf-8"?>
-<p:sldLayout xmlns:a="http://schemas.openxmlformats.org/drawingml/2006/main" xmlns:r="http://schemas.openxmlformats.org/officeDocument/2006/relationships" xmlns:p="http://schemas.openxmlformats.org/presentationml/2006/main" type="title" preserve="1">
+<p:sldLayout xmlns:a="http://schemas.openxmlformats.org/drawingml/2006/main" xmlns:r="http://schemas.openxmlformats.org/officeDocument/2006/relationships" xmlns:p="http://schemas.openxmlformats.org/presentationml/2006/main" showMasterSp="0" type="title" preserve="1">
   <p:cSld name="Title Slide">
     <p:spTree>
       <p:nvGrpSpPr>
@@ -134,31 +176,113 @@
       </p:grpSpPr>
       <p:sp>
         <p:nvSpPr>
-          <p:cNvPr id="2" name="Title 1">
-            <a:extLst>
-              <a:ext uri="{FF2B5EF4-FFF2-40B4-BE49-F238E27FC236}">
-                <a16:creationId xmlns:a16="http://schemas.microsoft.com/office/drawing/2014/main" id="{6C0EEA63-2D05-4D69-A213-99D451A788C0}"/>
-              </a:ext>
-            </a:extLst>
-          </p:cNvPr>
-          <p:cNvSpPr>
-            <a:spLocks noGrp="1"/>
-          </p:cNvSpPr>
-          <p:nvPr>
-            <p:ph type="ctrTitle"/>
-          </p:nvPr>
+          <p:cNvPr id="7" name="Rectangle 6"/>
+          <p:cNvSpPr/>
+          <p:nvPr/>
         </p:nvSpPr>
         <p:spPr>
           <a:xfrm>
-            <a:off x="1524000" y="1122363"/>
-            <a:ext cx="9144000" cy="2387600"/>
+            <a:off x="3175" y="6400800"/>
+            <a:ext cx="12188825" cy="457200"/>
+          </a:xfrm>
+          <a:prstGeom prst="rect">
+            <a:avLst/>
+          </a:prstGeom>
+          <a:solidFill>
+            <a:schemeClr val="accent2"/>
+          </a:solidFill>
+          <a:ln>
+            <a:noFill/>
+          </a:ln>
+        </p:spPr>
+        <p:style>
+          <a:lnRef idx="2">
+            <a:schemeClr val="accent1">
+              <a:shade val="50000"/>
+            </a:schemeClr>
+          </a:lnRef>
+          <a:fillRef idx="1">
+            <a:schemeClr val="accent1"/>
+          </a:fillRef>
+          <a:effectRef idx="0">
+            <a:schemeClr val="accent1"/>
+          </a:effectRef>
+          <a:fontRef idx="minor">
+            <a:schemeClr val="lt1"/>
+          </a:fontRef>
+        </p:style>
+      </p:sp>
+      <p:sp>
+        <p:nvSpPr>
+          <p:cNvPr id="8" name="Rectangle 7"/>
+          <p:cNvSpPr/>
+          <p:nvPr/>
+        </p:nvSpPr>
+        <p:spPr>
+          <a:xfrm>
+            <a:off x="15" y="6334316"/>
+            <a:ext cx="12188825" cy="64008"/>
+          </a:xfrm>
+          <a:prstGeom prst="rect">
+            <a:avLst/>
+          </a:prstGeom>
+          <a:solidFill>
+            <a:schemeClr val="accent1"/>
+          </a:solidFill>
+          <a:ln>
+            <a:noFill/>
+          </a:ln>
+        </p:spPr>
+        <p:style>
+          <a:lnRef idx="2">
+            <a:schemeClr val="accent1">
+              <a:shade val="50000"/>
+            </a:schemeClr>
+          </a:lnRef>
+          <a:fillRef idx="1">
+            <a:schemeClr val="accent1"/>
+          </a:fillRef>
+          <a:effectRef idx="0">
+            <a:schemeClr val="accent1"/>
+          </a:effectRef>
+          <a:fontRef idx="minor">
+            <a:schemeClr val="lt1"/>
+          </a:fontRef>
+        </p:style>
+      </p:sp>
+      <p:sp>
+        <p:nvSpPr>
+          <p:cNvPr id="2" name="Title 1"/>
+          <p:cNvSpPr>
+            <a:spLocks noGrp="1"/>
+          </p:cNvSpPr>
+          <p:nvPr>
+            <p:ph type="ctrTitle"/>
+          </p:nvPr>
+        </p:nvSpPr>
+        <p:spPr>
+          <a:xfrm>
+            <a:off x="1097280" y="758952"/>
+            <a:ext cx="10058400" cy="3566160"/>
           </a:xfrm>
         </p:spPr>
         <p:txBody>
-          <a:bodyPr anchor="b"/>
+          <a:bodyPr anchor="b">
+            <a:normAutofit/>
+          </a:bodyPr>
           <a:lstStyle>
-            <a:lvl1pPr algn="ctr">
-              <a:defRPr sz="6000"/>
+            <a:lvl1pPr algn="l">
+              <a:lnSpc>
+                <a:spcPct val="85000"/>
+              </a:lnSpc>
+              <a:defRPr sz="8000" spc="-50" baseline="0">
+                <a:solidFill>
+                  <a:schemeClr val="tx1">
+                    <a:lumMod val="85000"/>
+                    <a:lumOff val="15000"/>
+                  </a:schemeClr>
+                </a:solidFill>
+              </a:defRPr>
             </a:lvl1pPr>
           </a:lstStyle>
           <a:p>
@@ -166,18 +290,13 @@
               <a:rPr lang="en-US"/>
               <a:t>Click to edit Master title style</a:t>
             </a:r>
-          </a:p>
-        </p:txBody>
-      </p:sp>
-      <p:sp>
-        <p:nvSpPr>
-          <p:cNvPr id="3" name="Subtitle 2">
-            <a:extLst>
-              <a:ext uri="{FF2B5EF4-FFF2-40B4-BE49-F238E27FC236}">
-                <a16:creationId xmlns:a16="http://schemas.microsoft.com/office/drawing/2014/main" id="{4B459EDD-D475-4956-B9A5-BC49270E6358}"/>
-              </a:ext>
-            </a:extLst>
-          </p:cNvPr>
+            <a:endParaRPr lang="en-US" dirty="0"/>
+          </a:p>
+        </p:txBody>
+      </p:sp>
+      <p:sp>
+        <p:nvSpPr>
+          <p:cNvPr id="3" name="Subtitle 2"/>
           <p:cNvSpPr>
             <a:spLocks noGrp="1"/>
           </p:cNvSpPr>
@@ -187,48 +306,55 @@
         </p:nvSpPr>
         <p:spPr>
           <a:xfrm>
-            <a:off x="1524000" y="3602038"/>
-            <a:ext cx="9144000" cy="1655762"/>
+            <a:off x="1100051" y="4455620"/>
+            <a:ext cx="10058400" cy="1143000"/>
           </a:xfrm>
         </p:spPr>
         <p:txBody>
-          <a:bodyPr/>
+          <a:bodyPr lIns="91440" rIns="91440">
+            <a:normAutofit/>
+          </a:bodyPr>
           <a:lstStyle>
-            <a:lvl1pPr marL="0" indent="0" algn="ctr">
+            <a:lvl1pPr marL="0" indent="0" algn="l">
               <a:buNone/>
-              <a:defRPr sz="2400"/>
+              <a:defRPr sz="2400" cap="all" spc="200" baseline="0">
+                <a:solidFill>
+                  <a:schemeClr val="tx2"/>
+                </a:solidFill>
+                <a:latin typeface="+mj-lt"/>
+              </a:defRPr>
             </a:lvl1pPr>
             <a:lvl2pPr marL="457200" indent="0" algn="ctr">
               <a:buNone/>
-              <a:defRPr sz="2000"/>
+              <a:defRPr sz="2400"/>
             </a:lvl2pPr>
             <a:lvl3pPr marL="914400" indent="0" algn="ctr">
               <a:buNone/>
-              <a:defRPr sz="1800"/>
+              <a:defRPr sz="2400"/>
             </a:lvl3pPr>
             <a:lvl4pPr marL="1371600" indent="0" algn="ctr">
               <a:buNone/>
-              <a:defRPr sz="1600"/>
+              <a:defRPr sz="2000"/>
             </a:lvl4pPr>
             <a:lvl5pPr marL="1828800" indent="0" algn="ctr">
               <a:buNone/>
-              <a:defRPr sz="1600"/>
+              <a:defRPr sz="2000"/>
             </a:lvl5pPr>
             <a:lvl6pPr marL="2286000" indent="0" algn="ctr">
               <a:buNone/>
-              <a:defRPr sz="1600"/>
+              <a:defRPr sz="2000"/>
             </a:lvl6pPr>
             <a:lvl7pPr marL="2743200" indent="0" algn="ctr">
               <a:buNone/>
-              <a:defRPr sz="1600"/>
+              <a:defRPr sz="2000"/>
             </a:lvl7pPr>
             <a:lvl8pPr marL="3200400" indent="0" algn="ctr">
               <a:buNone/>
-              <a:defRPr sz="1600"/>
+              <a:defRPr sz="2000"/>
             </a:lvl8pPr>
             <a:lvl9pPr marL="3657600" indent="0" algn="ctr">
               <a:buNone/>
-              <a:defRPr sz="1600"/>
+              <a:defRPr sz="2000"/>
             </a:lvl9pPr>
           </a:lstStyle>
           <a:p>
@@ -236,18 +362,13 @@
               <a:rPr lang="en-US"/>
               <a:t>Click to edit Master subtitle style</a:t>
             </a:r>
-          </a:p>
-        </p:txBody>
-      </p:sp>
-      <p:sp>
-        <p:nvSpPr>
-          <p:cNvPr id="4" name="Date Placeholder 3">
-            <a:extLst>
-              <a:ext uri="{FF2B5EF4-FFF2-40B4-BE49-F238E27FC236}">
-                <a16:creationId xmlns:a16="http://schemas.microsoft.com/office/drawing/2014/main" id="{E043F780-3111-48CB-99C2-02F9459D61EF}"/>
-              </a:ext>
-            </a:extLst>
-          </p:cNvPr>
+            <a:endParaRPr lang="en-US" dirty="0"/>
+          </a:p>
+        </p:txBody>
+      </p:sp>
+      <p:sp>
+        <p:nvSpPr>
+          <p:cNvPr id="4" name="Date Placeholder 3"/>
           <p:cNvSpPr>
             <a:spLocks noGrp="1"/>
           </p:cNvSpPr>
@@ -270,13 +391,7 @@
       </p:sp>
       <p:sp>
         <p:nvSpPr>
-          <p:cNvPr id="5" name="Footer Placeholder 4">
-            <a:extLst>
-              <a:ext uri="{FF2B5EF4-FFF2-40B4-BE49-F238E27FC236}">
-                <a16:creationId xmlns:a16="http://schemas.microsoft.com/office/drawing/2014/main" id="{4FD20591-51FD-415E-8DC3-8D363E3A1841}"/>
-              </a:ext>
-            </a:extLst>
-          </p:cNvPr>
+          <p:cNvPr id="5" name="Footer Placeholder 4"/>
           <p:cNvSpPr>
             <a:spLocks noGrp="1"/>
           </p:cNvSpPr>
@@ -295,13 +410,7 @@
       </p:sp>
       <p:sp>
         <p:nvSpPr>
-          <p:cNvPr id="6" name="Slide Number Placeholder 5">
-            <a:extLst>
-              <a:ext uri="{FF2B5EF4-FFF2-40B4-BE49-F238E27FC236}">
-                <a16:creationId xmlns:a16="http://schemas.microsoft.com/office/drawing/2014/main" id="{0ACD8F0F-35DD-481B-B076-E702D2A756C1}"/>
-              </a:ext>
-            </a:extLst>
-          </p:cNvPr>
+          <p:cNvPr id="6" name="Slide Number Placeholder 5"/>
           <p:cNvSpPr>
             <a:spLocks noGrp="1"/>
           </p:cNvSpPr>
@@ -322,10 +431,48 @@
           </a:p>
         </p:txBody>
       </p:sp>
+      <p:cxnSp>
+        <p:nvCxnSpPr>
+          <p:cNvPr id="9" name="Straight Connector 8"/>
+          <p:cNvCxnSpPr/>
+          <p:nvPr/>
+        </p:nvCxnSpPr>
+        <p:spPr>
+          <a:xfrm>
+            <a:off x="1207658" y="4343400"/>
+            <a:ext cx="9875520" cy="0"/>
+          </a:xfrm>
+          <a:prstGeom prst="line">
+            <a:avLst/>
+          </a:prstGeom>
+          <a:ln w="6350">
+            <a:solidFill>
+              <a:schemeClr val="tx1">
+                <a:lumMod val="50000"/>
+                <a:lumOff val="50000"/>
+              </a:schemeClr>
+            </a:solidFill>
+          </a:ln>
+        </p:spPr>
+        <p:style>
+          <a:lnRef idx="1">
+            <a:schemeClr val="accent1"/>
+          </a:lnRef>
+          <a:fillRef idx="0">
+            <a:schemeClr val="accent1"/>
+          </a:fillRef>
+          <a:effectRef idx="0">
+            <a:schemeClr val="accent1"/>
+          </a:effectRef>
+          <a:fontRef idx="minor">
+            <a:schemeClr val="tx1"/>
+          </a:fontRef>
+        </p:style>
+      </p:cxnSp>
     </p:spTree>
     <p:extLst>
       <p:ext uri="{BB962C8B-B14F-4D97-AF65-F5344CB8AC3E}">
-        <p14:creationId xmlns:p14="http://schemas.microsoft.com/office/powerpoint/2010/main" val="1098689844"/>
+        <p14:creationId xmlns:p14="http://schemas.microsoft.com/office/powerpoint/2010/main" val="3939243968"/>
       </p:ext>
     </p:extLst>
   </p:cSld>
@@ -354,13 +501,7 @@
       </p:grpSpPr>
       <p:sp>
         <p:nvSpPr>
-          <p:cNvPr id="2" name="Title 1">
-            <a:extLst>
-              <a:ext uri="{FF2B5EF4-FFF2-40B4-BE49-F238E27FC236}">
-                <a16:creationId xmlns:a16="http://schemas.microsoft.com/office/drawing/2014/main" id="{A5A1548C-362E-4106-9A58-E86D902C6F97}"/>
-              </a:ext>
-            </a:extLst>
-          </p:cNvPr>
+          <p:cNvPr id="2" name="Title 1"/>
           <p:cNvSpPr>
             <a:spLocks noGrp="1"/>
           </p:cNvSpPr>
@@ -377,18 +518,13 @@
               <a:rPr lang="en-US"/>
               <a:t>Click to edit Master title style</a:t>
             </a:r>
-          </a:p>
-        </p:txBody>
-      </p:sp>
-      <p:sp>
-        <p:nvSpPr>
-          <p:cNvPr id="3" name="Vertical Text Placeholder 2">
-            <a:extLst>
-              <a:ext uri="{FF2B5EF4-FFF2-40B4-BE49-F238E27FC236}">
-                <a16:creationId xmlns:a16="http://schemas.microsoft.com/office/drawing/2014/main" id="{C597545C-202D-4FDD-A6AD-036FE99B80FD}"/>
-              </a:ext>
-            </a:extLst>
-          </p:cNvPr>
+            <a:endParaRPr lang="en-US" dirty="0"/>
+          </a:p>
+        </p:txBody>
+      </p:sp>
+      <p:sp>
+        <p:nvSpPr>
+          <p:cNvPr id="3" name="Vertical Text Placeholder 2"/>
           <p:cNvSpPr>
             <a:spLocks noGrp="1"/>
           </p:cNvSpPr>
@@ -398,7 +534,7 @@
         </p:nvSpPr>
         <p:spPr/>
         <p:txBody>
-          <a:bodyPr vert="eaVert"/>
+          <a:bodyPr vert="eaVert" lIns="45720" tIns="0" rIns="45720" bIns="0"/>
           <a:lstStyle/>
           <a:p>
             <a:pPr lvl="0"/>
@@ -434,18 +570,13 @@
               <a:rPr lang="en-US"/>
               <a:t>Fifth level</a:t>
             </a:r>
-          </a:p>
-        </p:txBody>
-      </p:sp>
-      <p:sp>
-        <p:nvSpPr>
-          <p:cNvPr id="4" name="Date Placeholder 3">
-            <a:extLst>
-              <a:ext uri="{FF2B5EF4-FFF2-40B4-BE49-F238E27FC236}">
-                <a16:creationId xmlns:a16="http://schemas.microsoft.com/office/drawing/2014/main" id="{975365C1-1F0E-41F8-970B-BD0425915997}"/>
-              </a:ext>
-            </a:extLst>
-          </p:cNvPr>
+            <a:endParaRPr lang="en-US" dirty="0"/>
+          </a:p>
+        </p:txBody>
+      </p:sp>
+      <p:sp>
+        <p:nvSpPr>
+          <p:cNvPr id="4" name="Date Placeholder 3"/>
           <p:cNvSpPr>
             <a:spLocks noGrp="1"/>
           </p:cNvSpPr>
@@ -468,13 +599,7 @@
       </p:sp>
       <p:sp>
         <p:nvSpPr>
-          <p:cNvPr id="5" name="Footer Placeholder 4">
-            <a:extLst>
-              <a:ext uri="{FF2B5EF4-FFF2-40B4-BE49-F238E27FC236}">
-                <a16:creationId xmlns:a16="http://schemas.microsoft.com/office/drawing/2014/main" id="{217310EA-84D5-4775-9B7F-7C929E29FADB}"/>
-              </a:ext>
-            </a:extLst>
-          </p:cNvPr>
+          <p:cNvPr id="5" name="Footer Placeholder 4"/>
           <p:cNvSpPr>
             <a:spLocks noGrp="1"/>
           </p:cNvSpPr>
@@ -493,13 +618,7 @@
       </p:sp>
       <p:sp>
         <p:nvSpPr>
-          <p:cNvPr id="6" name="Slide Number Placeholder 5">
-            <a:extLst>
-              <a:ext uri="{FF2B5EF4-FFF2-40B4-BE49-F238E27FC236}">
-                <a16:creationId xmlns:a16="http://schemas.microsoft.com/office/drawing/2014/main" id="{0624B8EC-81C3-43AE-84E3-976AD7446A91}"/>
-              </a:ext>
-            </a:extLst>
-          </p:cNvPr>
+          <p:cNvPr id="6" name="Slide Number Placeholder 5"/>
           <p:cNvSpPr>
             <a:spLocks noGrp="1"/>
           </p:cNvSpPr>
@@ -523,7 +642,7 @@
     </p:spTree>
     <p:extLst>
       <p:ext uri="{BB962C8B-B14F-4D97-AF65-F5344CB8AC3E}">
-        <p14:creationId xmlns:p14="http://schemas.microsoft.com/office/powerpoint/2010/main" val="827056446"/>
+        <p14:creationId xmlns:p14="http://schemas.microsoft.com/office/powerpoint/2010/main" val="3786485026"/>
       </p:ext>
     </p:extLst>
   </p:cSld>
@@ -534,7 +653,7 @@
 </file>
 
 <file path=ppt/slideLayouts/slideLayout11.xml><?xml version="1.0" encoding="utf-8"?>
-<p:sldLayout xmlns:a="http://schemas.openxmlformats.org/drawingml/2006/main" xmlns:r="http://schemas.openxmlformats.org/officeDocument/2006/relationships" xmlns:p="http://schemas.openxmlformats.org/presentationml/2006/main" type="vertTitleAndTx" preserve="1">
+<p:sldLayout xmlns:a="http://schemas.openxmlformats.org/drawingml/2006/main" xmlns:r="http://schemas.openxmlformats.org/officeDocument/2006/relationships" xmlns:p="http://schemas.openxmlformats.org/presentationml/2006/main" showMasterSp="0" type="vertTitleAndTx" preserve="1">
   <p:cSld name="Vertical Title and Text">
     <p:spTree>
       <p:nvGrpSpPr>
@@ -552,24 +671,94 @@
       </p:grpSpPr>
       <p:sp>
         <p:nvSpPr>
-          <p:cNvPr id="2" name="Vertical Title 1">
-            <a:extLst>
-              <a:ext uri="{FF2B5EF4-FFF2-40B4-BE49-F238E27FC236}">
-                <a16:creationId xmlns:a16="http://schemas.microsoft.com/office/drawing/2014/main" id="{9326DBF4-0882-4DD9-BF45-5E07FB2D48A3}"/>
-              </a:ext>
-            </a:extLst>
-          </p:cNvPr>
-          <p:cNvSpPr>
-            <a:spLocks noGrp="1"/>
-          </p:cNvSpPr>
-          <p:nvPr>
-            <p:ph type="title" orient="vert"/>
-          </p:nvPr>
+          <p:cNvPr id="7" name="Rectangle 6"/>
+          <p:cNvSpPr/>
+          <p:nvPr/>
         </p:nvSpPr>
         <p:spPr>
           <a:xfrm>
-            <a:off x="8724900" y="365125"/>
-            <a:ext cx="2628900" cy="5811838"/>
+            <a:off x="3175" y="6400800"/>
+            <a:ext cx="12188825" cy="457200"/>
+          </a:xfrm>
+          <a:prstGeom prst="rect">
+            <a:avLst/>
+          </a:prstGeom>
+          <a:solidFill>
+            <a:schemeClr val="accent2"/>
+          </a:solidFill>
+          <a:ln>
+            <a:noFill/>
+          </a:ln>
+        </p:spPr>
+        <p:style>
+          <a:lnRef idx="2">
+            <a:schemeClr val="accent1">
+              <a:shade val="50000"/>
+            </a:schemeClr>
+          </a:lnRef>
+          <a:fillRef idx="1">
+            <a:schemeClr val="accent1"/>
+          </a:fillRef>
+          <a:effectRef idx="0">
+            <a:schemeClr val="accent1"/>
+          </a:effectRef>
+          <a:fontRef idx="minor">
+            <a:schemeClr val="lt1"/>
+          </a:fontRef>
+        </p:style>
+      </p:sp>
+      <p:sp>
+        <p:nvSpPr>
+          <p:cNvPr id="8" name="Rectangle 7"/>
+          <p:cNvSpPr/>
+          <p:nvPr/>
+        </p:nvSpPr>
+        <p:spPr>
+          <a:xfrm>
+            <a:off x="15" y="6334316"/>
+            <a:ext cx="12188825" cy="64008"/>
+          </a:xfrm>
+          <a:prstGeom prst="rect">
+            <a:avLst/>
+          </a:prstGeom>
+          <a:solidFill>
+            <a:schemeClr val="accent1"/>
+          </a:solidFill>
+          <a:ln>
+            <a:noFill/>
+          </a:ln>
+        </p:spPr>
+        <p:style>
+          <a:lnRef idx="2">
+            <a:schemeClr val="accent1">
+              <a:shade val="50000"/>
+            </a:schemeClr>
+          </a:lnRef>
+          <a:fillRef idx="1">
+            <a:schemeClr val="accent1"/>
+          </a:fillRef>
+          <a:effectRef idx="0">
+            <a:schemeClr val="accent1"/>
+          </a:effectRef>
+          <a:fontRef idx="minor">
+            <a:schemeClr val="lt1"/>
+          </a:fontRef>
+        </p:style>
+      </p:sp>
+      <p:sp>
+        <p:nvSpPr>
+          <p:cNvPr id="2" name="Vertical Title 1"/>
+          <p:cNvSpPr>
+            <a:spLocks noGrp="1"/>
+          </p:cNvSpPr>
+          <p:nvPr>
+            <p:ph type="title" orient="vert"/>
+          </p:nvPr>
+        </p:nvSpPr>
+        <p:spPr>
+          <a:xfrm>
+            <a:off x="8724900" y="414778"/>
+            <a:ext cx="2628900" cy="5757421"/>
           </a:xfrm>
         </p:spPr>
         <p:txBody>
@@ -580,18 +769,13 @@
               <a:rPr lang="en-US"/>
               <a:t>Click to edit Master title style</a:t>
             </a:r>
-          </a:p>
-        </p:txBody>
-      </p:sp>
-      <p:sp>
-        <p:nvSpPr>
-          <p:cNvPr id="3" name="Vertical Text Placeholder 2">
-            <a:extLst>
-              <a:ext uri="{FF2B5EF4-FFF2-40B4-BE49-F238E27FC236}">
-                <a16:creationId xmlns:a16="http://schemas.microsoft.com/office/drawing/2014/main" id="{267D3912-738D-4654-AFAA-CF115F866D38}"/>
-              </a:ext>
-            </a:extLst>
-          </p:cNvPr>
+            <a:endParaRPr lang="en-US" dirty="0"/>
+          </a:p>
+        </p:txBody>
+      </p:sp>
+      <p:sp>
+        <p:nvSpPr>
+          <p:cNvPr id="3" name="Vertical Text Placeholder 2"/>
           <p:cNvSpPr>
             <a:spLocks noGrp="1"/>
           </p:cNvSpPr>
@@ -601,12 +785,12 @@
         </p:nvSpPr>
         <p:spPr>
           <a:xfrm>
-            <a:off x="838200" y="365125"/>
-            <a:ext cx="7734300" cy="5811838"/>
+            <a:off x="838200" y="414778"/>
+            <a:ext cx="7734300" cy="5757422"/>
           </a:xfrm>
         </p:spPr>
         <p:txBody>
-          <a:bodyPr vert="eaVert"/>
+          <a:bodyPr vert="eaVert" lIns="45720" tIns="0" rIns="45720" bIns="0"/>
           <a:lstStyle/>
           <a:p>
             <a:pPr lvl="0"/>
@@ -642,18 +826,13 @@
               <a:rPr lang="en-US"/>
               <a:t>Fifth level</a:t>
             </a:r>
-          </a:p>
-        </p:txBody>
-      </p:sp>
-      <p:sp>
-        <p:nvSpPr>
-          <p:cNvPr id="4" name="Date Placeholder 3">
-            <a:extLst>
-              <a:ext uri="{FF2B5EF4-FFF2-40B4-BE49-F238E27FC236}">
-                <a16:creationId xmlns:a16="http://schemas.microsoft.com/office/drawing/2014/main" id="{B8E06BC3-53ED-4439-BE89-A442F04D07F8}"/>
-              </a:ext>
-            </a:extLst>
-          </p:cNvPr>
+            <a:endParaRPr lang="en-US" dirty="0"/>
+          </a:p>
+        </p:txBody>
+      </p:sp>
+      <p:sp>
+        <p:nvSpPr>
+          <p:cNvPr id="4" name="Date Placeholder 3"/>
           <p:cNvSpPr>
             <a:spLocks noGrp="1"/>
           </p:cNvSpPr>
@@ -676,13 +855,7 @@
       </p:sp>
       <p:sp>
         <p:nvSpPr>
-          <p:cNvPr id="5" name="Footer Placeholder 4">
-            <a:extLst>
-              <a:ext uri="{FF2B5EF4-FFF2-40B4-BE49-F238E27FC236}">
-                <a16:creationId xmlns:a16="http://schemas.microsoft.com/office/drawing/2014/main" id="{C093560F-D68F-45F9-A8B1-1EB4022FC067}"/>
-              </a:ext>
-            </a:extLst>
-          </p:cNvPr>
+          <p:cNvPr id="5" name="Footer Placeholder 4"/>
           <p:cNvSpPr>
             <a:spLocks noGrp="1"/>
           </p:cNvSpPr>
@@ -701,13 +874,7 @@
       </p:sp>
       <p:sp>
         <p:nvSpPr>
-          <p:cNvPr id="6" name="Slide Number Placeholder 5">
-            <a:extLst>
-              <a:ext uri="{FF2B5EF4-FFF2-40B4-BE49-F238E27FC236}">
-                <a16:creationId xmlns:a16="http://schemas.microsoft.com/office/drawing/2014/main" id="{5687A831-3B9A-4A79-9437-EDDAE3E98CF0}"/>
-              </a:ext>
-            </a:extLst>
-          </p:cNvPr>
+          <p:cNvPr id="6" name="Slide Number Placeholder 5"/>
           <p:cNvSpPr>
             <a:spLocks noGrp="1"/>
           </p:cNvSpPr>
@@ -731,7 +898,7 @@
     </p:spTree>
     <p:extLst>
       <p:ext uri="{BB962C8B-B14F-4D97-AF65-F5344CB8AC3E}">
-        <p14:creationId xmlns:p14="http://schemas.microsoft.com/office/powerpoint/2010/main" val="2722571052"/>
+        <p14:creationId xmlns:p14="http://schemas.microsoft.com/office/powerpoint/2010/main" val="3697751425"/>
       </p:ext>
     </p:extLst>
   </p:cSld>
@@ -760,13 +927,7 @@
       </p:grpSpPr>
       <p:sp>
         <p:nvSpPr>
-          <p:cNvPr id="2" name="Title 1">
-            <a:extLst>
-              <a:ext uri="{FF2B5EF4-FFF2-40B4-BE49-F238E27FC236}">
-                <a16:creationId xmlns:a16="http://schemas.microsoft.com/office/drawing/2014/main" id="{F99EECDD-3311-42DD-900F-DD67C392696C}"/>
-              </a:ext>
-            </a:extLst>
-          </p:cNvPr>
+          <p:cNvPr id="2" name="Title 1"/>
           <p:cNvSpPr>
             <a:spLocks noGrp="1"/>
           </p:cNvSpPr>
@@ -777,24 +938,23 @@
         <p:spPr/>
         <p:txBody>
           <a:bodyPr/>
-          <a:lstStyle/>
+          <a:lstStyle>
+            <a:lvl1pPr marL="0">
+              <a:defRPr/>
+            </a:lvl1pPr>
+          </a:lstStyle>
           <a:p>
             <a:r>
               <a:rPr lang="en-US"/>
               <a:t>Click to edit Master title style</a:t>
             </a:r>
-          </a:p>
-        </p:txBody>
-      </p:sp>
-      <p:sp>
-        <p:nvSpPr>
-          <p:cNvPr id="3" name="Content Placeholder 2">
-            <a:extLst>
-              <a:ext uri="{FF2B5EF4-FFF2-40B4-BE49-F238E27FC236}">
-                <a16:creationId xmlns:a16="http://schemas.microsoft.com/office/drawing/2014/main" id="{2C21C5F9-B6E5-4CA8-AACD-68147888E339}"/>
-              </a:ext>
-            </a:extLst>
-          </p:cNvPr>
+            <a:endParaRPr lang="en-US" dirty="0"/>
+          </a:p>
+        </p:txBody>
+      </p:sp>
+      <p:sp>
+        <p:nvSpPr>
+          <p:cNvPr id="3" name="Content Placeholder 2"/>
           <p:cNvSpPr>
             <a:spLocks noGrp="1"/>
           </p:cNvSpPr>
@@ -840,18 +1000,13 @@
               <a:rPr lang="en-US"/>
               <a:t>Fifth level</a:t>
             </a:r>
-          </a:p>
-        </p:txBody>
-      </p:sp>
-      <p:sp>
-        <p:nvSpPr>
-          <p:cNvPr id="4" name="Date Placeholder 3">
-            <a:extLst>
-              <a:ext uri="{FF2B5EF4-FFF2-40B4-BE49-F238E27FC236}">
-                <a16:creationId xmlns:a16="http://schemas.microsoft.com/office/drawing/2014/main" id="{EFDC27E2-31FC-41BD-8B4A-BBD1204BB547}"/>
-              </a:ext>
-            </a:extLst>
-          </p:cNvPr>
+            <a:endParaRPr lang="en-US" dirty="0"/>
+          </a:p>
+        </p:txBody>
+      </p:sp>
+      <p:sp>
+        <p:nvSpPr>
+          <p:cNvPr id="4" name="Date Placeholder 3"/>
           <p:cNvSpPr>
             <a:spLocks noGrp="1"/>
           </p:cNvSpPr>
@@ -874,13 +1029,7 @@
       </p:sp>
       <p:sp>
         <p:nvSpPr>
-          <p:cNvPr id="5" name="Footer Placeholder 4">
-            <a:extLst>
-              <a:ext uri="{FF2B5EF4-FFF2-40B4-BE49-F238E27FC236}">
-                <a16:creationId xmlns:a16="http://schemas.microsoft.com/office/drawing/2014/main" id="{C9B6277B-575C-42CE-98A2-40A4BC5E4388}"/>
-              </a:ext>
-            </a:extLst>
-          </p:cNvPr>
+          <p:cNvPr id="5" name="Footer Placeholder 4"/>
           <p:cNvSpPr>
             <a:spLocks noGrp="1"/>
           </p:cNvSpPr>
@@ -899,13 +1048,7 @@
       </p:sp>
       <p:sp>
         <p:nvSpPr>
-          <p:cNvPr id="6" name="Slide Number Placeholder 5">
-            <a:extLst>
-              <a:ext uri="{FF2B5EF4-FFF2-40B4-BE49-F238E27FC236}">
-                <a16:creationId xmlns:a16="http://schemas.microsoft.com/office/drawing/2014/main" id="{0902E1AB-529E-4D74-B700-6B2B945AF855}"/>
-              </a:ext>
-            </a:extLst>
-          </p:cNvPr>
+          <p:cNvPr id="6" name="Slide Number Placeholder 5"/>
           <p:cNvSpPr>
             <a:spLocks noGrp="1"/>
           </p:cNvSpPr>
@@ -929,7 +1072,7 @@
     </p:spTree>
     <p:extLst>
       <p:ext uri="{BB962C8B-B14F-4D97-AF65-F5344CB8AC3E}">
-        <p14:creationId xmlns:p14="http://schemas.microsoft.com/office/powerpoint/2010/main" val="1501786380"/>
+        <p14:creationId xmlns:p14="http://schemas.microsoft.com/office/powerpoint/2010/main" val="639578095"/>
       </p:ext>
     </p:extLst>
   </p:cSld>
@@ -940,8 +1083,16 @@
 </file>
 
 <file path=ppt/slideLayouts/slideLayout3.xml><?xml version="1.0" encoding="utf-8"?>
-<p:sldLayout xmlns:a="http://schemas.openxmlformats.org/drawingml/2006/main" xmlns:r="http://schemas.openxmlformats.org/officeDocument/2006/relationships" xmlns:p="http://schemas.openxmlformats.org/presentationml/2006/main" type="secHead" preserve="1">
+<p:sldLayout xmlns:a="http://schemas.openxmlformats.org/drawingml/2006/main" xmlns:r="http://schemas.openxmlformats.org/officeDocument/2006/relationships" xmlns:p="http://schemas.openxmlformats.org/presentationml/2006/main" showMasterSp="0" type="secHead" preserve="1">
   <p:cSld name="Section Header">
+    <p:bg>
+      <p:bgPr>
+        <a:solidFill>
+          <a:schemeClr val="bg1"/>
+        </a:solidFill>
+        <a:effectLst/>
+      </p:bgPr>
+    </p:bg>
     <p:spTree>
       <p:nvGrpSpPr>
         <p:cNvPr id="1" name=""/>
@@ -958,79 +1109,157 @@
       </p:grpSpPr>
       <p:sp>
         <p:nvSpPr>
-          <p:cNvPr id="2" name="Title 1">
-            <a:extLst>
-              <a:ext uri="{FF2B5EF4-FFF2-40B4-BE49-F238E27FC236}">
-                <a16:creationId xmlns:a16="http://schemas.microsoft.com/office/drawing/2014/main" id="{57CA0EB1-66C3-4121-95AC-B72A546882BB}"/>
-              </a:ext>
-            </a:extLst>
-          </p:cNvPr>
-          <p:cNvSpPr>
-            <a:spLocks noGrp="1"/>
-          </p:cNvSpPr>
-          <p:nvPr>
-            <p:ph type="title"/>
-          </p:nvPr>
+          <p:cNvPr id="7" name="Rectangle 6"/>
+          <p:cNvSpPr/>
+          <p:nvPr/>
         </p:nvSpPr>
         <p:spPr>
           <a:xfrm>
-            <a:off x="831850" y="1709738"/>
-            <a:ext cx="10515600" cy="2852737"/>
+            <a:off x="3175" y="6400800"/>
+            <a:ext cx="12188825" cy="457200"/>
+          </a:xfrm>
+          <a:prstGeom prst="rect">
+            <a:avLst/>
+          </a:prstGeom>
+          <a:solidFill>
+            <a:schemeClr val="accent2"/>
+          </a:solidFill>
+          <a:ln>
+            <a:noFill/>
+          </a:ln>
+        </p:spPr>
+        <p:style>
+          <a:lnRef idx="2">
+            <a:schemeClr val="accent1">
+              <a:shade val="50000"/>
+            </a:schemeClr>
+          </a:lnRef>
+          <a:fillRef idx="1">
+            <a:schemeClr val="accent1"/>
+          </a:fillRef>
+          <a:effectRef idx="0">
+            <a:schemeClr val="accent1"/>
+          </a:effectRef>
+          <a:fontRef idx="minor">
+            <a:schemeClr val="lt1"/>
+          </a:fontRef>
+        </p:style>
+      </p:sp>
+      <p:sp>
+        <p:nvSpPr>
+          <p:cNvPr id="8" name="Rectangle 7"/>
+          <p:cNvSpPr/>
+          <p:nvPr/>
+        </p:nvSpPr>
+        <p:spPr>
+          <a:xfrm>
+            <a:off x="15" y="6334316"/>
+            <a:ext cx="12188825" cy="64008"/>
+          </a:xfrm>
+          <a:prstGeom prst="rect">
+            <a:avLst/>
+          </a:prstGeom>
+          <a:solidFill>
+            <a:schemeClr val="accent1"/>
+          </a:solidFill>
+          <a:ln>
+            <a:noFill/>
+          </a:ln>
+        </p:spPr>
+        <p:style>
+          <a:lnRef idx="2">
+            <a:schemeClr val="accent1">
+              <a:shade val="50000"/>
+            </a:schemeClr>
+          </a:lnRef>
+          <a:fillRef idx="1">
+            <a:schemeClr val="accent1"/>
+          </a:fillRef>
+          <a:effectRef idx="0">
+            <a:schemeClr val="accent1"/>
+          </a:effectRef>
+          <a:fontRef idx="minor">
+            <a:schemeClr val="lt1"/>
+          </a:fontRef>
+        </p:style>
+      </p:sp>
+      <p:sp>
+        <p:nvSpPr>
+          <p:cNvPr id="2" name="Title 1"/>
+          <p:cNvSpPr>
+            <a:spLocks noGrp="1"/>
+          </p:cNvSpPr>
+          <p:nvPr>
+            <p:ph type="title"/>
+          </p:nvPr>
+        </p:nvSpPr>
+        <p:spPr>
+          <a:xfrm>
+            <a:off x="1097280" y="758952"/>
+            <a:ext cx="10058400" cy="3566160"/>
           </a:xfrm>
         </p:spPr>
         <p:txBody>
-          <a:bodyPr anchor="b"/>
+          <a:bodyPr anchor="b" anchorCtr="0">
+            <a:normAutofit/>
+          </a:bodyPr>
           <a:lstStyle>
             <a:lvl1pPr>
-              <a:defRPr sz="6000"/>
-            </a:lvl1pPr>
-          </a:lstStyle>
-          <a:p>
-            <a:r>
-              <a:rPr lang="en-US"/>
-              <a:t>Click to edit Master title style</a:t>
-            </a:r>
-          </a:p>
-        </p:txBody>
-      </p:sp>
-      <p:sp>
-        <p:nvSpPr>
-          <p:cNvPr id="3" name="Text Placeholder 2">
-            <a:extLst>
-              <a:ext uri="{FF2B5EF4-FFF2-40B4-BE49-F238E27FC236}">
-                <a16:creationId xmlns:a16="http://schemas.microsoft.com/office/drawing/2014/main" id="{50C6E61B-83C0-4B48-B5B4-2BB03213817D}"/>
-              </a:ext>
-            </a:extLst>
-          </p:cNvPr>
-          <p:cNvSpPr>
-            <a:spLocks noGrp="1"/>
-          </p:cNvSpPr>
-          <p:nvPr>
-            <p:ph type="body" idx="1"/>
-          </p:nvPr>
-        </p:nvSpPr>
-        <p:spPr>
-          <a:xfrm>
-            <a:off x="831850" y="4589463"/>
-            <a:ext cx="10515600" cy="1500187"/>
-          </a:xfrm>
-        </p:spPr>
-        <p:txBody>
-          <a:bodyPr/>
-          <a:lstStyle>
-            <a:lvl1pPr marL="0" indent="0">
-              <a:buNone/>
-              <a:defRPr sz="2400">
+              <a:lnSpc>
+                <a:spcPct val="85000"/>
+              </a:lnSpc>
+              <a:defRPr sz="8000" b="0">
                 <a:solidFill>
                   <a:schemeClr val="tx1">
-                    <a:tint val="75000"/>
+                    <a:lumMod val="85000"/>
+                    <a:lumOff val="15000"/>
                   </a:schemeClr>
                 </a:solidFill>
               </a:defRPr>
             </a:lvl1pPr>
+          </a:lstStyle>
+          <a:p>
+            <a:r>
+              <a:rPr lang="en-US"/>
+              <a:t>Click to edit Master title style</a:t>
+            </a:r>
+            <a:endParaRPr lang="en-US" dirty="0"/>
+          </a:p>
+        </p:txBody>
+      </p:sp>
+      <p:sp>
+        <p:nvSpPr>
+          <p:cNvPr id="3" name="Text Placeholder 2"/>
+          <p:cNvSpPr>
+            <a:spLocks noGrp="1"/>
+          </p:cNvSpPr>
+          <p:nvPr>
+            <p:ph type="body" idx="1"/>
+          </p:nvPr>
+        </p:nvSpPr>
+        <p:spPr>
+          <a:xfrm>
+            <a:off x="1097280" y="4453128"/>
+            <a:ext cx="10058400" cy="1143000"/>
+          </a:xfrm>
+        </p:spPr>
+        <p:txBody>
+          <a:bodyPr lIns="91440" rIns="91440" anchor="t" anchorCtr="0">
+            <a:normAutofit/>
+          </a:bodyPr>
+          <a:lstStyle>
+            <a:lvl1pPr marL="0" indent="0">
+              <a:buNone/>
+              <a:defRPr sz="2400" cap="all" spc="200" baseline="0">
+                <a:solidFill>
+                  <a:schemeClr val="tx2"/>
+                </a:solidFill>
+                <a:latin typeface="+mj-lt"/>
+              </a:defRPr>
+            </a:lvl1pPr>
             <a:lvl2pPr marL="457200" indent="0">
               <a:buNone/>
-              <a:defRPr sz="2000">
+              <a:defRPr sz="1800">
                 <a:solidFill>
                   <a:schemeClr val="tx1">
                     <a:tint val="75000"/>
@@ -1040,7 +1269,7 @@
             </a:lvl2pPr>
             <a:lvl3pPr marL="914400" indent="0">
               <a:buNone/>
-              <a:defRPr sz="1800">
+              <a:defRPr sz="1600">
                 <a:solidFill>
                   <a:schemeClr val="tx1">
                     <a:tint val="75000"/>
@@ -1050,7 +1279,7 @@
             </a:lvl3pPr>
             <a:lvl4pPr marL="1371600" indent="0">
               <a:buNone/>
-              <a:defRPr sz="1600">
+              <a:defRPr sz="1400">
                 <a:solidFill>
                   <a:schemeClr val="tx1">
                     <a:tint val="75000"/>
@@ -1060,7 +1289,7 @@
             </a:lvl4pPr>
             <a:lvl5pPr marL="1828800" indent="0">
               <a:buNone/>
-              <a:defRPr sz="1600">
+              <a:defRPr sz="1400">
                 <a:solidFill>
                   <a:schemeClr val="tx1">
                     <a:tint val="75000"/>
@@ -1070,7 +1299,7 @@
             </a:lvl5pPr>
             <a:lvl6pPr marL="2286000" indent="0">
               <a:buNone/>
-              <a:defRPr sz="1600">
+              <a:defRPr sz="1400">
                 <a:solidFill>
                   <a:schemeClr val="tx1">
                     <a:tint val="75000"/>
@@ -1080,7 +1309,7 @@
             </a:lvl6pPr>
             <a:lvl7pPr marL="2743200" indent="0">
               <a:buNone/>
-              <a:defRPr sz="1600">
+              <a:defRPr sz="1400">
                 <a:solidFill>
                   <a:schemeClr val="tx1">
                     <a:tint val="75000"/>
@@ -1090,7 +1319,7 @@
             </a:lvl7pPr>
             <a:lvl8pPr marL="3200400" indent="0">
               <a:buNone/>
-              <a:defRPr sz="1600">
+              <a:defRPr sz="1400">
                 <a:solidFill>
                   <a:schemeClr val="tx1">
                     <a:tint val="75000"/>
@@ -1100,7 +1329,7 @@
             </a:lvl8pPr>
             <a:lvl9pPr marL="3657600" indent="0">
               <a:buNone/>
-              <a:defRPr sz="1600">
+              <a:defRPr sz="1400">
                 <a:solidFill>
                   <a:schemeClr val="tx1">
                     <a:tint val="75000"/>
@@ -1120,13 +1349,7 @@
       </p:sp>
       <p:sp>
         <p:nvSpPr>
-          <p:cNvPr id="4" name="Date Placeholder 3">
-            <a:extLst>
-              <a:ext uri="{FF2B5EF4-FFF2-40B4-BE49-F238E27FC236}">
-                <a16:creationId xmlns:a16="http://schemas.microsoft.com/office/drawing/2014/main" id="{F6D3BD6D-F75B-4D4C-A417-55689288F43E}"/>
-              </a:ext>
-            </a:extLst>
-          </p:cNvPr>
+          <p:cNvPr id="4" name="Date Placeholder 3"/>
           <p:cNvSpPr>
             <a:spLocks noGrp="1"/>
           </p:cNvSpPr>
@@ -1149,13 +1372,7 @@
       </p:sp>
       <p:sp>
         <p:nvSpPr>
-          <p:cNvPr id="5" name="Footer Placeholder 4">
-            <a:extLst>
-              <a:ext uri="{FF2B5EF4-FFF2-40B4-BE49-F238E27FC236}">
-                <a16:creationId xmlns:a16="http://schemas.microsoft.com/office/drawing/2014/main" id="{924B2D9A-38E5-4807-A05C-DC05EFD79DF7}"/>
-              </a:ext>
-            </a:extLst>
-          </p:cNvPr>
+          <p:cNvPr id="5" name="Footer Placeholder 4"/>
           <p:cNvSpPr>
             <a:spLocks noGrp="1"/>
           </p:cNvSpPr>
@@ -1174,13 +1391,7 @@
       </p:sp>
       <p:sp>
         <p:nvSpPr>
-          <p:cNvPr id="6" name="Slide Number Placeholder 5">
-            <a:extLst>
-              <a:ext uri="{FF2B5EF4-FFF2-40B4-BE49-F238E27FC236}">
-                <a16:creationId xmlns:a16="http://schemas.microsoft.com/office/drawing/2014/main" id="{6A799F7D-E799-428C-8C56-931185364624}"/>
-              </a:ext>
-            </a:extLst>
-          </p:cNvPr>
+          <p:cNvPr id="6" name="Slide Number Placeholder 5"/>
           <p:cNvSpPr>
             <a:spLocks noGrp="1"/>
           </p:cNvSpPr>
@@ -1201,10 +1412,48 @@
           </a:p>
         </p:txBody>
       </p:sp>
+      <p:cxnSp>
+        <p:nvCxnSpPr>
+          <p:cNvPr id="9" name="Straight Connector 8"/>
+          <p:cNvCxnSpPr/>
+          <p:nvPr/>
+        </p:nvCxnSpPr>
+        <p:spPr>
+          <a:xfrm>
+            <a:off x="1207658" y="4343400"/>
+            <a:ext cx="9875520" cy="0"/>
+          </a:xfrm>
+          <a:prstGeom prst="line">
+            <a:avLst/>
+          </a:prstGeom>
+          <a:ln w="6350">
+            <a:solidFill>
+              <a:schemeClr val="tx1">
+                <a:lumMod val="50000"/>
+                <a:lumOff val="50000"/>
+              </a:schemeClr>
+            </a:solidFill>
+          </a:ln>
+        </p:spPr>
+        <p:style>
+          <a:lnRef idx="1">
+            <a:schemeClr val="accent1"/>
+          </a:lnRef>
+          <a:fillRef idx="0">
+            <a:schemeClr val="accent1"/>
+          </a:fillRef>
+          <a:effectRef idx="0">
+            <a:schemeClr val="accent1"/>
+          </a:effectRef>
+          <a:fontRef idx="minor">
+            <a:schemeClr val="tx1"/>
+          </a:fontRef>
+        </p:style>
+      </p:cxnSp>
     </p:spTree>
     <p:extLst>
       <p:ext uri="{BB962C8B-B14F-4D97-AF65-F5344CB8AC3E}">
-        <p14:creationId xmlns:p14="http://schemas.microsoft.com/office/powerpoint/2010/main" val="1743822317"/>
+        <p14:creationId xmlns:p14="http://schemas.microsoft.com/office/powerpoint/2010/main" val="267039241"/>
       </p:ext>
     </p:extLst>
   </p:cSld>
@@ -1233,13 +1482,7 @@
       </p:grpSpPr>
       <p:sp>
         <p:nvSpPr>
-          <p:cNvPr id="2" name="Title 1">
-            <a:extLst>
-              <a:ext uri="{FF2B5EF4-FFF2-40B4-BE49-F238E27FC236}">
-                <a16:creationId xmlns:a16="http://schemas.microsoft.com/office/drawing/2014/main" id="{09E1AE2B-A948-4682-9D34-F0C7D34F11ED}"/>
-              </a:ext>
-            </a:extLst>
-          </p:cNvPr>
+          <p:cNvPr id="8" name="Title 7"/>
           <p:cNvSpPr>
             <a:spLocks noGrp="1"/>
           </p:cNvSpPr>
@@ -1247,7 +1490,12 @@
             <p:ph type="title"/>
           </p:nvPr>
         </p:nvSpPr>
-        <p:spPr/>
+        <p:spPr>
+          <a:xfrm>
+            <a:off x="1097280" y="286603"/>
+            <a:ext cx="10058400" cy="1450757"/>
+          </a:xfrm>
+        </p:spPr>
         <p:txBody>
           <a:bodyPr/>
           <a:lstStyle/>
@@ -1256,18 +1504,13 @@
               <a:rPr lang="en-US"/>
               <a:t>Click to edit Master title style</a:t>
             </a:r>
-          </a:p>
-        </p:txBody>
-      </p:sp>
-      <p:sp>
-        <p:nvSpPr>
-          <p:cNvPr id="3" name="Content Placeholder 2">
-            <a:extLst>
-              <a:ext uri="{FF2B5EF4-FFF2-40B4-BE49-F238E27FC236}">
-                <a16:creationId xmlns:a16="http://schemas.microsoft.com/office/drawing/2014/main" id="{B0429390-5DC1-4083-8E4D-9F038C9DD228}"/>
-              </a:ext>
-            </a:extLst>
-          </p:cNvPr>
+            <a:endParaRPr lang="en-US" dirty="0"/>
+          </a:p>
+        </p:txBody>
+      </p:sp>
+      <p:sp>
+        <p:nvSpPr>
+          <p:cNvPr id="3" name="Content Placeholder 2"/>
           <p:cNvSpPr>
             <a:spLocks noGrp="1"/>
           </p:cNvSpPr>
@@ -1277,8 +1520,8 @@
         </p:nvSpPr>
         <p:spPr>
           <a:xfrm>
-            <a:off x="838200" y="1825625"/>
-            <a:ext cx="5181600" cy="4351338"/>
+            <a:off x="1097279" y="1845734"/>
+            <a:ext cx="4937760" cy="4023360"/>
           </a:xfrm>
         </p:spPr>
         <p:txBody>
@@ -1318,18 +1561,13 @@
               <a:rPr lang="en-US"/>
               <a:t>Fifth level</a:t>
             </a:r>
-          </a:p>
-        </p:txBody>
-      </p:sp>
-      <p:sp>
-        <p:nvSpPr>
-          <p:cNvPr id="4" name="Content Placeholder 3">
-            <a:extLst>
-              <a:ext uri="{FF2B5EF4-FFF2-40B4-BE49-F238E27FC236}">
-                <a16:creationId xmlns:a16="http://schemas.microsoft.com/office/drawing/2014/main" id="{8534BF71-1214-4D0A-8B75-F6F268948544}"/>
-              </a:ext>
-            </a:extLst>
-          </p:cNvPr>
+            <a:endParaRPr lang="en-US" dirty="0"/>
+          </a:p>
+        </p:txBody>
+      </p:sp>
+      <p:sp>
+        <p:nvSpPr>
+          <p:cNvPr id="4" name="Content Placeholder 3"/>
           <p:cNvSpPr>
             <a:spLocks noGrp="1"/>
           </p:cNvSpPr>
@@ -1339,8 +1577,8 @@
         </p:nvSpPr>
         <p:spPr>
           <a:xfrm>
-            <a:off x="6172200" y="1825625"/>
-            <a:ext cx="5181600" cy="4351338"/>
+            <a:off x="6217920" y="1845735"/>
+            <a:ext cx="4937760" cy="4023360"/>
           </a:xfrm>
         </p:spPr>
         <p:txBody>
@@ -1380,18 +1618,13 @@
               <a:rPr lang="en-US"/>
               <a:t>Fifth level</a:t>
             </a:r>
-          </a:p>
-        </p:txBody>
-      </p:sp>
-      <p:sp>
-        <p:nvSpPr>
-          <p:cNvPr id="5" name="Date Placeholder 4">
-            <a:extLst>
-              <a:ext uri="{FF2B5EF4-FFF2-40B4-BE49-F238E27FC236}">
-                <a16:creationId xmlns:a16="http://schemas.microsoft.com/office/drawing/2014/main" id="{2D554C30-7890-4828-9641-58773676292B}"/>
-              </a:ext>
-            </a:extLst>
-          </p:cNvPr>
+            <a:endParaRPr lang="en-US" dirty="0"/>
+          </a:p>
+        </p:txBody>
+      </p:sp>
+      <p:sp>
+        <p:nvSpPr>
+          <p:cNvPr id="5" name="Date Placeholder 4"/>
           <p:cNvSpPr>
             <a:spLocks noGrp="1"/>
           </p:cNvSpPr>
@@ -1414,13 +1647,7 @@
       </p:sp>
       <p:sp>
         <p:nvSpPr>
-          <p:cNvPr id="6" name="Footer Placeholder 5">
-            <a:extLst>
-              <a:ext uri="{FF2B5EF4-FFF2-40B4-BE49-F238E27FC236}">
-                <a16:creationId xmlns:a16="http://schemas.microsoft.com/office/drawing/2014/main" id="{7E7A6079-4348-4EC9-BBA1-7310ECFAA81A}"/>
-              </a:ext>
-            </a:extLst>
-          </p:cNvPr>
+          <p:cNvPr id="6" name="Footer Placeholder 5"/>
           <p:cNvSpPr>
             <a:spLocks noGrp="1"/>
           </p:cNvSpPr>
@@ -1439,13 +1666,7 @@
       </p:sp>
       <p:sp>
         <p:nvSpPr>
-          <p:cNvPr id="7" name="Slide Number Placeholder 6">
-            <a:extLst>
-              <a:ext uri="{FF2B5EF4-FFF2-40B4-BE49-F238E27FC236}">
-                <a16:creationId xmlns:a16="http://schemas.microsoft.com/office/drawing/2014/main" id="{FCB933E0-7587-424A-BBF4-27C15653AEE8}"/>
-              </a:ext>
-            </a:extLst>
-          </p:cNvPr>
+          <p:cNvPr id="7" name="Slide Number Placeholder 6"/>
           <p:cNvSpPr>
             <a:spLocks noGrp="1"/>
           </p:cNvSpPr>
@@ -1469,7 +1690,7 @@
     </p:spTree>
     <p:extLst>
       <p:ext uri="{BB962C8B-B14F-4D97-AF65-F5344CB8AC3E}">
-        <p14:creationId xmlns:p14="http://schemas.microsoft.com/office/powerpoint/2010/main" val="1084395485"/>
+        <p14:creationId xmlns:p14="http://schemas.microsoft.com/office/powerpoint/2010/main" val="971799620"/>
       </p:ext>
     </p:extLst>
   </p:cSld>
@@ -1498,13 +1719,7 @@
       </p:grpSpPr>
       <p:sp>
         <p:nvSpPr>
-          <p:cNvPr id="2" name="Title 1">
-            <a:extLst>
-              <a:ext uri="{FF2B5EF4-FFF2-40B4-BE49-F238E27FC236}">
-                <a16:creationId xmlns:a16="http://schemas.microsoft.com/office/drawing/2014/main" id="{2858A9AA-E641-44D5-8884-1C49E9566B06}"/>
-              </a:ext>
-            </a:extLst>
-          </p:cNvPr>
+          <p:cNvPr id="10" name="Title 9"/>
           <p:cNvSpPr>
             <a:spLocks noGrp="1"/>
           </p:cNvSpPr>
@@ -1514,8 +1729,8 @@
         </p:nvSpPr>
         <p:spPr>
           <a:xfrm>
-            <a:off x="839788" y="365125"/>
-            <a:ext cx="10515600" cy="1325563"/>
+            <a:off x="1097280" y="286603"/>
+            <a:ext cx="10058400" cy="1450757"/>
           </a:xfrm>
         </p:spPr>
         <p:txBody>
@@ -1526,18 +1741,13 @@
               <a:rPr lang="en-US"/>
               <a:t>Click to edit Master title style</a:t>
             </a:r>
-          </a:p>
-        </p:txBody>
-      </p:sp>
-      <p:sp>
-        <p:nvSpPr>
-          <p:cNvPr id="3" name="Text Placeholder 2">
-            <a:extLst>
-              <a:ext uri="{FF2B5EF4-FFF2-40B4-BE49-F238E27FC236}">
-                <a16:creationId xmlns:a16="http://schemas.microsoft.com/office/drawing/2014/main" id="{7290A9A0-540D-4DA8-B91F-24C566327452}"/>
-              </a:ext>
-            </a:extLst>
-          </p:cNvPr>
+            <a:endParaRPr lang="en-US" dirty="0"/>
+          </a:p>
+        </p:txBody>
+      </p:sp>
+      <p:sp>
+        <p:nvSpPr>
+          <p:cNvPr id="3" name="Text Placeholder 2"/>
           <p:cNvSpPr>
             <a:spLocks noGrp="1"/>
           </p:cNvSpPr>
@@ -1547,16 +1757,22 @@
         </p:nvSpPr>
         <p:spPr>
           <a:xfrm>
-            <a:off x="839788" y="1681163"/>
-            <a:ext cx="5157787" cy="823912"/>
+            <a:off x="1097280" y="1846052"/>
+            <a:ext cx="4937760" cy="736282"/>
           </a:xfrm>
         </p:spPr>
         <p:txBody>
-          <a:bodyPr anchor="b"/>
+          <a:bodyPr lIns="91440" rIns="91440" anchor="ctr">
+            <a:normAutofit/>
+          </a:bodyPr>
           <a:lstStyle>
             <a:lvl1pPr marL="0" indent="0">
               <a:buNone/>
-              <a:defRPr sz="2400" b="1"/>
+              <a:defRPr sz="2000" b="0" cap="all" baseline="0">
+                <a:solidFill>
+                  <a:schemeClr val="tx2"/>
+                </a:solidFill>
+              </a:defRPr>
             </a:lvl1pPr>
             <a:lvl2pPr marL="457200" indent="0">
               <a:buNone/>
@@ -1602,13 +1818,7 @@
       </p:sp>
       <p:sp>
         <p:nvSpPr>
-          <p:cNvPr id="4" name="Content Placeholder 3">
-            <a:extLst>
-              <a:ext uri="{FF2B5EF4-FFF2-40B4-BE49-F238E27FC236}">
-                <a16:creationId xmlns:a16="http://schemas.microsoft.com/office/drawing/2014/main" id="{7844BECD-8AFF-4AC8-93FB-80C7ACF69021}"/>
-              </a:ext>
-            </a:extLst>
-          </p:cNvPr>
+          <p:cNvPr id="4" name="Content Placeholder 3"/>
           <p:cNvSpPr>
             <a:spLocks noGrp="1"/>
           </p:cNvSpPr>
@@ -1618,8 +1828,8 @@
         </p:nvSpPr>
         <p:spPr>
           <a:xfrm>
-            <a:off x="839788" y="2505075"/>
-            <a:ext cx="5157787" cy="3684588"/>
+            <a:off x="1097280" y="2582334"/>
+            <a:ext cx="4937760" cy="3378200"/>
           </a:xfrm>
         </p:spPr>
         <p:txBody>
@@ -1659,18 +1869,13 @@
               <a:rPr lang="en-US"/>
               <a:t>Fifth level</a:t>
             </a:r>
-          </a:p>
-        </p:txBody>
-      </p:sp>
-      <p:sp>
-        <p:nvSpPr>
-          <p:cNvPr id="5" name="Text Placeholder 4">
-            <a:extLst>
-              <a:ext uri="{FF2B5EF4-FFF2-40B4-BE49-F238E27FC236}">
-                <a16:creationId xmlns:a16="http://schemas.microsoft.com/office/drawing/2014/main" id="{69D2B1FB-69EB-4346-B7E0-E8C713B50C1B}"/>
-              </a:ext>
-            </a:extLst>
-          </p:cNvPr>
+            <a:endParaRPr lang="en-US" dirty="0"/>
+          </a:p>
+        </p:txBody>
+      </p:sp>
+      <p:sp>
+        <p:nvSpPr>
+          <p:cNvPr id="5" name="Text Placeholder 4"/>
           <p:cNvSpPr>
             <a:spLocks noGrp="1"/>
           </p:cNvSpPr>
@@ -1680,16 +1885,22 @@
         </p:nvSpPr>
         <p:spPr>
           <a:xfrm>
-            <a:off x="6172200" y="1681163"/>
-            <a:ext cx="5183188" cy="823912"/>
+            <a:off x="6217920" y="1846052"/>
+            <a:ext cx="4937760" cy="736282"/>
           </a:xfrm>
         </p:spPr>
         <p:txBody>
-          <a:bodyPr anchor="b"/>
+          <a:bodyPr lIns="91440" rIns="91440" anchor="ctr">
+            <a:normAutofit/>
+          </a:bodyPr>
           <a:lstStyle>
             <a:lvl1pPr marL="0" indent="0">
               <a:buNone/>
-              <a:defRPr sz="2400" b="1"/>
+              <a:defRPr sz="2000" b="0" cap="all" baseline="0">
+                <a:solidFill>
+                  <a:schemeClr val="tx2"/>
+                </a:solidFill>
+              </a:defRPr>
             </a:lvl1pPr>
             <a:lvl2pPr marL="457200" indent="0">
               <a:buNone/>
@@ -1735,13 +1946,7 @@
       </p:sp>
       <p:sp>
         <p:nvSpPr>
-          <p:cNvPr id="6" name="Content Placeholder 5">
-            <a:extLst>
-              <a:ext uri="{FF2B5EF4-FFF2-40B4-BE49-F238E27FC236}">
-                <a16:creationId xmlns:a16="http://schemas.microsoft.com/office/drawing/2014/main" id="{84BF83B6-5D27-44E6-BE44-28EA84E41011}"/>
-              </a:ext>
-            </a:extLst>
-          </p:cNvPr>
+          <p:cNvPr id="6" name="Content Placeholder 5"/>
           <p:cNvSpPr>
             <a:spLocks noGrp="1"/>
           </p:cNvSpPr>
@@ -1751,8 +1956,8 @@
         </p:nvSpPr>
         <p:spPr>
           <a:xfrm>
-            <a:off x="6172200" y="2505075"/>
-            <a:ext cx="5183188" cy="3684588"/>
+            <a:off x="6217920" y="2582334"/>
+            <a:ext cx="4937760" cy="3378200"/>
           </a:xfrm>
         </p:spPr>
         <p:txBody>
@@ -1792,18 +1997,13 @@
               <a:rPr lang="en-US"/>
               <a:t>Fifth level</a:t>
             </a:r>
-          </a:p>
-        </p:txBody>
-      </p:sp>
-      <p:sp>
-        <p:nvSpPr>
-          <p:cNvPr id="7" name="Date Placeholder 6">
-            <a:extLst>
-              <a:ext uri="{FF2B5EF4-FFF2-40B4-BE49-F238E27FC236}">
-                <a16:creationId xmlns:a16="http://schemas.microsoft.com/office/drawing/2014/main" id="{6A14C8E6-27A4-4052-AA11-84AC8A4FA0FD}"/>
-              </a:ext>
-            </a:extLst>
-          </p:cNvPr>
+            <a:endParaRPr lang="en-US" dirty="0"/>
+          </a:p>
+        </p:txBody>
+      </p:sp>
+      <p:sp>
+        <p:nvSpPr>
+          <p:cNvPr id="7" name="Date Placeholder 6"/>
           <p:cNvSpPr>
             <a:spLocks noGrp="1"/>
           </p:cNvSpPr>
@@ -1826,13 +2026,7 @@
       </p:sp>
       <p:sp>
         <p:nvSpPr>
-          <p:cNvPr id="8" name="Footer Placeholder 7">
-            <a:extLst>
-              <a:ext uri="{FF2B5EF4-FFF2-40B4-BE49-F238E27FC236}">
-                <a16:creationId xmlns:a16="http://schemas.microsoft.com/office/drawing/2014/main" id="{6ADAD2C4-37E6-4122-9982-4912359522DD}"/>
-              </a:ext>
-            </a:extLst>
-          </p:cNvPr>
+          <p:cNvPr id="8" name="Footer Placeholder 7"/>
           <p:cNvSpPr>
             <a:spLocks noGrp="1"/>
           </p:cNvSpPr>
@@ -1851,13 +2045,7 @@
       </p:sp>
       <p:sp>
         <p:nvSpPr>
-          <p:cNvPr id="9" name="Slide Number Placeholder 8">
-            <a:extLst>
-              <a:ext uri="{FF2B5EF4-FFF2-40B4-BE49-F238E27FC236}">
-                <a16:creationId xmlns:a16="http://schemas.microsoft.com/office/drawing/2014/main" id="{4B6E20BE-EFCD-435F-8C20-647F4901EC30}"/>
-              </a:ext>
-            </a:extLst>
-          </p:cNvPr>
+          <p:cNvPr id="9" name="Slide Number Placeholder 8"/>
           <p:cNvSpPr>
             <a:spLocks noGrp="1"/>
           </p:cNvSpPr>
@@ -1881,7 +2069,7 @@
     </p:spTree>
     <p:extLst>
       <p:ext uri="{BB962C8B-B14F-4D97-AF65-F5344CB8AC3E}">
-        <p14:creationId xmlns:p14="http://schemas.microsoft.com/office/powerpoint/2010/main" val="2833498665"/>
+        <p14:creationId xmlns:p14="http://schemas.microsoft.com/office/powerpoint/2010/main" val="2427272554"/>
       </p:ext>
     </p:extLst>
   </p:cSld>
@@ -1910,13 +2098,7 @@
       </p:grpSpPr>
       <p:sp>
         <p:nvSpPr>
-          <p:cNvPr id="2" name="Title 1">
-            <a:extLst>
-              <a:ext uri="{FF2B5EF4-FFF2-40B4-BE49-F238E27FC236}">
-                <a16:creationId xmlns:a16="http://schemas.microsoft.com/office/drawing/2014/main" id="{95F8540C-3925-4CB2-AEF2-BCA822FFB051}"/>
-              </a:ext>
-            </a:extLst>
-          </p:cNvPr>
+          <p:cNvPr id="2" name="Title 1"/>
           <p:cNvSpPr>
             <a:spLocks noGrp="1"/>
           </p:cNvSpPr>
@@ -1933,18 +2115,13 @@
               <a:rPr lang="en-US"/>
               <a:t>Click to edit Master title style</a:t>
             </a:r>
-          </a:p>
-        </p:txBody>
-      </p:sp>
-      <p:sp>
-        <p:nvSpPr>
-          <p:cNvPr id="3" name="Date Placeholder 2">
-            <a:extLst>
-              <a:ext uri="{FF2B5EF4-FFF2-40B4-BE49-F238E27FC236}">
-                <a16:creationId xmlns:a16="http://schemas.microsoft.com/office/drawing/2014/main" id="{5B8B4F37-446E-48E6-978F-0AACD74EB07A}"/>
-              </a:ext>
-            </a:extLst>
-          </p:cNvPr>
+            <a:endParaRPr lang="en-US" dirty="0"/>
+          </a:p>
+        </p:txBody>
+      </p:sp>
+      <p:sp>
+        <p:nvSpPr>
+          <p:cNvPr id="3" name="Date Placeholder 2"/>
           <p:cNvSpPr>
             <a:spLocks noGrp="1"/>
           </p:cNvSpPr>
@@ -1967,13 +2144,7 @@
       </p:sp>
       <p:sp>
         <p:nvSpPr>
-          <p:cNvPr id="4" name="Footer Placeholder 3">
-            <a:extLst>
-              <a:ext uri="{FF2B5EF4-FFF2-40B4-BE49-F238E27FC236}">
-                <a16:creationId xmlns:a16="http://schemas.microsoft.com/office/drawing/2014/main" id="{09257BA2-8877-4901-B18B-B67AF4C1DAE5}"/>
-              </a:ext>
-            </a:extLst>
-          </p:cNvPr>
+          <p:cNvPr id="4" name="Footer Placeholder 3"/>
           <p:cNvSpPr>
             <a:spLocks noGrp="1"/>
           </p:cNvSpPr>
@@ -1992,13 +2163,7 @@
       </p:sp>
       <p:sp>
         <p:nvSpPr>
-          <p:cNvPr id="5" name="Slide Number Placeholder 4">
-            <a:extLst>
-              <a:ext uri="{FF2B5EF4-FFF2-40B4-BE49-F238E27FC236}">
-                <a16:creationId xmlns:a16="http://schemas.microsoft.com/office/drawing/2014/main" id="{471194AA-181A-4224-BF78-C2A38ECA343D}"/>
-              </a:ext>
-            </a:extLst>
-          </p:cNvPr>
+          <p:cNvPr id="5" name="Slide Number Placeholder 4"/>
           <p:cNvSpPr>
             <a:spLocks noGrp="1"/>
           </p:cNvSpPr>
@@ -2022,7 +2187,7 @@
     </p:spTree>
     <p:extLst>
       <p:ext uri="{BB962C8B-B14F-4D97-AF65-F5344CB8AC3E}">
-        <p14:creationId xmlns:p14="http://schemas.microsoft.com/office/powerpoint/2010/main" val="2000060152"/>
+        <p14:creationId xmlns:p14="http://schemas.microsoft.com/office/powerpoint/2010/main" val="3170272058"/>
       </p:ext>
     </p:extLst>
   </p:cSld>
@@ -2033,7 +2198,7 @@
 </file>
 
 <file path=ppt/slideLayouts/slideLayout7.xml><?xml version="1.0" encoding="utf-8"?>
-<p:sldLayout xmlns:a="http://schemas.openxmlformats.org/drawingml/2006/main" xmlns:r="http://schemas.openxmlformats.org/officeDocument/2006/relationships" xmlns:p="http://schemas.openxmlformats.org/presentationml/2006/main" type="blank" preserve="1">
+<p:sldLayout xmlns:a="http://schemas.openxmlformats.org/drawingml/2006/main" xmlns:r="http://schemas.openxmlformats.org/officeDocument/2006/relationships" xmlns:p="http://schemas.openxmlformats.org/presentationml/2006/main" showMasterSp="0" type="blank" preserve="1">
   <p:cSld name="Blank">
     <p:spTree>
       <p:nvGrpSpPr>
@@ -2051,13 +2216,83 @@
       </p:grpSpPr>
       <p:sp>
         <p:nvSpPr>
-          <p:cNvPr id="2" name="Date Placeholder 1">
-            <a:extLst>
-              <a:ext uri="{FF2B5EF4-FFF2-40B4-BE49-F238E27FC236}">
-                <a16:creationId xmlns:a16="http://schemas.microsoft.com/office/drawing/2014/main" id="{C1F02507-9D61-4B3E-80A5-1E557B0DDC7D}"/>
-              </a:ext>
-            </a:extLst>
-          </p:cNvPr>
+          <p:cNvPr id="5" name="Rectangle 4"/>
+          <p:cNvSpPr/>
+          <p:nvPr/>
+        </p:nvSpPr>
+        <p:spPr>
+          <a:xfrm>
+            <a:off x="3175" y="6400800"/>
+            <a:ext cx="12188825" cy="457200"/>
+          </a:xfrm>
+          <a:prstGeom prst="rect">
+            <a:avLst/>
+          </a:prstGeom>
+          <a:solidFill>
+            <a:schemeClr val="accent2"/>
+          </a:solidFill>
+          <a:ln>
+            <a:noFill/>
+          </a:ln>
+        </p:spPr>
+        <p:style>
+          <a:lnRef idx="2">
+            <a:schemeClr val="accent1">
+              <a:shade val="50000"/>
+            </a:schemeClr>
+          </a:lnRef>
+          <a:fillRef idx="1">
+            <a:schemeClr val="accent1"/>
+          </a:fillRef>
+          <a:effectRef idx="0">
+            <a:schemeClr val="accent1"/>
+          </a:effectRef>
+          <a:fontRef idx="minor">
+            <a:schemeClr val="lt1"/>
+          </a:fontRef>
+        </p:style>
+      </p:sp>
+      <p:sp>
+        <p:nvSpPr>
+          <p:cNvPr id="6" name="Rectangle 5"/>
+          <p:cNvSpPr/>
+          <p:nvPr/>
+        </p:nvSpPr>
+        <p:spPr>
+          <a:xfrm>
+            <a:off x="15" y="6334316"/>
+            <a:ext cx="12188825" cy="64008"/>
+          </a:xfrm>
+          <a:prstGeom prst="rect">
+            <a:avLst/>
+          </a:prstGeom>
+          <a:solidFill>
+            <a:schemeClr val="accent1"/>
+          </a:solidFill>
+          <a:ln>
+            <a:noFill/>
+          </a:ln>
+        </p:spPr>
+        <p:style>
+          <a:lnRef idx="2">
+            <a:schemeClr val="accent1">
+              <a:shade val="50000"/>
+            </a:schemeClr>
+          </a:lnRef>
+          <a:fillRef idx="1">
+            <a:schemeClr val="accent1"/>
+          </a:fillRef>
+          <a:effectRef idx="0">
+            <a:schemeClr val="accent1"/>
+          </a:effectRef>
+          <a:fontRef idx="minor">
+            <a:schemeClr val="lt1"/>
+          </a:fontRef>
+        </p:style>
+      </p:sp>
+      <p:sp>
+        <p:nvSpPr>
+          <p:cNvPr id="7" name="Date Placeholder 6"/>
           <p:cNvSpPr>
             <a:spLocks noGrp="1"/>
           </p:cNvSpPr>
@@ -2080,13 +2315,7 @@
       </p:sp>
       <p:sp>
         <p:nvSpPr>
-          <p:cNvPr id="3" name="Footer Placeholder 2">
-            <a:extLst>
-              <a:ext uri="{FF2B5EF4-FFF2-40B4-BE49-F238E27FC236}">
-                <a16:creationId xmlns:a16="http://schemas.microsoft.com/office/drawing/2014/main" id="{D7B07F67-93D6-4812-B100-EEACFFB8B6D3}"/>
-              </a:ext>
-            </a:extLst>
-          </p:cNvPr>
+          <p:cNvPr id="8" name="Footer Placeholder 7"/>
           <p:cNvSpPr>
             <a:spLocks noGrp="1"/>
           </p:cNvSpPr>
@@ -2097,7 +2326,15 @@
         <p:spPr/>
         <p:txBody>
           <a:bodyPr/>
-          <a:lstStyle/>
+          <a:lstStyle>
+            <a:lvl1pPr>
+              <a:defRPr>
+                <a:solidFill>
+                  <a:srgbClr val="FFFFFF"/>
+                </a:solidFill>
+              </a:defRPr>
+            </a:lvl1pPr>
+          </a:lstStyle>
           <a:p>
             <a:endParaRPr lang="en-US"/>
           </a:p>
@@ -2105,13 +2342,7 @@
       </p:sp>
       <p:sp>
         <p:nvSpPr>
-          <p:cNvPr id="4" name="Slide Number Placeholder 3">
-            <a:extLst>
-              <a:ext uri="{FF2B5EF4-FFF2-40B4-BE49-F238E27FC236}">
-                <a16:creationId xmlns:a16="http://schemas.microsoft.com/office/drawing/2014/main" id="{565158C8-52AB-4917-AC9B-32932CC1BFB0}"/>
-              </a:ext>
-            </a:extLst>
-          </p:cNvPr>
+          <p:cNvPr id="9" name="Slide Number Placeholder 8"/>
           <p:cNvSpPr>
             <a:spLocks noGrp="1"/>
           </p:cNvSpPr>
@@ -2135,7 +2366,7 @@
     </p:spTree>
     <p:extLst>
       <p:ext uri="{BB962C8B-B14F-4D97-AF65-F5344CB8AC3E}">
-        <p14:creationId xmlns:p14="http://schemas.microsoft.com/office/powerpoint/2010/main" val="1156664618"/>
+        <p14:creationId xmlns:p14="http://schemas.microsoft.com/office/powerpoint/2010/main" val="3141990707"/>
       </p:ext>
     </p:extLst>
   </p:cSld>
@@ -2146,7 +2377,7 @@
 </file>
 
 <file path=ppt/slideLayouts/slideLayout8.xml><?xml version="1.0" encoding="utf-8"?>
-<p:sldLayout xmlns:a="http://schemas.openxmlformats.org/drawingml/2006/main" xmlns:r="http://schemas.openxmlformats.org/officeDocument/2006/relationships" xmlns:p="http://schemas.openxmlformats.org/presentationml/2006/main" type="objTx" preserve="1">
+<p:sldLayout xmlns:a="http://schemas.openxmlformats.org/drawingml/2006/main" xmlns:r="http://schemas.openxmlformats.org/officeDocument/2006/relationships" xmlns:p="http://schemas.openxmlformats.org/presentationml/2006/main" showMasterSp="0" type="objTx" preserve="1">
   <p:cSld name="Content with Caption">
     <p:spTree>
       <p:nvGrpSpPr>
@@ -2164,31 +2395,107 @@
       </p:grpSpPr>
       <p:sp>
         <p:nvSpPr>
-          <p:cNvPr id="2" name="Title 1">
-            <a:extLst>
-              <a:ext uri="{FF2B5EF4-FFF2-40B4-BE49-F238E27FC236}">
-                <a16:creationId xmlns:a16="http://schemas.microsoft.com/office/drawing/2014/main" id="{8548847A-3539-4D26-B02D-78539CF2AF3E}"/>
-              </a:ext>
-            </a:extLst>
-          </p:cNvPr>
-          <p:cNvSpPr>
-            <a:spLocks noGrp="1"/>
-          </p:cNvSpPr>
-          <p:nvPr>
-            <p:ph type="title"/>
-          </p:nvPr>
+          <p:cNvPr id="8" name="Rectangle 7"/>
+          <p:cNvSpPr/>
+          <p:nvPr/>
         </p:nvSpPr>
         <p:spPr>
           <a:xfrm>
-            <a:off x="839788" y="457200"/>
-            <a:ext cx="3932237" cy="1600200"/>
+            <a:off x="16" y="0"/>
+            <a:ext cx="4050791" cy="6858000"/>
+          </a:xfrm>
+          <a:prstGeom prst="rect">
+            <a:avLst/>
+          </a:prstGeom>
+          <a:solidFill>
+            <a:schemeClr val="accent2"/>
+          </a:solidFill>
+          <a:ln>
+            <a:noFill/>
+          </a:ln>
+        </p:spPr>
+        <p:style>
+          <a:lnRef idx="2">
+            <a:schemeClr val="accent1">
+              <a:shade val="50000"/>
+            </a:schemeClr>
+          </a:lnRef>
+          <a:fillRef idx="1">
+            <a:schemeClr val="accent1"/>
+          </a:fillRef>
+          <a:effectRef idx="0">
+            <a:schemeClr val="accent1"/>
+          </a:effectRef>
+          <a:fontRef idx="minor">
+            <a:schemeClr val="lt1"/>
+          </a:fontRef>
+        </p:style>
+      </p:sp>
+      <p:sp>
+        <p:nvSpPr>
+          <p:cNvPr id="9" name="Rectangle 8"/>
+          <p:cNvSpPr/>
+          <p:nvPr/>
+        </p:nvSpPr>
+        <p:spPr>
+          <a:xfrm>
+            <a:off x="4040071" y="0"/>
+            <a:ext cx="64008" cy="6858000"/>
+          </a:xfrm>
+          <a:prstGeom prst="rect">
+            <a:avLst/>
+          </a:prstGeom>
+          <a:solidFill>
+            <a:schemeClr val="accent1"/>
+          </a:solidFill>
+          <a:ln>
+            <a:noFill/>
+          </a:ln>
+        </p:spPr>
+        <p:style>
+          <a:lnRef idx="2">
+            <a:schemeClr val="accent1">
+              <a:shade val="50000"/>
+            </a:schemeClr>
+          </a:lnRef>
+          <a:fillRef idx="1">
+            <a:schemeClr val="accent1"/>
+          </a:fillRef>
+          <a:effectRef idx="0">
+            <a:schemeClr val="accent1"/>
+          </a:effectRef>
+          <a:fontRef idx="minor">
+            <a:schemeClr val="lt1"/>
+          </a:fontRef>
+        </p:style>
+      </p:sp>
+      <p:sp>
+        <p:nvSpPr>
+          <p:cNvPr id="2" name="Title 1"/>
+          <p:cNvSpPr>
+            <a:spLocks noGrp="1"/>
+          </p:cNvSpPr>
+          <p:nvPr>
+            <p:ph type="title"/>
+          </p:nvPr>
+        </p:nvSpPr>
+        <p:spPr>
+          <a:xfrm>
+            <a:off x="457200" y="594359"/>
+            <a:ext cx="3200400" cy="2286000"/>
           </a:xfrm>
         </p:spPr>
         <p:txBody>
-          <a:bodyPr anchor="b"/>
+          <a:bodyPr anchor="b">
+            <a:normAutofit/>
+          </a:bodyPr>
           <a:lstStyle>
             <a:lvl1pPr>
-              <a:defRPr sz="3200"/>
+              <a:defRPr sz="3600" b="0">
+                <a:solidFill>
+                  <a:srgbClr val="FFFFFF"/>
+                </a:solidFill>
+              </a:defRPr>
             </a:lvl1pPr>
           </a:lstStyle>
           <a:p>
@@ -2196,18 +2503,13 @@
               <a:rPr lang="en-US"/>
               <a:t>Click to edit Master title style</a:t>
             </a:r>
-          </a:p>
-        </p:txBody>
-      </p:sp>
-      <p:sp>
-        <p:nvSpPr>
-          <p:cNvPr id="3" name="Content Placeholder 2">
-            <a:extLst>
-              <a:ext uri="{FF2B5EF4-FFF2-40B4-BE49-F238E27FC236}">
-                <a16:creationId xmlns:a16="http://schemas.microsoft.com/office/drawing/2014/main" id="{AF73E2F0-B30D-4A00-869A-11E9C25285AC}"/>
-              </a:ext>
-            </a:extLst>
-          </p:cNvPr>
+            <a:endParaRPr lang="en-US" dirty="0"/>
+          </a:p>
+        </p:txBody>
+      </p:sp>
+      <p:sp>
+        <p:nvSpPr>
+          <p:cNvPr id="3" name="Content Placeholder 2"/>
           <p:cNvSpPr>
             <a:spLocks noGrp="1"/>
           </p:cNvSpPr>
@@ -2217,41 +2519,13 @@
         </p:nvSpPr>
         <p:spPr>
           <a:xfrm>
-            <a:off x="5183188" y="987425"/>
-            <a:ext cx="6172200" cy="4873625"/>
+            <a:off x="4800600" y="731520"/>
+            <a:ext cx="6492240" cy="5257800"/>
           </a:xfrm>
         </p:spPr>
         <p:txBody>
           <a:bodyPr/>
-          <a:lstStyle>
-            <a:lvl1pPr>
-              <a:defRPr sz="3200"/>
-            </a:lvl1pPr>
-            <a:lvl2pPr>
-              <a:defRPr sz="2800"/>
-            </a:lvl2pPr>
-            <a:lvl3pPr>
-              <a:defRPr sz="2400"/>
-            </a:lvl3pPr>
-            <a:lvl4pPr>
-              <a:defRPr sz="2000"/>
-            </a:lvl4pPr>
-            <a:lvl5pPr>
-              <a:defRPr sz="2000"/>
-            </a:lvl5pPr>
-            <a:lvl6pPr>
-              <a:defRPr sz="2000"/>
-            </a:lvl6pPr>
-            <a:lvl7pPr>
-              <a:defRPr sz="2000"/>
-            </a:lvl7pPr>
-            <a:lvl8pPr>
-              <a:defRPr sz="2000"/>
-            </a:lvl8pPr>
-            <a:lvl9pPr>
-              <a:defRPr sz="2000"/>
-            </a:lvl9pPr>
-          </a:lstStyle>
+          <a:lstStyle/>
           <a:p>
             <a:pPr lvl="0"/>
             <a:r>
@@ -2286,18 +2560,13 @@
               <a:rPr lang="en-US"/>
               <a:t>Fifth level</a:t>
             </a:r>
-          </a:p>
-        </p:txBody>
-      </p:sp>
-      <p:sp>
-        <p:nvSpPr>
-          <p:cNvPr id="4" name="Text Placeholder 3">
-            <a:extLst>
-              <a:ext uri="{FF2B5EF4-FFF2-40B4-BE49-F238E27FC236}">
-                <a16:creationId xmlns:a16="http://schemas.microsoft.com/office/drawing/2014/main" id="{E76B4B0E-9702-4D9C-B3AF-111B5B9B3DB5}"/>
-              </a:ext>
-            </a:extLst>
-          </p:cNvPr>
+            <a:endParaRPr lang="en-US" dirty="0"/>
+          </a:p>
+        </p:txBody>
+      </p:sp>
+      <p:sp>
+        <p:nvSpPr>
+          <p:cNvPr id="4" name="Text Placeholder 3"/>
           <p:cNvSpPr>
             <a:spLocks noGrp="1"/>
           </p:cNvSpPr>
@@ -2307,48 +2576,54 @@
         </p:nvSpPr>
         <p:spPr>
           <a:xfrm>
-            <a:off x="839788" y="2057400"/>
-            <a:ext cx="3932237" cy="3811588"/>
+            <a:off x="457200" y="2926080"/>
+            <a:ext cx="3200400" cy="3379124"/>
           </a:xfrm>
         </p:spPr>
         <p:txBody>
-          <a:bodyPr/>
+          <a:bodyPr lIns="91440" rIns="91440">
+            <a:normAutofit/>
+          </a:bodyPr>
           <a:lstStyle>
             <a:lvl1pPr marL="0" indent="0">
               <a:buNone/>
-              <a:defRPr sz="1600"/>
+              <a:defRPr sz="1500">
+                <a:solidFill>
+                  <a:srgbClr val="FFFFFF"/>
+                </a:solidFill>
+              </a:defRPr>
             </a:lvl1pPr>
             <a:lvl2pPr marL="457200" indent="0">
               <a:buNone/>
-              <a:defRPr sz="1400"/>
+              <a:defRPr sz="1200"/>
             </a:lvl2pPr>
             <a:lvl3pPr marL="914400" indent="0">
               <a:buNone/>
-              <a:defRPr sz="1200"/>
+              <a:defRPr sz="1000"/>
             </a:lvl3pPr>
             <a:lvl4pPr marL="1371600" indent="0">
               <a:buNone/>
-              <a:defRPr sz="1000"/>
+              <a:defRPr sz="900"/>
             </a:lvl4pPr>
             <a:lvl5pPr marL="1828800" indent="0">
               <a:buNone/>
-              <a:defRPr sz="1000"/>
+              <a:defRPr sz="900"/>
             </a:lvl5pPr>
             <a:lvl6pPr marL="2286000" indent="0">
               <a:buNone/>
-              <a:defRPr sz="1000"/>
+              <a:defRPr sz="900"/>
             </a:lvl6pPr>
             <a:lvl7pPr marL="2743200" indent="0">
               <a:buNone/>
-              <a:defRPr sz="1000"/>
+              <a:defRPr sz="900"/>
             </a:lvl7pPr>
             <a:lvl8pPr marL="3200400" indent="0">
               <a:buNone/>
-              <a:defRPr sz="1000"/>
+              <a:defRPr sz="900"/>
             </a:lvl8pPr>
             <a:lvl9pPr marL="3657600" indent="0">
               <a:buNone/>
-              <a:defRPr sz="1000"/>
+              <a:defRPr sz="900"/>
             </a:lvl9pPr>
           </a:lstStyle>
           <a:p>
@@ -2362,13 +2637,7 @@
       </p:sp>
       <p:sp>
         <p:nvSpPr>
-          <p:cNvPr id="5" name="Date Placeholder 4">
-            <a:extLst>
-              <a:ext uri="{FF2B5EF4-FFF2-40B4-BE49-F238E27FC236}">
-                <a16:creationId xmlns:a16="http://schemas.microsoft.com/office/drawing/2014/main" id="{5CB7C76B-0DFA-4D4F-8580-49E8E8D4BD15}"/>
-              </a:ext>
-            </a:extLst>
-          </p:cNvPr>
+          <p:cNvPr id="5" name="Date Placeholder 4"/>
           <p:cNvSpPr>
             <a:spLocks noGrp="1"/>
           </p:cNvSpPr>
@@ -2376,10 +2645,19 @@
             <p:ph type="dt" sz="half" idx="10"/>
           </p:nvPr>
         </p:nvSpPr>
-        <p:spPr/>
-        <p:txBody>
-          <a:bodyPr/>
-          <a:lstStyle/>
+        <p:spPr>
+          <a:xfrm>
+            <a:off x="465512" y="6459785"/>
+            <a:ext cx="2618510" cy="365125"/>
+          </a:xfrm>
+        </p:spPr>
+        <p:txBody>
+          <a:bodyPr/>
+          <a:lstStyle>
+            <a:lvl1pPr algn="l">
+              <a:defRPr/>
+            </a:lvl1pPr>
+          </a:lstStyle>
           <a:p>
             <a:fld id="{0C7EF424-2B96-41A9-9E55-352BE5C452E6}" type="datetimeFigureOut">
               <a:rPr lang="en-US" smtClean="0"/>
@@ -2391,13 +2669,7 @@
       </p:sp>
       <p:sp>
         <p:nvSpPr>
-          <p:cNvPr id="6" name="Footer Placeholder 5">
-            <a:extLst>
-              <a:ext uri="{FF2B5EF4-FFF2-40B4-BE49-F238E27FC236}">
-                <a16:creationId xmlns:a16="http://schemas.microsoft.com/office/drawing/2014/main" id="{19DEF177-EE1A-4FA0-A9F6-A2B6A0CF9F46}"/>
-              </a:ext>
-            </a:extLst>
-          </p:cNvPr>
+          <p:cNvPr id="6" name="Footer Placeholder 5"/>
           <p:cNvSpPr>
             <a:spLocks noGrp="1"/>
           </p:cNvSpPr>
@@ -2405,35 +2677,50 @@
             <p:ph type="ftr" sz="quarter" idx="11"/>
           </p:nvPr>
         </p:nvSpPr>
+        <p:spPr>
+          <a:xfrm>
+            <a:off x="4800600" y="6459785"/>
+            <a:ext cx="4648200" cy="365125"/>
+          </a:xfrm>
+        </p:spPr>
+        <p:txBody>
+          <a:bodyPr/>
+          <a:lstStyle>
+            <a:lvl1pPr algn="l">
+              <a:defRPr>
+                <a:solidFill>
+                  <a:schemeClr val="tx2"/>
+                </a:solidFill>
+              </a:defRPr>
+            </a:lvl1pPr>
+          </a:lstStyle>
+          <a:p>
+            <a:endParaRPr lang="en-US"/>
+          </a:p>
+        </p:txBody>
+      </p:sp>
+      <p:sp>
+        <p:nvSpPr>
+          <p:cNvPr id="7" name="Slide Number Placeholder 6"/>
+          <p:cNvSpPr>
+            <a:spLocks noGrp="1"/>
+          </p:cNvSpPr>
+          <p:nvPr>
+            <p:ph type="sldNum" sz="quarter" idx="12"/>
+          </p:nvPr>
+        </p:nvSpPr>
         <p:spPr/>
         <p:txBody>
           <a:bodyPr/>
-          <a:lstStyle/>
-          <a:p>
-            <a:endParaRPr lang="en-US"/>
-          </a:p>
-        </p:txBody>
-      </p:sp>
-      <p:sp>
-        <p:nvSpPr>
-          <p:cNvPr id="7" name="Slide Number Placeholder 6">
-            <a:extLst>
-              <a:ext uri="{FF2B5EF4-FFF2-40B4-BE49-F238E27FC236}">
-                <a16:creationId xmlns:a16="http://schemas.microsoft.com/office/drawing/2014/main" id="{E3C0E169-DB72-4AA1-AE4A-158C30A400B9}"/>
-              </a:ext>
-            </a:extLst>
-          </p:cNvPr>
-          <p:cNvSpPr>
-            <a:spLocks noGrp="1"/>
-          </p:cNvSpPr>
-          <p:nvPr>
-            <p:ph type="sldNum" sz="quarter" idx="12"/>
-          </p:nvPr>
-        </p:nvSpPr>
-        <p:spPr/>
-        <p:txBody>
-          <a:bodyPr/>
-          <a:lstStyle/>
+          <a:lstStyle>
+            <a:lvl1pPr>
+              <a:defRPr>
+                <a:solidFill>
+                  <a:schemeClr val="tx2"/>
+                </a:solidFill>
+              </a:defRPr>
+            </a:lvl1pPr>
+          </a:lstStyle>
           <a:p>
             <a:fld id="{4738D8E9-B46D-42A1-96CA-419E9D1A21EF}" type="slidenum">
               <a:rPr lang="en-US" smtClean="0"/>
@@ -2446,7 +2733,7 @@
     </p:spTree>
     <p:extLst>
       <p:ext uri="{BB962C8B-B14F-4D97-AF65-F5344CB8AC3E}">
-        <p14:creationId xmlns:p14="http://schemas.microsoft.com/office/powerpoint/2010/main" val="1234829891"/>
+        <p14:creationId xmlns:p14="http://schemas.microsoft.com/office/powerpoint/2010/main" val="635801026"/>
       </p:ext>
     </p:extLst>
   </p:cSld>
@@ -2457,7 +2744,7 @@
 </file>
 
 <file path=ppt/slideLayouts/slideLayout9.xml><?xml version="1.0" encoding="utf-8"?>
-<p:sldLayout xmlns:a="http://schemas.openxmlformats.org/drawingml/2006/main" xmlns:r="http://schemas.openxmlformats.org/officeDocument/2006/relationships" xmlns:p="http://schemas.openxmlformats.org/presentationml/2006/main" type="picTx" preserve="1">
+<p:sldLayout xmlns:a="http://schemas.openxmlformats.org/drawingml/2006/main" xmlns:r="http://schemas.openxmlformats.org/officeDocument/2006/relationships" xmlns:p="http://schemas.openxmlformats.org/presentationml/2006/main" showMasterSp="0" type="picTx" preserve="1">
   <p:cSld name="Picture with Caption">
     <p:spTree>
       <p:nvGrpSpPr>
@@ -2475,31 +2762,107 @@
       </p:grpSpPr>
       <p:sp>
         <p:nvSpPr>
-          <p:cNvPr id="2" name="Title 1">
-            <a:extLst>
-              <a:ext uri="{FF2B5EF4-FFF2-40B4-BE49-F238E27FC236}">
-                <a16:creationId xmlns:a16="http://schemas.microsoft.com/office/drawing/2014/main" id="{4C2695DA-4A71-443B-9763-C864D0EE735B}"/>
-              </a:ext>
-            </a:extLst>
-          </p:cNvPr>
-          <p:cNvSpPr>
-            <a:spLocks noGrp="1"/>
-          </p:cNvSpPr>
-          <p:nvPr>
-            <p:ph type="title"/>
-          </p:nvPr>
+          <p:cNvPr id="8" name="Rectangle 7"/>
+          <p:cNvSpPr/>
+          <p:nvPr/>
         </p:nvSpPr>
         <p:spPr>
           <a:xfrm>
-            <a:off x="839788" y="457200"/>
-            <a:ext cx="3932237" cy="1600200"/>
+            <a:off x="0" y="4953000"/>
+            <a:ext cx="12188825" cy="1905000"/>
+          </a:xfrm>
+          <a:prstGeom prst="rect">
+            <a:avLst/>
+          </a:prstGeom>
+          <a:solidFill>
+            <a:schemeClr val="accent2"/>
+          </a:solidFill>
+          <a:ln>
+            <a:noFill/>
+          </a:ln>
+        </p:spPr>
+        <p:style>
+          <a:lnRef idx="2">
+            <a:schemeClr val="accent1">
+              <a:shade val="50000"/>
+            </a:schemeClr>
+          </a:lnRef>
+          <a:fillRef idx="1">
+            <a:schemeClr val="accent1"/>
+          </a:fillRef>
+          <a:effectRef idx="0">
+            <a:schemeClr val="accent1"/>
+          </a:effectRef>
+          <a:fontRef idx="minor">
+            <a:schemeClr val="lt1"/>
+          </a:fontRef>
+        </p:style>
+      </p:sp>
+      <p:sp>
+        <p:nvSpPr>
+          <p:cNvPr id="9" name="Rectangle 8"/>
+          <p:cNvSpPr/>
+          <p:nvPr/>
+        </p:nvSpPr>
+        <p:spPr>
+          <a:xfrm>
+            <a:off x="15" y="4915076"/>
+            <a:ext cx="12188825" cy="64008"/>
+          </a:xfrm>
+          <a:prstGeom prst="rect">
+            <a:avLst/>
+          </a:prstGeom>
+          <a:solidFill>
+            <a:schemeClr val="accent1"/>
+          </a:solidFill>
+          <a:ln>
+            <a:noFill/>
+          </a:ln>
+        </p:spPr>
+        <p:style>
+          <a:lnRef idx="2">
+            <a:schemeClr val="accent1">
+              <a:shade val="50000"/>
+            </a:schemeClr>
+          </a:lnRef>
+          <a:fillRef idx="1">
+            <a:schemeClr val="accent1"/>
+          </a:fillRef>
+          <a:effectRef idx="0">
+            <a:schemeClr val="accent1"/>
+          </a:effectRef>
+          <a:fontRef idx="minor">
+            <a:schemeClr val="lt1"/>
+          </a:fontRef>
+        </p:style>
+      </p:sp>
+      <p:sp>
+        <p:nvSpPr>
+          <p:cNvPr id="2" name="Title 1"/>
+          <p:cNvSpPr>
+            <a:spLocks noGrp="1"/>
+          </p:cNvSpPr>
+          <p:nvPr>
+            <p:ph type="title"/>
+          </p:nvPr>
+        </p:nvSpPr>
+        <p:spPr>
+          <a:xfrm>
+            <a:off x="1097280" y="5074920"/>
+            <a:ext cx="10113264" cy="822960"/>
           </a:xfrm>
         </p:spPr>
         <p:txBody>
-          <a:bodyPr anchor="b"/>
+          <a:bodyPr lIns="91440" tIns="0" rIns="91440" bIns="0" anchor="b">
+            <a:noAutofit/>
+          </a:bodyPr>
           <a:lstStyle>
             <a:lvl1pPr>
-              <a:defRPr sz="3200"/>
+              <a:defRPr sz="3600" b="0">
+                <a:solidFill>
+                  <a:srgbClr val="FFFFFF"/>
+                </a:solidFill>
+              </a:defRPr>
             </a:lvl1pPr>
           </a:lstStyle>
           <a:p>
@@ -2507,20 +2870,15 @@
               <a:rPr lang="en-US"/>
               <a:t>Click to edit Master title style</a:t>
             </a:r>
-          </a:p>
-        </p:txBody>
-      </p:sp>
-      <p:sp>
-        <p:nvSpPr>
-          <p:cNvPr id="3" name="Picture Placeholder 2">
-            <a:extLst>
-              <a:ext uri="{FF2B5EF4-FFF2-40B4-BE49-F238E27FC236}">
-                <a16:creationId xmlns:a16="http://schemas.microsoft.com/office/drawing/2014/main" id="{805F13B9-477E-48CA-A41E-924FD2116FA1}"/>
-              </a:ext>
-            </a:extLst>
-          </p:cNvPr>
-          <p:cNvSpPr>
-            <a:spLocks noGrp="1"/>
+            <a:endParaRPr lang="en-US" dirty="0"/>
+          </a:p>
+        </p:txBody>
+      </p:sp>
+      <p:sp>
+        <p:nvSpPr>
+          <p:cNvPr id="3" name="Picture Placeholder 2"/>
+          <p:cNvSpPr>
+            <a:spLocks noGrp="1" noChangeAspect="1"/>
           </p:cNvSpPr>
           <p:nvPr>
             <p:ph type="pic" idx="1"/>
@@ -2528,16 +2886,26 @@
         </p:nvSpPr>
         <p:spPr>
           <a:xfrm>
-            <a:off x="5183188" y="987425"/>
-            <a:ext cx="6172200" cy="4873625"/>
+            <a:off x="15" y="0"/>
+            <a:ext cx="12191985" cy="4915076"/>
           </a:xfrm>
+          <a:blipFill>
+            <a:blip r:embed="rId2"/>
+            <a:stretch>
+              <a:fillRect/>
+            </a:stretch>
+          </a:blipFill>
         </p:spPr>
         <p:txBody>
-          <a:bodyPr/>
+          <a:bodyPr lIns="457200" tIns="457200" anchor="t"/>
           <a:lstStyle>
             <a:lvl1pPr marL="0" indent="0">
               <a:buNone/>
-              <a:defRPr sz="3200"/>
+              <a:defRPr sz="3200">
+                <a:solidFill>
+                  <a:schemeClr val="bg1"/>
+                </a:solidFill>
+              </a:defRPr>
             </a:lvl1pPr>
             <a:lvl2pPr marL="457200" indent="0">
               <a:buNone/>
@@ -2573,19 +2941,17 @@
             </a:lvl9pPr>
           </a:lstStyle>
           <a:p>
-            <a:endParaRPr lang="en-US"/>
-          </a:p>
-        </p:txBody>
-      </p:sp>
-      <p:sp>
-        <p:nvSpPr>
-          <p:cNvPr id="4" name="Text Placeholder 3">
-            <a:extLst>
-              <a:ext uri="{FF2B5EF4-FFF2-40B4-BE49-F238E27FC236}">
-                <a16:creationId xmlns:a16="http://schemas.microsoft.com/office/drawing/2014/main" id="{8435429C-2457-430C-B5C3-039F1FA4532E}"/>
-              </a:ext>
-            </a:extLst>
-          </p:cNvPr>
+            <a:r>
+              <a:rPr lang="en-US"/>
+              <a:t>Click icon to add picture</a:t>
+            </a:r>
+            <a:endParaRPr lang="en-US" dirty="0"/>
+          </a:p>
+        </p:txBody>
+      </p:sp>
+      <p:sp>
+        <p:nvSpPr>
+          <p:cNvPr id="4" name="Text Placeholder 3"/>
           <p:cNvSpPr>
             <a:spLocks noGrp="1"/>
           </p:cNvSpPr>
@@ -2595,48 +2961,60 @@
         </p:nvSpPr>
         <p:spPr>
           <a:xfrm>
-            <a:off x="839788" y="2057400"/>
-            <a:ext cx="3932237" cy="3811588"/>
+            <a:off x="1097280" y="5907023"/>
+            <a:ext cx="10113264" cy="594360"/>
           </a:xfrm>
         </p:spPr>
         <p:txBody>
-          <a:bodyPr/>
+          <a:bodyPr lIns="91440" tIns="0" rIns="91440" bIns="0">
+            <a:normAutofit/>
+          </a:bodyPr>
           <a:lstStyle>
             <a:lvl1pPr marL="0" indent="0">
+              <a:spcBef>
+                <a:spcPts val="0"/>
+              </a:spcBef>
+              <a:spcAft>
+                <a:spcPts val="600"/>
+              </a:spcAft>
               <a:buNone/>
-              <a:defRPr sz="1600"/>
+              <a:defRPr sz="1500">
+                <a:solidFill>
+                  <a:srgbClr val="FFFFFF"/>
+                </a:solidFill>
+              </a:defRPr>
             </a:lvl1pPr>
             <a:lvl2pPr marL="457200" indent="0">
               <a:buNone/>
-              <a:defRPr sz="1400"/>
+              <a:defRPr sz="1200"/>
             </a:lvl2pPr>
             <a:lvl3pPr marL="914400" indent="0">
               <a:buNone/>
-              <a:defRPr sz="1200"/>
+              <a:defRPr sz="1000"/>
             </a:lvl3pPr>
             <a:lvl4pPr marL="1371600" indent="0">
               <a:buNone/>
-              <a:defRPr sz="1000"/>
+              <a:defRPr sz="900"/>
             </a:lvl4pPr>
             <a:lvl5pPr marL="1828800" indent="0">
               <a:buNone/>
-              <a:defRPr sz="1000"/>
+              <a:defRPr sz="900"/>
             </a:lvl5pPr>
             <a:lvl6pPr marL="2286000" indent="0">
               <a:buNone/>
-              <a:defRPr sz="1000"/>
+              <a:defRPr sz="900"/>
             </a:lvl6pPr>
             <a:lvl7pPr marL="2743200" indent="0">
               <a:buNone/>
-              <a:defRPr sz="1000"/>
+              <a:defRPr sz="900"/>
             </a:lvl7pPr>
             <a:lvl8pPr marL="3200400" indent="0">
               <a:buNone/>
-              <a:defRPr sz="1000"/>
+              <a:defRPr sz="900"/>
             </a:lvl8pPr>
             <a:lvl9pPr marL="3657600" indent="0">
               <a:buNone/>
-              <a:defRPr sz="1000"/>
+              <a:defRPr sz="900"/>
             </a:lvl9pPr>
           </a:lstStyle>
           <a:p>
@@ -2650,13 +3028,7 @@
       </p:sp>
       <p:sp>
         <p:nvSpPr>
-          <p:cNvPr id="5" name="Date Placeholder 4">
-            <a:extLst>
-              <a:ext uri="{FF2B5EF4-FFF2-40B4-BE49-F238E27FC236}">
-                <a16:creationId xmlns:a16="http://schemas.microsoft.com/office/drawing/2014/main" id="{6CB06A19-36E1-4BBC-8A71-CFB1CC1B7210}"/>
-              </a:ext>
-            </a:extLst>
-          </p:cNvPr>
+          <p:cNvPr id="5" name="Date Placeholder 4"/>
           <p:cNvSpPr>
             <a:spLocks noGrp="1"/>
           </p:cNvSpPr>
@@ -2679,13 +3051,7 @@
       </p:sp>
       <p:sp>
         <p:nvSpPr>
-          <p:cNvPr id="6" name="Footer Placeholder 5">
-            <a:extLst>
-              <a:ext uri="{FF2B5EF4-FFF2-40B4-BE49-F238E27FC236}">
-                <a16:creationId xmlns:a16="http://schemas.microsoft.com/office/drawing/2014/main" id="{547D8660-8260-4C3D-84D6-76F444AB4696}"/>
-              </a:ext>
-            </a:extLst>
-          </p:cNvPr>
+          <p:cNvPr id="6" name="Footer Placeholder 5"/>
           <p:cNvSpPr>
             <a:spLocks noGrp="1"/>
           </p:cNvSpPr>
@@ -2704,13 +3070,7 @@
       </p:sp>
       <p:sp>
         <p:nvSpPr>
-          <p:cNvPr id="7" name="Slide Number Placeholder 6">
-            <a:extLst>
-              <a:ext uri="{FF2B5EF4-FFF2-40B4-BE49-F238E27FC236}">
-                <a16:creationId xmlns:a16="http://schemas.microsoft.com/office/drawing/2014/main" id="{3EA8BBC8-3E50-4510-9204-53CC3246EA33}"/>
-              </a:ext>
-            </a:extLst>
-          </p:cNvPr>
+          <p:cNvPr id="7" name="Slide Number Placeholder 6"/>
           <p:cNvSpPr>
             <a:spLocks noGrp="1"/>
           </p:cNvSpPr>
@@ -2734,7 +3094,7 @@
     </p:spTree>
     <p:extLst>
       <p:ext uri="{BB962C8B-B14F-4D97-AF65-F5344CB8AC3E}">
-        <p14:creationId xmlns:p14="http://schemas.microsoft.com/office/powerpoint/2010/main" val="3169848430"/>
+        <p14:creationId xmlns:p14="http://schemas.microsoft.com/office/powerpoint/2010/main" val="161207377"/>
       </p:ext>
     </p:extLst>
   </p:cSld>
@@ -2768,31 +3128,101 @@
       </p:grpSpPr>
       <p:sp>
         <p:nvSpPr>
-          <p:cNvPr id="2" name="Title Placeholder 1">
-            <a:extLst>
-              <a:ext uri="{FF2B5EF4-FFF2-40B4-BE49-F238E27FC236}">
-                <a16:creationId xmlns:a16="http://schemas.microsoft.com/office/drawing/2014/main" id="{41584189-6CFA-4292-BFF5-3BDEF2286719}"/>
-              </a:ext>
-            </a:extLst>
-          </p:cNvPr>
-          <p:cNvSpPr>
-            <a:spLocks noGrp="1"/>
-          </p:cNvSpPr>
-          <p:nvPr>
-            <p:ph type="title"/>
-          </p:nvPr>
+          <p:cNvPr id="7" name="Rectangle 6"/>
+          <p:cNvSpPr/>
+          <p:nvPr/>
         </p:nvSpPr>
         <p:spPr>
           <a:xfrm>
-            <a:off x="838200" y="365125"/>
-            <a:ext cx="10515600" cy="1325563"/>
+            <a:off x="1" y="6400800"/>
+            <a:ext cx="12192000" cy="457200"/>
+          </a:xfrm>
+          <a:prstGeom prst="rect">
+            <a:avLst/>
+          </a:prstGeom>
+          <a:solidFill>
+            <a:schemeClr val="accent2"/>
+          </a:solidFill>
+          <a:ln>
+            <a:noFill/>
+          </a:ln>
+        </p:spPr>
+        <p:style>
+          <a:lnRef idx="2">
+            <a:schemeClr val="accent1">
+              <a:shade val="50000"/>
+            </a:schemeClr>
+          </a:lnRef>
+          <a:fillRef idx="1">
+            <a:schemeClr val="accent1"/>
+          </a:fillRef>
+          <a:effectRef idx="0">
+            <a:schemeClr val="accent1"/>
+          </a:effectRef>
+          <a:fontRef idx="minor">
+            <a:schemeClr val="lt1"/>
+          </a:fontRef>
+        </p:style>
+      </p:sp>
+      <p:sp>
+        <p:nvSpPr>
+          <p:cNvPr id="9" name="Rectangle 8"/>
+          <p:cNvSpPr/>
+          <p:nvPr/>
+        </p:nvSpPr>
+        <p:spPr>
+          <a:xfrm>
+            <a:off x="0" y="6334316"/>
+            <a:ext cx="12192001" cy="65998"/>
+          </a:xfrm>
+          <a:prstGeom prst="rect">
+            <a:avLst/>
+          </a:prstGeom>
+          <a:solidFill>
+            <a:schemeClr val="accent1"/>
+          </a:solidFill>
+          <a:ln>
+            <a:noFill/>
+          </a:ln>
+        </p:spPr>
+        <p:style>
+          <a:lnRef idx="2">
+            <a:schemeClr val="accent1">
+              <a:shade val="50000"/>
+            </a:schemeClr>
+          </a:lnRef>
+          <a:fillRef idx="1">
+            <a:schemeClr val="accent1"/>
+          </a:fillRef>
+          <a:effectRef idx="0">
+            <a:schemeClr val="accent1"/>
+          </a:effectRef>
+          <a:fontRef idx="minor">
+            <a:schemeClr val="lt1"/>
+          </a:fontRef>
+        </p:style>
+      </p:sp>
+      <p:sp>
+        <p:nvSpPr>
+          <p:cNvPr id="2" name="Title Placeholder 1"/>
+          <p:cNvSpPr>
+            <a:spLocks noGrp="1"/>
+          </p:cNvSpPr>
+          <p:nvPr>
+            <p:ph type="title"/>
+          </p:nvPr>
+        </p:nvSpPr>
+        <p:spPr>
+          <a:xfrm>
+            <a:off x="1097280" y="286603"/>
+            <a:ext cx="10058400" cy="1450757"/>
           </a:xfrm>
           <a:prstGeom prst="rect">
             <a:avLst/>
           </a:prstGeom>
         </p:spPr>
         <p:txBody>
-          <a:bodyPr vert="horz" lIns="91440" tIns="45720" rIns="91440" bIns="45720" rtlCol="0" anchor="ctr">
+          <a:bodyPr vert="horz" lIns="91440" tIns="45720" rIns="91440" bIns="45720" rtlCol="0" anchor="b">
             <a:normAutofit/>
           </a:bodyPr>
           <a:lstStyle/>
@@ -2801,18 +3231,13 @@
               <a:rPr lang="en-US"/>
               <a:t>Click to edit Master title style</a:t>
             </a:r>
-          </a:p>
-        </p:txBody>
-      </p:sp>
-      <p:sp>
-        <p:nvSpPr>
-          <p:cNvPr id="3" name="Text Placeholder 2">
-            <a:extLst>
-              <a:ext uri="{FF2B5EF4-FFF2-40B4-BE49-F238E27FC236}">
-                <a16:creationId xmlns:a16="http://schemas.microsoft.com/office/drawing/2014/main" id="{80744395-EA60-4F62-A7A2-B5C04DA40FD2}"/>
-              </a:ext>
-            </a:extLst>
-          </p:cNvPr>
+            <a:endParaRPr lang="en-US" dirty="0"/>
+          </a:p>
+        </p:txBody>
+      </p:sp>
+      <p:sp>
+        <p:nvSpPr>
+          <p:cNvPr id="3" name="Text Placeholder 2"/>
           <p:cNvSpPr>
             <a:spLocks noGrp="1"/>
           </p:cNvSpPr>
@@ -2822,15 +3247,15 @@
         </p:nvSpPr>
         <p:spPr>
           <a:xfrm>
-            <a:off x="838200" y="1825625"/>
-            <a:ext cx="10515600" cy="4351338"/>
+            <a:off x="1097280" y="1845734"/>
+            <a:ext cx="10058400" cy="4023360"/>
           </a:xfrm>
           <a:prstGeom prst="rect">
             <a:avLst/>
           </a:prstGeom>
         </p:spPr>
         <p:txBody>
-          <a:bodyPr vert="horz" lIns="91440" tIns="45720" rIns="91440" bIns="45720" rtlCol="0">
+          <a:bodyPr vert="horz" lIns="0" tIns="45720" rIns="0" bIns="45720" rtlCol="0">
             <a:normAutofit/>
           </a:bodyPr>
           <a:lstStyle/>
@@ -2868,18 +3293,13 @@
               <a:rPr lang="en-US"/>
               <a:t>Fifth level</a:t>
             </a:r>
-          </a:p>
-        </p:txBody>
-      </p:sp>
-      <p:sp>
-        <p:nvSpPr>
-          <p:cNvPr id="4" name="Date Placeholder 3">
-            <a:extLst>
-              <a:ext uri="{FF2B5EF4-FFF2-40B4-BE49-F238E27FC236}">
-                <a16:creationId xmlns:a16="http://schemas.microsoft.com/office/drawing/2014/main" id="{E748D259-D08D-4AE7-BD9C-7D978C64CE00}"/>
-              </a:ext>
-            </a:extLst>
-          </p:cNvPr>
+            <a:endParaRPr lang="en-US" dirty="0"/>
+          </a:p>
+        </p:txBody>
+      </p:sp>
+      <p:sp>
+        <p:nvSpPr>
+          <p:cNvPr id="4" name="Date Placeholder 3"/>
           <p:cNvSpPr>
             <a:spLocks noGrp="1"/>
           </p:cNvSpPr>
@@ -2889,8 +3309,8 @@
         </p:nvSpPr>
         <p:spPr>
           <a:xfrm>
-            <a:off x="838200" y="6356350"/>
-            <a:ext cx="2743200" cy="365125"/>
+            <a:off x="1097280" y="6459785"/>
+            <a:ext cx="2472271" cy="365125"/>
           </a:xfrm>
           <a:prstGeom prst="rect">
             <a:avLst/>
@@ -2900,11 +3320,9 @@
           <a:bodyPr vert="horz" lIns="91440" tIns="45720" rIns="91440" bIns="45720" rtlCol="0" anchor="ctr"/>
           <a:lstStyle>
             <a:lvl1pPr algn="l">
-              <a:defRPr sz="1200">
+              <a:defRPr sz="900">
                 <a:solidFill>
-                  <a:schemeClr val="tx1">
-                    <a:tint val="75000"/>
-                  </a:schemeClr>
+                  <a:srgbClr val="FFFFFF"/>
                 </a:solidFill>
               </a:defRPr>
             </a:lvl1pPr>
@@ -2920,13 +3338,7 @@
       </p:sp>
       <p:sp>
         <p:nvSpPr>
-          <p:cNvPr id="5" name="Footer Placeholder 4">
-            <a:extLst>
-              <a:ext uri="{FF2B5EF4-FFF2-40B4-BE49-F238E27FC236}">
-                <a16:creationId xmlns:a16="http://schemas.microsoft.com/office/drawing/2014/main" id="{B96D0C85-A46D-4BD9-A38D-F526A4425954}"/>
-              </a:ext>
-            </a:extLst>
-          </p:cNvPr>
+          <p:cNvPr id="5" name="Footer Placeholder 4"/>
           <p:cNvSpPr>
             <a:spLocks noGrp="1"/>
           </p:cNvSpPr>
@@ -2936,8 +3348,8 @@
         </p:nvSpPr>
         <p:spPr>
           <a:xfrm>
-            <a:off x="4038600" y="6356350"/>
-            <a:ext cx="4114800" cy="365125"/>
+            <a:off x="3686185" y="6459785"/>
+            <a:ext cx="4822804" cy="365125"/>
           </a:xfrm>
           <a:prstGeom prst="rect">
             <a:avLst/>
@@ -2947,11 +3359,9 @@
           <a:bodyPr vert="horz" lIns="91440" tIns="45720" rIns="91440" bIns="45720" rtlCol="0" anchor="ctr"/>
           <a:lstStyle>
             <a:lvl1pPr algn="ctr">
-              <a:defRPr sz="1200">
+              <a:defRPr sz="900" cap="all" baseline="0">
                 <a:solidFill>
-                  <a:schemeClr val="tx1">
-                    <a:tint val="75000"/>
-                  </a:schemeClr>
+                  <a:srgbClr val="FFFFFF"/>
                 </a:solidFill>
               </a:defRPr>
             </a:lvl1pPr>
@@ -2963,13 +3373,7 @@
       </p:sp>
       <p:sp>
         <p:nvSpPr>
-          <p:cNvPr id="6" name="Slide Number Placeholder 5">
-            <a:extLst>
-              <a:ext uri="{FF2B5EF4-FFF2-40B4-BE49-F238E27FC236}">
-                <a16:creationId xmlns:a16="http://schemas.microsoft.com/office/drawing/2014/main" id="{AEA3F813-2E26-4971-89F5-116D61AE3A70}"/>
-              </a:ext>
-            </a:extLst>
-          </p:cNvPr>
+          <p:cNvPr id="6" name="Slide Number Placeholder 5"/>
           <p:cNvSpPr>
             <a:spLocks noGrp="1"/>
           </p:cNvSpPr>
@@ -2979,8 +3383,8 @@
         </p:nvSpPr>
         <p:spPr>
           <a:xfrm>
-            <a:off x="8610600" y="6356350"/>
-            <a:ext cx="2743200" cy="365125"/>
+            <a:off x="9900458" y="6459785"/>
+            <a:ext cx="1312025" cy="365125"/>
           </a:xfrm>
           <a:prstGeom prst="rect">
             <a:avLst/>
@@ -2990,11 +3394,9 @@
           <a:bodyPr vert="horz" lIns="91440" tIns="45720" rIns="91440" bIns="45720" rtlCol="0" anchor="ctr"/>
           <a:lstStyle>
             <a:lvl1pPr algn="r">
-              <a:defRPr sz="1200">
+              <a:defRPr sz="1050">
                 <a:solidFill>
-                  <a:schemeClr val="tx1">
-                    <a:tint val="75000"/>
-                  </a:schemeClr>
+                  <a:srgbClr val="FFFFFF"/>
                 </a:solidFill>
               </a:defRPr>
             </a:lvl1pPr>
@@ -3008,40 +3410,81 @@
           </a:p>
         </p:txBody>
       </p:sp>
+      <p:cxnSp>
+        <p:nvCxnSpPr>
+          <p:cNvPr id="10" name="Straight Connector 9"/>
+          <p:cNvCxnSpPr/>
+          <p:nvPr/>
+        </p:nvCxnSpPr>
+        <p:spPr>
+          <a:xfrm>
+            <a:off x="1193532" y="1737845"/>
+            <a:ext cx="9966960" cy="0"/>
+          </a:xfrm>
+          <a:prstGeom prst="line">
+            <a:avLst/>
+          </a:prstGeom>
+          <a:ln w="6350">
+            <a:solidFill>
+              <a:schemeClr val="tx1">
+                <a:lumMod val="50000"/>
+                <a:lumOff val="50000"/>
+              </a:schemeClr>
+            </a:solidFill>
+          </a:ln>
+        </p:spPr>
+        <p:style>
+          <a:lnRef idx="1">
+            <a:schemeClr val="accent1"/>
+          </a:lnRef>
+          <a:fillRef idx="0">
+            <a:schemeClr val="accent1"/>
+          </a:fillRef>
+          <a:effectRef idx="0">
+            <a:schemeClr val="accent1"/>
+          </a:effectRef>
+          <a:fontRef idx="minor">
+            <a:schemeClr val="tx1"/>
+          </a:fontRef>
+        </p:style>
+      </p:cxnSp>
     </p:spTree>
     <p:extLst>
       <p:ext uri="{BB962C8B-B14F-4D97-AF65-F5344CB8AC3E}">
-        <p14:creationId xmlns:p14="http://schemas.microsoft.com/office/powerpoint/2010/main" val="53360109"/>
+        <p14:creationId xmlns:p14="http://schemas.microsoft.com/office/powerpoint/2010/main" val="3055129241"/>
       </p:ext>
     </p:extLst>
   </p:cSld>
   <p:clrMap bg1="lt1" tx1="dk1" bg2="lt2" tx2="dk2" accent1="accent1" accent2="accent2" accent3="accent3" accent4="accent4" accent5="accent5" accent6="accent6" hlink="hlink" folHlink="folHlink"/>
   <p:sldLayoutIdLst>
-    <p:sldLayoutId id="2147483649" r:id="rId1"/>
-    <p:sldLayoutId id="2147483650" r:id="rId2"/>
-    <p:sldLayoutId id="2147483651" r:id="rId3"/>
-    <p:sldLayoutId id="2147483652" r:id="rId4"/>
-    <p:sldLayoutId id="2147483653" r:id="rId5"/>
-    <p:sldLayoutId id="2147483654" r:id="rId6"/>
-    <p:sldLayoutId id="2147483655" r:id="rId7"/>
-    <p:sldLayoutId id="2147483656" r:id="rId8"/>
-    <p:sldLayoutId id="2147483657" r:id="rId9"/>
-    <p:sldLayoutId id="2147483658" r:id="rId10"/>
-    <p:sldLayoutId id="2147483659" r:id="rId11"/>
+    <p:sldLayoutId id="2147483661" r:id="rId1"/>
+    <p:sldLayoutId id="2147483662" r:id="rId2"/>
+    <p:sldLayoutId id="2147483663" r:id="rId3"/>
+    <p:sldLayoutId id="2147483664" r:id="rId4"/>
+    <p:sldLayoutId id="2147483665" r:id="rId5"/>
+    <p:sldLayoutId id="2147483666" r:id="rId6"/>
+    <p:sldLayoutId id="2147483667" r:id="rId7"/>
+    <p:sldLayoutId id="2147483668" r:id="rId8"/>
+    <p:sldLayoutId id="2147483669" r:id="rId9"/>
+    <p:sldLayoutId id="2147483670" r:id="rId10"/>
+    <p:sldLayoutId id="2147483671" r:id="rId11"/>
   </p:sldLayoutIdLst>
   <p:txStyles>
     <p:titleStyle>
       <a:lvl1pPr algn="l" defTabSz="914400" rtl="0" eaLnBrk="1" latinLnBrk="0" hangingPunct="1">
         <a:lnSpc>
-          <a:spcPct val="90000"/>
+          <a:spcPct val="85000"/>
         </a:lnSpc>
         <a:spcBef>
           <a:spcPct val="0"/>
         </a:spcBef>
         <a:buNone/>
-        <a:defRPr sz="4400" kern="1200">
+        <a:defRPr sz="4800" kern="1200" spc="-50" baseline="0">
           <a:solidFill>
-            <a:schemeClr val="tx1"/>
+            <a:schemeClr val="tx1">
+              <a:lumMod val="75000"/>
+              <a:lumOff val="25000"/>
+            </a:schemeClr>
           </a:solidFill>
           <a:latin typeface="+mj-lt"/>
           <a:ea typeface="+mj-ea"/>
@@ -3050,162 +3493,244 @@
       </a:lvl1pPr>
     </p:titleStyle>
     <p:bodyStyle>
-      <a:lvl1pPr marL="228600" indent="-228600" algn="l" defTabSz="914400" rtl="0" eaLnBrk="1" latinLnBrk="0" hangingPunct="1">
+      <a:lvl1pPr marL="91440" indent="-91440" algn="l" defTabSz="914400" rtl="0" eaLnBrk="1" latinLnBrk="0" hangingPunct="1">
         <a:lnSpc>
           <a:spcPct val="90000"/>
         </a:lnSpc>
         <a:spcBef>
-          <a:spcPts val="1000"/>
+          <a:spcPts val="1200"/>
         </a:spcBef>
-        <a:buFont typeface="Arial" panose="020B0604020202020204" pitchFamily="34" charset="0"/>
-        <a:buChar char="•"/>
-        <a:defRPr sz="2800" kern="1200">
+        <a:spcAft>
+          <a:spcPts val="200"/>
+        </a:spcAft>
+        <a:buClr>
+          <a:schemeClr val="accent1"/>
+        </a:buClr>
+        <a:buSzPct val="100000"/>
+        <a:buFont typeface="Calibri" panose="020F0502020204030204" pitchFamily="34" charset="0"/>
+        <a:buChar char=" "/>
+        <a:defRPr sz="2000" kern="1200">
           <a:solidFill>
-            <a:schemeClr val="tx1"/>
+            <a:schemeClr val="tx1">
+              <a:lumMod val="75000"/>
+              <a:lumOff val="25000"/>
+            </a:schemeClr>
           </a:solidFill>
           <a:latin typeface="+mn-lt"/>
           <a:ea typeface="+mn-ea"/>
           <a:cs typeface="+mn-cs"/>
         </a:defRPr>
       </a:lvl1pPr>
-      <a:lvl2pPr marL="685800" indent="-228600" algn="l" defTabSz="914400" rtl="0" eaLnBrk="1" latinLnBrk="0" hangingPunct="1">
+      <a:lvl2pPr marL="384048" indent="-182880" algn="l" defTabSz="914400" rtl="0" eaLnBrk="1" latinLnBrk="0" hangingPunct="1">
         <a:lnSpc>
           <a:spcPct val="90000"/>
         </a:lnSpc>
         <a:spcBef>
-          <a:spcPts val="500"/>
+          <a:spcPts val="200"/>
         </a:spcBef>
-        <a:buFont typeface="Arial" panose="020B0604020202020204" pitchFamily="34" charset="0"/>
-        <a:buChar char="•"/>
-        <a:defRPr sz="2400" kern="1200">
+        <a:spcAft>
+          <a:spcPts val="400"/>
+        </a:spcAft>
+        <a:buClr>
+          <a:schemeClr val="accent1"/>
+        </a:buClr>
+        <a:buFont typeface="Calibri" pitchFamily="34" charset="0"/>
+        <a:buChar char="◦"/>
+        <a:defRPr sz="1800" kern="1200">
           <a:solidFill>
-            <a:schemeClr val="tx1"/>
+            <a:schemeClr val="tx1">
+              <a:lumMod val="75000"/>
+              <a:lumOff val="25000"/>
+            </a:schemeClr>
           </a:solidFill>
           <a:latin typeface="+mn-lt"/>
           <a:ea typeface="+mn-ea"/>
           <a:cs typeface="+mn-cs"/>
         </a:defRPr>
       </a:lvl2pPr>
-      <a:lvl3pPr marL="1143000" indent="-228600" algn="l" defTabSz="914400" rtl="0" eaLnBrk="1" latinLnBrk="0" hangingPunct="1">
+      <a:lvl3pPr marL="566928" indent="-182880" algn="l" defTabSz="914400" rtl="0" eaLnBrk="1" latinLnBrk="0" hangingPunct="1">
         <a:lnSpc>
           <a:spcPct val="90000"/>
         </a:lnSpc>
         <a:spcBef>
-          <a:spcPts val="500"/>
+          <a:spcPts val="200"/>
         </a:spcBef>
-        <a:buFont typeface="Arial" panose="020B0604020202020204" pitchFamily="34" charset="0"/>
-        <a:buChar char="•"/>
-        <a:defRPr sz="2000" kern="1200">
+        <a:spcAft>
+          <a:spcPts val="400"/>
+        </a:spcAft>
+        <a:buClr>
+          <a:schemeClr val="accent1"/>
+        </a:buClr>
+        <a:buFont typeface="Calibri" pitchFamily="34" charset="0"/>
+        <a:buChar char="◦"/>
+        <a:defRPr sz="1400" kern="1200">
           <a:solidFill>
-            <a:schemeClr val="tx1"/>
+            <a:schemeClr val="tx1">
+              <a:lumMod val="75000"/>
+              <a:lumOff val="25000"/>
+            </a:schemeClr>
           </a:solidFill>
           <a:latin typeface="+mn-lt"/>
           <a:ea typeface="+mn-ea"/>
           <a:cs typeface="+mn-cs"/>
         </a:defRPr>
       </a:lvl3pPr>
-      <a:lvl4pPr marL="1600200" indent="-228600" algn="l" defTabSz="914400" rtl="0" eaLnBrk="1" latinLnBrk="0" hangingPunct="1">
+      <a:lvl4pPr marL="749808" indent="-182880" algn="l" defTabSz="914400" rtl="0" eaLnBrk="1" latinLnBrk="0" hangingPunct="1">
         <a:lnSpc>
           <a:spcPct val="90000"/>
         </a:lnSpc>
         <a:spcBef>
-          <a:spcPts val="500"/>
+          <a:spcPts val="200"/>
         </a:spcBef>
-        <a:buFont typeface="Arial" panose="020B0604020202020204" pitchFamily="34" charset="0"/>
-        <a:buChar char="•"/>
-        <a:defRPr sz="1800" kern="1200">
+        <a:spcAft>
+          <a:spcPts val="400"/>
+        </a:spcAft>
+        <a:buClr>
+          <a:schemeClr val="accent1"/>
+        </a:buClr>
+        <a:buFont typeface="Calibri" pitchFamily="34" charset="0"/>
+        <a:buChar char="◦"/>
+        <a:defRPr sz="1400" kern="1200">
           <a:solidFill>
-            <a:schemeClr val="tx1"/>
+            <a:schemeClr val="tx1">
+              <a:lumMod val="75000"/>
+              <a:lumOff val="25000"/>
+            </a:schemeClr>
           </a:solidFill>
           <a:latin typeface="+mn-lt"/>
           <a:ea typeface="+mn-ea"/>
           <a:cs typeface="+mn-cs"/>
         </a:defRPr>
       </a:lvl4pPr>
-      <a:lvl5pPr marL="2057400" indent="-228600" algn="l" defTabSz="914400" rtl="0" eaLnBrk="1" latinLnBrk="0" hangingPunct="1">
+      <a:lvl5pPr marL="932688" indent="-182880" algn="l" defTabSz="914400" rtl="0" eaLnBrk="1" latinLnBrk="0" hangingPunct="1">
         <a:lnSpc>
           <a:spcPct val="90000"/>
         </a:lnSpc>
         <a:spcBef>
-          <a:spcPts val="500"/>
+          <a:spcPts val="200"/>
         </a:spcBef>
-        <a:buFont typeface="Arial" panose="020B0604020202020204" pitchFamily="34" charset="0"/>
-        <a:buChar char="•"/>
-        <a:defRPr sz="1800" kern="1200">
+        <a:spcAft>
+          <a:spcPts val="400"/>
+        </a:spcAft>
+        <a:buClr>
+          <a:schemeClr val="accent1"/>
+        </a:buClr>
+        <a:buFont typeface="Calibri" pitchFamily="34" charset="0"/>
+        <a:buChar char="◦"/>
+        <a:defRPr sz="1400" kern="1200">
           <a:solidFill>
-            <a:schemeClr val="tx1"/>
+            <a:schemeClr val="tx1">
+              <a:lumMod val="75000"/>
+              <a:lumOff val="25000"/>
+            </a:schemeClr>
           </a:solidFill>
           <a:latin typeface="+mn-lt"/>
           <a:ea typeface="+mn-ea"/>
           <a:cs typeface="+mn-cs"/>
         </a:defRPr>
       </a:lvl5pPr>
-      <a:lvl6pPr marL="2514600" indent="-228600" algn="l" defTabSz="914400" rtl="0" eaLnBrk="1" latinLnBrk="0" hangingPunct="1">
+      <a:lvl6pPr marL="1100000" indent="-228600" algn="l" defTabSz="914400" rtl="0" eaLnBrk="1" latinLnBrk="0" hangingPunct="1">
         <a:lnSpc>
           <a:spcPct val="90000"/>
         </a:lnSpc>
         <a:spcBef>
-          <a:spcPts val="500"/>
+          <a:spcPts val="200"/>
         </a:spcBef>
-        <a:buFont typeface="Arial" panose="020B0604020202020204" pitchFamily="34" charset="0"/>
-        <a:buChar char="•"/>
-        <a:defRPr sz="1800" kern="1200">
+        <a:spcAft>
+          <a:spcPts val="400"/>
+        </a:spcAft>
+        <a:buClr>
+          <a:schemeClr val="accent1"/>
+        </a:buClr>
+        <a:buFont typeface="Calibri" pitchFamily="34" charset="0"/>
+        <a:buChar char="◦"/>
+        <a:defRPr sz="1400" kern="1200">
           <a:solidFill>
-            <a:schemeClr val="tx1"/>
+            <a:schemeClr val="tx1">
+              <a:lumMod val="75000"/>
+              <a:lumOff val="25000"/>
+            </a:schemeClr>
           </a:solidFill>
           <a:latin typeface="+mn-lt"/>
           <a:ea typeface="+mn-ea"/>
           <a:cs typeface="+mn-cs"/>
         </a:defRPr>
       </a:lvl6pPr>
-      <a:lvl7pPr marL="2971800" indent="-228600" algn="l" defTabSz="914400" rtl="0" eaLnBrk="1" latinLnBrk="0" hangingPunct="1">
+      <a:lvl7pPr marL="1300000" indent="-228600" algn="l" defTabSz="914400" rtl="0" eaLnBrk="1" latinLnBrk="0" hangingPunct="1">
         <a:lnSpc>
           <a:spcPct val="90000"/>
         </a:lnSpc>
         <a:spcBef>
-          <a:spcPts val="500"/>
+          <a:spcPts val="200"/>
         </a:spcBef>
-        <a:buFont typeface="Arial" panose="020B0604020202020204" pitchFamily="34" charset="0"/>
-        <a:buChar char="•"/>
-        <a:defRPr sz="1800" kern="1200">
+        <a:spcAft>
+          <a:spcPts val="400"/>
+        </a:spcAft>
+        <a:buClr>
+          <a:schemeClr val="accent1"/>
+        </a:buClr>
+        <a:buFont typeface="Calibri" pitchFamily="34" charset="0"/>
+        <a:buChar char="◦"/>
+        <a:defRPr sz="1400" kern="1200">
           <a:solidFill>
-            <a:schemeClr val="tx1"/>
+            <a:schemeClr val="tx1">
+              <a:lumMod val="75000"/>
+              <a:lumOff val="25000"/>
+            </a:schemeClr>
           </a:solidFill>
           <a:latin typeface="+mn-lt"/>
           <a:ea typeface="+mn-ea"/>
           <a:cs typeface="+mn-cs"/>
         </a:defRPr>
       </a:lvl7pPr>
-      <a:lvl8pPr marL="3429000" indent="-228600" algn="l" defTabSz="914400" rtl="0" eaLnBrk="1" latinLnBrk="0" hangingPunct="1">
+      <a:lvl8pPr marL="1500000" indent="-228600" algn="l" defTabSz="914400" rtl="0" eaLnBrk="1" latinLnBrk="0" hangingPunct="1">
         <a:lnSpc>
           <a:spcPct val="90000"/>
         </a:lnSpc>
         <a:spcBef>
-          <a:spcPts val="500"/>
+          <a:spcPts val="200"/>
         </a:spcBef>
-        <a:buFont typeface="Arial" panose="020B0604020202020204" pitchFamily="34" charset="0"/>
-        <a:buChar char="•"/>
-        <a:defRPr sz="1800" kern="1200">
+        <a:spcAft>
+          <a:spcPts val="400"/>
+        </a:spcAft>
+        <a:buClr>
+          <a:schemeClr val="accent1"/>
+        </a:buClr>
+        <a:buFont typeface="Calibri" pitchFamily="34" charset="0"/>
+        <a:buChar char="◦"/>
+        <a:defRPr sz="1400" kern="1200">
           <a:solidFill>
-            <a:schemeClr val="tx1"/>
+            <a:schemeClr val="tx1">
+              <a:lumMod val="75000"/>
+              <a:lumOff val="25000"/>
+            </a:schemeClr>
           </a:solidFill>
           <a:latin typeface="+mn-lt"/>
           <a:ea typeface="+mn-ea"/>
           <a:cs typeface="+mn-cs"/>
         </a:defRPr>
       </a:lvl8pPr>
-      <a:lvl9pPr marL="3886200" indent="-228600" algn="l" defTabSz="914400" rtl="0" eaLnBrk="1" latinLnBrk="0" hangingPunct="1">
+      <a:lvl9pPr marL="1700000" indent="-228600" algn="l" defTabSz="914400" rtl="0" eaLnBrk="1" latinLnBrk="0" hangingPunct="1">
         <a:lnSpc>
           <a:spcPct val="90000"/>
         </a:lnSpc>
         <a:spcBef>
-          <a:spcPts val="500"/>
+          <a:spcPts val="200"/>
         </a:spcBef>
-        <a:buFont typeface="Arial" panose="020B0604020202020204" pitchFamily="34" charset="0"/>
-        <a:buChar char="•"/>
-        <a:defRPr sz="1800" kern="1200">
+        <a:spcAft>
+          <a:spcPts val="400"/>
+        </a:spcAft>
+        <a:buClr>
+          <a:schemeClr val="accent1"/>
+        </a:buClr>
+        <a:buFont typeface="Calibri" pitchFamily="34" charset="0"/>
+        <a:buChar char="◦"/>
+        <a:defRPr sz="1400" kern="1200">
           <a:solidFill>
-            <a:schemeClr val="tx1"/>
+            <a:schemeClr val="tx1">
+              <a:lumMod val="75000"/>
+              <a:lumOff val="25000"/>
+            </a:schemeClr>
           </a:solidFill>
           <a:latin typeface="+mn-lt"/>
           <a:ea typeface="+mn-ea"/>
@@ -3395,6 +3920,1733 @@
 </p:sld>
 </file>
 
+<file path=ppt/slides/slide10.xml><?xml version="1.0" encoding="utf-8"?>
+<p:sld xmlns:a="http://schemas.openxmlformats.org/drawingml/2006/main" xmlns:r="http://schemas.openxmlformats.org/officeDocument/2006/relationships" xmlns:p="http://schemas.openxmlformats.org/presentationml/2006/main">
+  <p:cSld>
+    <p:spTree>
+      <p:nvGrpSpPr>
+        <p:cNvPr id="1" name=""/>
+        <p:cNvGrpSpPr/>
+        <p:nvPr/>
+      </p:nvGrpSpPr>
+      <p:grpSpPr>
+        <a:xfrm>
+          <a:off x="0" y="0"/>
+          <a:ext cx="0" cy="0"/>
+          <a:chOff x="0" y="0"/>
+          <a:chExt cx="0" cy="0"/>
+        </a:xfrm>
+      </p:grpSpPr>
+      <p:sp>
+        <p:nvSpPr>
+          <p:cNvPr id="2" name="Title 1">
+            <a:extLst>
+              <a:ext uri="{FF2B5EF4-FFF2-40B4-BE49-F238E27FC236}">
+                <a16:creationId xmlns:a16="http://schemas.microsoft.com/office/drawing/2014/main" id="{F3BFABCE-727C-4CD0-B322-56FFD785EC35}"/>
+              </a:ext>
+            </a:extLst>
+          </p:cNvPr>
+          <p:cNvSpPr>
+            <a:spLocks noGrp="1"/>
+          </p:cNvSpPr>
+          <p:nvPr>
+            <p:ph type="title"/>
+          </p:nvPr>
+        </p:nvSpPr>
+        <p:spPr/>
+        <p:txBody>
+          <a:bodyPr/>
+          <a:lstStyle/>
+          <a:p>
+            <a:r>
+              <a:rPr lang="en-US" dirty="0"/>
+              <a:t>Is the </a:t>
+            </a:r>
+            <a:r>
+              <a:rPr lang="en-US" dirty="0" err="1"/>
+              <a:t>r-value</a:t>
+            </a:r>
+            <a:r>
+              <a:rPr lang="en-US" dirty="0"/>
+              <a:t> enough?</a:t>
+            </a:r>
+          </a:p>
+        </p:txBody>
+      </p:sp>
+      <p:sp>
+        <p:nvSpPr>
+          <p:cNvPr id="3" name="Content Placeholder 2">
+            <a:extLst>
+              <a:ext uri="{FF2B5EF4-FFF2-40B4-BE49-F238E27FC236}">
+                <a16:creationId xmlns:a16="http://schemas.microsoft.com/office/drawing/2014/main" id="{A0242052-BEE7-435D-9FE8-C13EA2205BD4}"/>
+              </a:ext>
+            </a:extLst>
+          </p:cNvPr>
+          <p:cNvSpPr>
+            <a:spLocks noGrp="1"/>
+          </p:cNvSpPr>
+          <p:nvPr>
+            <p:ph idx="1"/>
+          </p:nvPr>
+        </p:nvSpPr>
+        <p:spPr/>
+        <p:txBody>
+          <a:bodyPr/>
+          <a:lstStyle/>
+          <a:p>
+            <a:r>
+              <a:rPr lang="en-US" dirty="0"/>
+              <a:t>The probability also depends on other factors like how unusual the given name is. The probability that a pair of articles written by a unique author name is a same individual is higher than articles written by a common author name.</a:t>
+            </a:r>
+          </a:p>
+          <a:p>
+            <a:r>
+              <a:rPr lang="en-US" dirty="0"/>
+              <a:t>Hence the probability P(</a:t>
+            </a:r>
+            <a:r>
+              <a:rPr lang="en-US" dirty="0" err="1"/>
+              <a:t>M|x</a:t>
+            </a:r>
+            <a:r>
+              <a:rPr lang="en-US" dirty="0"/>
+              <a:t>) depends on P(</a:t>
+            </a:r>
+            <a:r>
+              <a:rPr lang="en-US" dirty="0" err="1"/>
+              <a:t>x|M</a:t>
+            </a:r>
+            <a:r>
+              <a:rPr lang="en-US" dirty="0"/>
+              <a:t>) / P(</a:t>
+            </a:r>
+            <a:r>
+              <a:rPr lang="en-US" dirty="0" err="1"/>
+              <a:t>x|N</a:t>
+            </a:r>
+            <a:r>
+              <a:rPr lang="en-US" dirty="0"/>
+              <a:t>) (i.e., the r(x)) and the prior match probability P(M).</a:t>
+            </a:r>
+          </a:p>
+          <a:p>
+            <a:endParaRPr lang="en-US" dirty="0"/>
+          </a:p>
+        </p:txBody>
+      </p:sp>
+    </p:spTree>
+    <p:extLst>
+      <p:ext uri="{BB962C8B-B14F-4D97-AF65-F5344CB8AC3E}">
+        <p14:creationId xmlns:p14="http://schemas.microsoft.com/office/powerpoint/2010/main" val="1576664105"/>
+      </p:ext>
+    </p:extLst>
+  </p:cSld>
+  <p:clrMapOvr>
+    <a:masterClrMapping/>
+  </p:clrMapOvr>
+</p:sld>
+</file>
+
+<file path=ppt/slides/slide11.xml><?xml version="1.0" encoding="utf-8"?>
+<p:sld xmlns:a="http://schemas.openxmlformats.org/drawingml/2006/main" xmlns:r="http://schemas.openxmlformats.org/officeDocument/2006/relationships" xmlns:p="http://schemas.openxmlformats.org/presentationml/2006/main">
+  <p:cSld>
+    <p:spTree>
+      <p:nvGrpSpPr>
+        <p:cNvPr id="1" name=""/>
+        <p:cNvGrpSpPr/>
+        <p:nvPr/>
+      </p:nvGrpSpPr>
+      <p:grpSpPr>
+        <a:xfrm>
+          <a:off x="0" y="0"/>
+          <a:ext cx="0" cy="0"/>
+          <a:chOff x="0" y="0"/>
+          <a:chExt cx="0" cy="0"/>
+        </a:xfrm>
+      </p:grpSpPr>
+      <p:sp>
+        <p:nvSpPr>
+          <p:cNvPr id="2" name="Title 1">
+            <a:extLst>
+              <a:ext uri="{FF2B5EF4-FFF2-40B4-BE49-F238E27FC236}">
+                <a16:creationId xmlns:a16="http://schemas.microsoft.com/office/drawing/2014/main" id="{C6C9D8B6-C3BF-4CAA-833B-C2EBBD801BAF}"/>
+              </a:ext>
+            </a:extLst>
+          </p:cNvPr>
+          <p:cNvSpPr>
+            <a:spLocks noGrp="1"/>
+          </p:cNvSpPr>
+          <p:nvPr>
+            <p:ph type="title"/>
+          </p:nvPr>
+        </p:nvSpPr>
+        <p:spPr/>
+        <p:txBody>
+          <a:bodyPr/>
+          <a:lstStyle/>
+          <a:p>
+            <a:r>
+              <a:rPr lang="en-US" dirty="0"/>
+              <a:t>Mathematically…</a:t>
+            </a:r>
+          </a:p>
+        </p:txBody>
+      </p:sp>
+      <p:pic>
+        <p:nvPicPr>
+          <p:cNvPr id="4" name="Content Placeholder 3">
+            <a:extLst>
+              <a:ext uri="{FF2B5EF4-FFF2-40B4-BE49-F238E27FC236}">
+                <a16:creationId xmlns:a16="http://schemas.microsoft.com/office/drawing/2014/main" id="{667F7A4B-A8DC-4755-A57B-B61FB1D33724}"/>
+              </a:ext>
+            </a:extLst>
+          </p:cNvPr>
+          <p:cNvPicPr>
+            <a:picLocks noGrp="1" noChangeAspect="1"/>
+          </p:cNvPicPr>
+          <p:nvPr>
+            <p:ph idx="1"/>
+          </p:nvPr>
+        </p:nvPicPr>
+        <p:blipFill>
+          <a:blip r:embed="rId2"/>
+          <a:stretch>
+            <a:fillRect/>
+          </a:stretch>
+        </p:blipFill>
+        <p:spPr>
+          <a:xfrm>
+            <a:off x="566775" y="1856943"/>
+            <a:ext cx="5806315" cy="3985079"/>
+          </a:xfrm>
+          <a:prstGeom prst="rect">
+            <a:avLst/>
+          </a:prstGeom>
+        </p:spPr>
+      </p:pic>
+    </p:spTree>
+    <p:extLst>
+      <p:ext uri="{BB962C8B-B14F-4D97-AF65-F5344CB8AC3E}">
+        <p14:creationId xmlns:p14="http://schemas.microsoft.com/office/powerpoint/2010/main" val="3546998246"/>
+      </p:ext>
+    </p:extLst>
+  </p:cSld>
+  <p:clrMapOvr>
+    <a:masterClrMapping/>
+  </p:clrMapOvr>
+</p:sld>
+</file>
+
+<file path=ppt/slides/slide12.xml><?xml version="1.0" encoding="utf-8"?>
+<p:sld xmlns:a="http://schemas.openxmlformats.org/drawingml/2006/main" xmlns:r="http://schemas.openxmlformats.org/officeDocument/2006/relationships" xmlns:p="http://schemas.openxmlformats.org/presentationml/2006/main">
+  <p:cSld>
+    <p:spTree>
+      <p:nvGrpSpPr>
+        <p:cNvPr id="1" name=""/>
+        <p:cNvGrpSpPr/>
+        <p:nvPr/>
+      </p:nvGrpSpPr>
+      <p:grpSpPr>
+        <a:xfrm>
+          <a:off x="0" y="0"/>
+          <a:ext cx="0" cy="0"/>
+          <a:chOff x="0" y="0"/>
+          <a:chExt cx="0" cy="0"/>
+        </a:xfrm>
+      </p:grpSpPr>
+      <p:sp>
+        <p:nvSpPr>
+          <p:cNvPr id="2" name="Title 1">
+            <a:extLst>
+              <a:ext uri="{FF2B5EF4-FFF2-40B4-BE49-F238E27FC236}">
+                <a16:creationId xmlns:a16="http://schemas.microsoft.com/office/drawing/2014/main" id="{FC385478-DA26-4557-B348-1F7153A14C75}"/>
+              </a:ext>
+            </a:extLst>
+          </p:cNvPr>
+          <p:cNvSpPr>
+            <a:spLocks noGrp="1"/>
+          </p:cNvSpPr>
+          <p:nvPr>
+            <p:ph type="title"/>
+          </p:nvPr>
+        </p:nvSpPr>
+        <p:spPr/>
+        <p:txBody>
+          <a:bodyPr/>
+          <a:lstStyle/>
+          <a:p>
+            <a:r>
+              <a:rPr lang="en-US" dirty="0"/>
+              <a:t>Training sets (positive and negative sets)</a:t>
+            </a:r>
+          </a:p>
+        </p:txBody>
+      </p:sp>
+      <p:sp>
+        <p:nvSpPr>
+          <p:cNvPr id="3" name="Content Placeholder 2">
+            <a:extLst>
+              <a:ext uri="{FF2B5EF4-FFF2-40B4-BE49-F238E27FC236}">
+                <a16:creationId xmlns:a16="http://schemas.microsoft.com/office/drawing/2014/main" id="{60D178FE-BBCF-43EC-83E0-B76B7847571E}"/>
+              </a:ext>
+            </a:extLst>
+          </p:cNvPr>
+          <p:cNvSpPr>
+            <a:spLocks noGrp="1"/>
+          </p:cNvSpPr>
+          <p:nvPr>
+            <p:ph idx="1"/>
+          </p:nvPr>
+        </p:nvSpPr>
+        <p:spPr/>
+        <p:txBody>
+          <a:bodyPr/>
+          <a:lstStyle/>
+          <a:p>
+            <a:pPr marL="0" indent="0">
+              <a:buNone/>
+            </a:pPr>
+            <a:r>
+              <a:rPr lang="en-US" dirty="0"/>
+              <a:t>The following sets are generated based on certain conditions:</a:t>
+            </a:r>
+          </a:p>
+          <a:p>
+            <a:pPr marL="514350" indent="-514350">
+              <a:buFont typeface="+mj-lt"/>
+              <a:buAutoNum type="arabicPeriod"/>
+            </a:pPr>
+            <a:r>
+              <a:rPr lang="en-US" dirty="0"/>
+              <a:t>Article attribute match set [pairs matching on </a:t>
+            </a:r>
+            <a:r>
+              <a:rPr lang="en-US" dirty="0" err="1"/>
+              <a:t>first_name</a:t>
+            </a:r>
+            <a:r>
+              <a:rPr lang="en-US" dirty="0"/>
+              <a:t>, </a:t>
+            </a:r>
+            <a:r>
+              <a:rPr lang="en-US" dirty="0" err="1"/>
+              <a:t>last_name</a:t>
+            </a:r>
+            <a:r>
+              <a:rPr lang="en-US" dirty="0"/>
+              <a:t>, </a:t>
+            </a:r>
+            <a:r>
+              <a:rPr lang="en-US" dirty="0" err="1"/>
+              <a:t>middle_name</a:t>
+            </a:r>
+            <a:r>
+              <a:rPr lang="en-US" dirty="0"/>
+              <a:t> and suffix]</a:t>
+            </a:r>
+          </a:p>
+          <a:p>
+            <a:pPr marL="514350" indent="-514350">
+              <a:buFont typeface="+mj-lt"/>
+              <a:buAutoNum type="arabicPeriod"/>
+            </a:pPr>
+            <a:r>
+              <a:rPr lang="en-US" dirty="0"/>
+              <a:t>Article attribute non match set [pairs differed on </a:t>
+            </a:r>
+            <a:r>
+              <a:rPr lang="en-US" dirty="0" err="1"/>
+              <a:t>last_name</a:t>
+            </a:r>
+            <a:r>
+              <a:rPr lang="en-US" dirty="0"/>
+              <a:t>]</a:t>
+            </a:r>
+          </a:p>
+          <a:p>
+            <a:pPr marL="514350" indent="-514350">
+              <a:buFont typeface="+mj-lt"/>
+              <a:buAutoNum type="arabicPeriod"/>
+            </a:pPr>
+            <a:r>
+              <a:rPr lang="en-US" dirty="0"/>
+              <a:t>Named attribute match set [pairs matching on first author’s </a:t>
+            </a:r>
+            <a:r>
+              <a:rPr lang="en-US" dirty="0" err="1"/>
+              <a:t>first_initial</a:t>
+            </a:r>
+            <a:r>
+              <a:rPr lang="en-US" dirty="0"/>
+              <a:t> and </a:t>
+            </a:r>
+            <a:r>
+              <a:rPr lang="en-US" dirty="0" err="1"/>
+              <a:t>last_name</a:t>
+            </a:r>
+            <a:r>
+              <a:rPr lang="en-US" dirty="0"/>
+              <a:t> and share one or more coauthors]</a:t>
+            </a:r>
+          </a:p>
+          <a:p>
+            <a:pPr marL="514350" indent="-514350">
+              <a:buFont typeface="+mj-lt"/>
+              <a:buAutoNum type="arabicPeriod"/>
+            </a:pPr>
+            <a:r>
+              <a:rPr lang="en-US" dirty="0"/>
+              <a:t>Named attribute non match set [pairs matching on first author's </a:t>
+            </a:r>
+            <a:r>
+              <a:rPr lang="en-US" dirty="0" err="1"/>
+              <a:t>first_initial</a:t>
+            </a:r>
+            <a:r>
+              <a:rPr lang="en-US" dirty="0"/>
+              <a:t> and </a:t>
+            </a:r>
+            <a:r>
+              <a:rPr lang="en-US" dirty="0" err="1"/>
+              <a:t>last_name</a:t>
+            </a:r>
+            <a:r>
+              <a:rPr lang="en-US" dirty="0"/>
+              <a:t> but do not share coauthors]</a:t>
+            </a:r>
+          </a:p>
+          <a:p>
+            <a:endParaRPr lang="en-US" dirty="0"/>
+          </a:p>
+        </p:txBody>
+      </p:sp>
+    </p:spTree>
+    <p:extLst>
+      <p:ext uri="{BB962C8B-B14F-4D97-AF65-F5344CB8AC3E}">
+        <p14:creationId xmlns:p14="http://schemas.microsoft.com/office/powerpoint/2010/main" val="1387449286"/>
+      </p:ext>
+    </p:extLst>
+  </p:cSld>
+  <p:clrMapOvr>
+    <a:masterClrMapping/>
+  </p:clrMapOvr>
+</p:sld>
+</file>
+
+<file path=ppt/slides/slide13.xml><?xml version="1.0" encoding="utf-8"?>
+<p:sld xmlns:a="http://schemas.openxmlformats.org/drawingml/2006/main" xmlns:r="http://schemas.openxmlformats.org/officeDocument/2006/relationships" xmlns:p="http://schemas.openxmlformats.org/presentationml/2006/main">
+  <p:cSld>
+    <p:spTree>
+      <p:nvGrpSpPr>
+        <p:cNvPr id="1" name=""/>
+        <p:cNvGrpSpPr/>
+        <p:nvPr/>
+      </p:nvGrpSpPr>
+      <p:grpSpPr>
+        <a:xfrm>
+          <a:off x="0" y="0"/>
+          <a:ext cx="0" cy="0"/>
+          <a:chOff x="0" y="0"/>
+          <a:chExt cx="0" cy="0"/>
+        </a:xfrm>
+      </p:grpSpPr>
+      <p:sp>
+        <p:nvSpPr>
+          <p:cNvPr id="2" name="Title 1">
+            <a:extLst>
+              <a:ext uri="{FF2B5EF4-FFF2-40B4-BE49-F238E27FC236}">
+                <a16:creationId xmlns:a16="http://schemas.microsoft.com/office/drawing/2014/main" id="{5983988A-A174-4274-85E4-FDFF73640F24}"/>
+              </a:ext>
+            </a:extLst>
+          </p:cNvPr>
+          <p:cNvSpPr>
+            <a:spLocks noGrp="1"/>
+          </p:cNvSpPr>
+          <p:nvPr>
+            <p:ph type="title"/>
+          </p:nvPr>
+        </p:nvSpPr>
+        <p:spPr/>
+        <p:txBody>
+          <a:bodyPr/>
+          <a:lstStyle/>
+          <a:p>
+            <a:r>
+              <a:rPr lang="en-US" dirty="0"/>
+              <a:t>Lookup r-table</a:t>
+            </a:r>
+          </a:p>
+        </p:txBody>
+      </p:sp>
+      <p:sp>
+        <p:nvSpPr>
+          <p:cNvPr id="3" name="Content Placeholder 2">
+            <a:extLst>
+              <a:ext uri="{FF2B5EF4-FFF2-40B4-BE49-F238E27FC236}">
+                <a16:creationId xmlns:a16="http://schemas.microsoft.com/office/drawing/2014/main" id="{1A9244D3-517E-4666-90A9-D3CC2F75736E}"/>
+              </a:ext>
+            </a:extLst>
+          </p:cNvPr>
+          <p:cNvSpPr>
+            <a:spLocks noGrp="1"/>
+          </p:cNvSpPr>
+          <p:nvPr>
+            <p:ph idx="1"/>
+          </p:nvPr>
+        </p:nvSpPr>
+        <p:spPr/>
+        <p:txBody>
+          <a:bodyPr/>
+          <a:lstStyle/>
+          <a:p>
+            <a:endParaRPr lang="en-US" dirty="0"/>
+          </a:p>
+          <a:p>
+            <a:endParaRPr lang="en-US" dirty="0"/>
+          </a:p>
+          <a:p>
+            <a:pPr marL="0" indent="0">
+              <a:buNone/>
+            </a:pPr>
+            <a:endParaRPr lang="en-US" dirty="0"/>
+          </a:p>
+          <a:p>
+            <a:endParaRPr lang="en-US" dirty="0"/>
+          </a:p>
+          <a:p>
+            <a:r>
+              <a:rPr lang="en-US" dirty="0"/>
+              <a:t>For all possible values of x, r(x) is pre-computed. </a:t>
+            </a:r>
+          </a:p>
+          <a:p>
+            <a:r>
+              <a:rPr lang="en-US" dirty="0"/>
+              <a:t>P(</a:t>
+            </a:r>
+            <a:r>
+              <a:rPr lang="en-US" dirty="0" err="1"/>
+              <a:t>M|x</a:t>
+            </a:r>
+            <a:r>
+              <a:rPr lang="en-US" dirty="0"/>
+              <a:t>) is easily calculated by looking up for the </a:t>
+            </a:r>
+            <a:r>
+              <a:rPr lang="en-US" dirty="0" err="1"/>
+              <a:t>r-value</a:t>
+            </a:r>
+            <a:r>
+              <a:rPr lang="en-US" dirty="0"/>
+              <a:t> given x from the table. If r(x) does not appear in the table, it is either interpolated or extrapolated depending on certain conditions.</a:t>
+            </a:r>
+          </a:p>
+          <a:p>
+            <a:endParaRPr lang="en-US" dirty="0"/>
+          </a:p>
+          <a:p>
+            <a:pPr marL="0" indent="0">
+              <a:buNone/>
+            </a:pPr>
+            <a:endParaRPr lang="en-US" dirty="0"/>
+          </a:p>
+        </p:txBody>
+      </p:sp>
+      <p:pic>
+        <p:nvPicPr>
+          <p:cNvPr id="6" name="Picture 5">
+            <a:extLst>
+              <a:ext uri="{FF2B5EF4-FFF2-40B4-BE49-F238E27FC236}">
+                <a16:creationId xmlns:a16="http://schemas.microsoft.com/office/drawing/2014/main" id="{A54F82F3-A4CF-461A-8A3F-BA2D79B0FF5A}"/>
+              </a:ext>
+            </a:extLst>
+          </p:cNvPr>
+          <p:cNvPicPr>
+            <a:picLocks noChangeAspect="1"/>
+          </p:cNvPicPr>
+          <p:nvPr/>
+        </p:nvPicPr>
+        <p:blipFill>
+          <a:blip r:embed="rId2"/>
+          <a:stretch>
+            <a:fillRect/>
+          </a:stretch>
+        </p:blipFill>
+        <p:spPr>
+          <a:xfrm>
+            <a:off x="1097280" y="1949374"/>
+            <a:ext cx="3537132" cy="1479626"/>
+          </a:xfrm>
+          <a:prstGeom prst="rect">
+            <a:avLst/>
+          </a:prstGeom>
+        </p:spPr>
+      </p:pic>
+    </p:spTree>
+    <p:extLst>
+      <p:ext uri="{BB962C8B-B14F-4D97-AF65-F5344CB8AC3E}">
+        <p14:creationId xmlns:p14="http://schemas.microsoft.com/office/powerpoint/2010/main" val="1453015948"/>
+      </p:ext>
+    </p:extLst>
+  </p:cSld>
+  <p:clrMapOvr>
+    <a:masterClrMapping/>
+  </p:clrMapOvr>
+</p:sld>
+</file>
+
+<file path=ppt/slides/slide14.xml><?xml version="1.0" encoding="utf-8"?>
+<p:sld xmlns:a="http://schemas.openxmlformats.org/drawingml/2006/main" xmlns:r="http://schemas.openxmlformats.org/officeDocument/2006/relationships" xmlns:p="http://schemas.openxmlformats.org/presentationml/2006/main">
+  <p:cSld>
+    <p:spTree>
+      <p:nvGrpSpPr>
+        <p:cNvPr id="1" name=""/>
+        <p:cNvGrpSpPr/>
+        <p:nvPr/>
+      </p:nvGrpSpPr>
+      <p:grpSpPr>
+        <a:xfrm>
+          <a:off x="0" y="0"/>
+          <a:ext cx="0" cy="0"/>
+          <a:chOff x="0" y="0"/>
+          <a:chExt cx="0" cy="0"/>
+        </a:xfrm>
+      </p:grpSpPr>
+      <p:sp>
+        <p:nvSpPr>
+          <p:cNvPr id="2" name="Title 1">
+            <a:extLst>
+              <a:ext uri="{FF2B5EF4-FFF2-40B4-BE49-F238E27FC236}">
+                <a16:creationId xmlns:a16="http://schemas.microsoft.com/office/drawing/2014/main" id="{497E670B-3D34-497A-85A7-0D12B8CF6AD6}"/>
+              </a:ext>
+            </a:extLst>
+          </p:cNvPr>
+          <p:cNvSpPr>
+            <a:spLocks noGrp="1"/>
+          </p:cNvSpPr>
+          <p:nvPr>
+            <p:ph type="title"/>
+          </p:nvPr>
+        </p:nvSpPr>
+        <p:spPr/>
+        <p:txBody>
+          <a:bodyPr/>
+          <a:lstStyle/>
+          <a:p>
+            <a:r>
+              <a:rPr lang="en-US" dirty="0"/>
+              <a:t>Basic procedure</a:t>
+            </a:r>
+          </a:p>
+        </p:txBody>
+      </p:sp>
+      <p:sp>
+        <p:nvSpPr>
+          <p:cNvPr id="3" name="Content Placeholder 2">
+            <a:extLst>
+              <a:ext uri="{FF2B5EF4-FFF2-40B4-BE49-F238E27FC236}">
+                <a16:creationId xmlns:a16="http://schemas.microsoft.com/office/drawing/2014/main" id="{E4E42E50-38D4-4078-84EA-D3F076875D79}"/>
+              </a:ext>
+            </a:extLst>
+          </p:cNvPr>
+          <p:cNvSpPr>
+            <a:spLocks noGrp="1"/>
+          </p:cNvSpPr>
+          <p:nvPr>
+            <p:ph idx="1"/>
+          </p:nvPr>
+        </p:nvSpPr>
+        <p:spPr/>
+        <p:txBody>
+          <a:bodyPr/>
+          <a:lstStyle/>
+          <a:p>
+            <a:pPr marL="457200" indent="-457200">
+              <a:buFont typeface="+mj-lt"/>
+              <a:buAutoNum type="arabicPeriod"/>
+            </a:pPr>
+            <a:r>
+              <a:rPr lang="en-US" dirty="0"/>
+              <a:t>Extract features.</a:t>
+            </a:r>
+          </a:p>
+          <a:p>
+            <a:pPr marL="457200" indent="-457200">
+              <a:buFont typeface="+mj-lt"/>
+              <a:buAutoNum type="arabicPeriod"/>
+            </a:pPr>
+            <a:r>
+              <a:rPr lang="en-US" dirty="0"/>
+              <a:t>Generate training datasets.</a:t>
+            </a:r>
+          </a:p>
+          <a:p>
+            <a:pPr marL="457200" indent="-457200">
+              <a:buFont typeface="+mj-lt"/>
+              <a:buAutoNum type="arabicPeriod"/>
+            </a:pPr>
+            <a:r>
+              <a:rPr lang="en-US" dirty="0"/>
+              <a:t>Compute the lookup r-table.</a:t>
+            </a:r>
+          </a:p>
+          <a:p>
+            <a:pPr marL="457200" indent="-457200">
+              <a:buFont typeface="+mj-lt"/>
+              <a:buAutoNum type="arabicPeriod"/>
+            </a:pPr>
+            <a:r>
+              <a:rPr lang="en-US" dirty="0"/>
+              <a:t>Calculate the probabilities.</a:t>
+            </a:r>
+          </a:p>
+          <a:p>
+            <a:pPr marL="457200" indent="-457200">
+              <a:buFont typeface="+mj-lt"/>
+              <a:buAutoNum type="arabicPeriod"/>
+            </a:pPr>
+            <a:r>
+              <a:rPr lang="en-US" dirty="0"/>
+              <a:t>Clustering.</a:t>
+            </a:r>
+          </a:p>
+        </p:txBody>
+      </p:sp>
+    </p:spTree>
+    <p:extLst>
+      <p:ext uri="{BB962C8B-B14F-4D97-AF65-F5344CB8AC3E}">
+        <p14:creationId xmlns:p14="http://schemas.microsoft.com/office/powerpoint/2010/main" val="894472565"/>
+      </p:ext>
+    </p:extLst>
+  </p:cSld>
+  <p:clrMapOvr>
+    <a:masterClrMapping/>
+  </p:clrMapOvr>
+</p:sld>
+</file>
+
+<file path=ppt/slides/slide15.xml><?xml version="1.0" encoding="utf-8"?>
+<p:sld xmlns:a="http://schemas.openxmlformats.org/drawingml/2006/main" xmlns:r="http://schemas.openxmlformats.org/officeDocument/2006/relationships" xmlns:p="http://schemas.openxmlformats.org/presentationml/2006/main">
+  <p:cSld>
+    <p:spTree>
+      <p:nvGrpSpPr>
+        <p:cNvPr id="1" name=""/>
+        <p:cNvGrpSpPr/>
+        <p:nvPr/>
+      </p:nvGrpSpPr>
+      <p:grpSpPr>
+        <a:xfrm>
+          <a:off x="0" y="0"/>
+          <a:ext cx="0" cy="0"/>
+          <a:chOff x="0" y="0"/>
+          <a:chExt cx="0" cy="0"/>
+        </a:xfrm>
+      </p:grpSpPr>
+      <p:sp>
+        <p:nvSpPr>
+          <p:cNvPr id="2" name="Title 1">
+            <a:extLst>
+              <a:ext uri="{FF2B5EF4-FFF2-40B4-BE49-F238E27FC236}">
+                <a16:creationId xmlns:a16="http://schemas.microsoft.com/office/drawing/2014/main" id="{D1854292-FCF1-4928-9D2B-46BCD35D30E5}"/>
+              </a:ext>
+            </a:extLst>
+          </p:cNvPr>
+          <p:cNvSpPr>
+            <a:spLocks noGrp="1"/>
+          </p:cNvSpPr>
+          <p:nvPr>
+            <p:ph type="title"/>
+          </p:nvPr>
+        </p:nvSpPr>
+        <p:spPr/>
+        <p:txBody>
+          <a:bodyPr/>
+          <a:lstStyle/>
+          <a:p>
+            <a:r>
+              <a:rPr lang="en-US" dirty="0"/>
+              <a:t>Computing the look up r-table</a:t>
+            </a:r>
+          </a:p>
+        </p:txBody>
+      </p:sp>
+      <p:sp>
+        <p:nvSpPr>
+          <p:cNvPr id="3" name="Content Placeholder 2">
+            <a:extLst>
+              <a:ext uri="{FF2B5EF4-FFF2-40B4-BE49-F238E27FC236}">
+                <a16:creationId xmlns:a16="http://schemas.microsoft.com/office/drawing/2014/main" id="{8AEA5552-E668-4FB5-90AC-EF97E8301F57}"/>
+              </a:ext>
+            </a:extLst>
+          </p:cNvPr>
+          <p:cNvSpPr>
+            <a:spLocks noGrp="1"/>
+          </p:cNvSpPr>
+          <p:nvPr>
+            <p:ph idx="1"/>
+          </p:nvPr>
+        </p:nvSpPr>
+        <p:spPr/>
+        <p:txBody>
+          <a:bodyPr>
+            <a:normAutofit/>
+          </a:bodyPr>
+          <a:lstStyle/>
+          <a:p>
+            <a:pPr marL="514350" indent="-514350">
+              <a:buFont typeface="+mj-lt"/>
+              <a:buAutoNum type="arabicPeriod"/>
+            </a:pPr>
+            <a:r>
+              <a:rPr lang="en-US" dirty="0"/>
+              <a:t>Given xml files that contain the metadata of the articles. So, parse the xml files of articles to extract metadata information and store them to a database.</a:t>
+            </a:r>
+          </a:p>
+          <a:p>
+            <a:pPr marL="514350" indent="-514350">
+              <a:buFont typeface="+mj-lt"/>
+              <a:buAutoNum type="arabicPeriod"/>
+            </a:pPr>
+            <a:r>
+              <a:rPr lang="en-US" dirty="0"/>
+              <a:t>Generate the reference sets i.e., match and non-match sets.</a:t>
+            </a:r>
+          </a:p>
+        </p:txBody>
+      </p:sp>
+    </p:spTree>
+    <p:extLst>
+      <p:ext uri="{BB962C8B-B14F-4D97-AF65-F5344CB8AC3E}">
+        <p14:creationId xmlns:p14="http://schemas.microsoft.com/office/powerpoint/2010/main" val="3714041640"/>
+      </p:ext>
+    </p:extLst>
+  </p:cSld>
+  <p:clrMapOvr>
+    <a:masterClrMapping/>
+  </p:clrMapOvr>
+</p:sld>
+</file>
+
+<file path=ppt/slides/slide16.xml><?xml version="1.0" encoding="utf-8"?>
+<p:sld xmlns:a="http://schemas.openxmlformats.org/drawingml/2006/main" xmlns:r="http://schemas.openxmlformats.org/officeDocument/2006/relationships" xmlns:p="http://schemas.openxmlformats.org/presentationml/2006/main">
+  <p:cSld>
+    <p:spTree>
+      <p:nvGrpSpPr>
+        <p:cNvPr id="1" name=""/>
+        <p:cNvGrpSpPr/>
+        <p:nvPr/>
+      </p:nvGrpSpPr>
+      <p:grpSpPr>
+        <a:xfrm>
+          <a:off x="0" y="0"/>
+          <a:ext cx="0" cy="0"/>
+          <a:chOff x="0" y="0"/>
+          <a:chExt cx="0" cy="0"/>
+        </a:xfrm>
+      </p:grpSpPr>
+      <p:sp>
+        <p:nvSpPr>
+          <p:cNvPr id="3" name="Content Placeholder 2">
+            <a:extLst>
+              <a:ext uri="{FF2B5EF4-FFF2-40B4-BE49-F238E27FC236}">
+                <a16:creationId xmlns:a16="http://schemas.microsoft.com/office/drawing/2014/main" id="{54E41C73-50A1-4C64-8A13-5857AD963133}"/>
+              </a:ext>
+            </a:extLst>
+          </p:cNvPr>
+          <p:cNvSpPr>
+            <a:spLocks noGrp="1"/>
+          </p:cNvSpPr>
+          <p:nvPr>
+            <p:ph idx="1"/>
+          </p:nvPr>
+        </p:nvSpPr>
+        <p:spPr>
+          <a:xfrm>
+            <a:off x="838200" y="1860261"/>
+            <a:ext cx="10515600" cy="4351338"/>
+          </a:xfrm>
+        </p:spPr>
+        <p:txBody>
+          <a:bodyPr/>
+          <a:lstStyle/>
+          <a:p>
+            <a:pPr marL="514350" indent="-514350">
+              <a:buFont typeface="+mj-lt"/>
+              <a:buAutoNum type="arabicPeriod" startAt="3"/>
+            </a:pPr>
+            <a:r>
+              <a:rPr lang="en-US" dirty="0"/>
+              <a:t>Compute x (similarity profile) on all pairs of all sets.</a:t>
+            </a:r>
+          </a:p>
+          <a:p>
+            <a:pPr marL="514350" indent="-514350">
+              <a:buFont typeface="+mj-lt"/>
+              <a:buAutoNum type="arabicPeriod" startAt="3"/>
+            </a:pPr>
+            <a:r>
+              <a:rPr lang="en-US" dirty="0"/>
+              <a:t>&lt;x1&gt; and &lt;x2&gt; are computed independently on name sets. &lt;x3, x4, x5, x7&gt; let say &lt;</a:t>
+            </a:r>
+            <a:r>
+              <a:rPr lang="en-US" dirty="0" err="1"/>
+              <a:t>xa</a:t>
+            </a:r>
+            <a:r>
+              <a:rPr lang="en-US" dirty="0"/>
+              <a:t>&gt; are computed on article sets.</a:t>
+            </a:r>
+          </a:p>
+          <a:p>
+            <a:pPr marL="514350" indent="-514350">
+              <a:buFont typeface="+mj-lt"/>
+              <a:buAutoNum type="arabicPeriod" startAt="3"/>
+            </a:pPr>
+            <a:r>
+              <a:rPr lang="en-US" dirty="0"/>
+              <a:t>The relative frequency r(x) = r(x1, x2, x3, x4, x5, x7). Since &lt;x1&gt;, &lt;x2&gt; and &lt;</a:t>
+            </a:r>
+            <a:r>
+              <a:rPr lang="en-US" dirty="0" err="1"/>
+              <a:t>xa</a:t>
+            </a:r>
+            <a:r>
+              <a:rPr lang="en-US" dirty="0"/>
+              <a:t>&gt; are computed independently, r(x) = r(x1)*r(x2)*r(</a:t>
+            </a:r>
+            <a:r>
+              <a:rPr lang="en-US" dirty="0" err="1"/>
+              <a:t>xa</a:t>
+            </a:r>
+            <a:r>
+              <a:rPr lang="en-US" dirty="0"/>
+              <a:t>)</a:t>
+            </a:r>
+          </a:p>
+          <a:p>
+            <a:pPr marL="514350" indent="-514350">
+              <a:buFont typeface="+mj-lt"/>
+              <a:buAutoNum type="arabicPeriod" startAt="3"/>
+            </a:pPr>
+            <a:r>
+              <a:rPr lang="en-US" dirty="0"/>
+              <a:t>r(</a:t>
+            </a:r>
+            <a:r>
+              <a:rPr lang="en-US" dirty="0" err="1"/>
+              <a:t>xa</a:t>
+            </a:r>
+            <a:r>
+              <a:rPr lang="en-US" dirty="0"/>
+              <a:t>) is smoothened to improve accuracies and to ensure monotonicity. </a:t>
+            </a:r>
+          </a:p>
+          <a:p>
+            <a:pPr marL="0" indent="0">
+              <a:buNone/>
+            </a:pPr>
+            <a:r>
+              <a:rPr lang="en-US" dirty="0"/>
+              <a:t>       </a:t>
+            </a:r>
+          </a:p>
+        </p:txBody>
+      </p:sp>
+    </p:spTree>
+    <p:extLst>
+      <p:ext uri="{BB962C8B-B14F-4D97-AF65-F5344CB8AC3E}">
+        <p14:creationId xmlns:p14="http://schemas.microsoft.com/office/powerpoint/2010/main" val="100124348"/>
+      </p:ext>
+    </p:extLst>
+  </p:cSld>
+  <p:clrMapOvr>
+    <a:masterClrMapping/>
+  </p:clrMapOvr>
+</p:sld>
+</file>
+
+<file path=ppt/slides/slide17.xml><?xml version="1.0" encoding="utf-8"?>
+<p:sld xmlns:a="http://schemas.openxmlformats.org/drawingml/2006/main" xmlns:r="http://schemas.openxmlformats.org/officeDocument/2006/relationships" xmlns:p="http://schemas.openxmlformats.org/presentationml/2006/main">
+  <p:cSld>
+    <p:spTree>
+      <p:nvGrpSpPr>
+        <p:cNvPr id="1" name=""/>
+        <p:cNvGrpSpPr/>
+        <p:nvPr/>
+      </p:nvGrpSpPr>
+      <p:grpSpPr>
+        <a:xfrm>
+          <a:off x="0" y="0"/>
+          <a:ext cx="0" cy="0"/>
+          <a:chOff x="0" y="0"/>
+          <a:chExt cx="0" cy="0"/>
+        </a:xfrm>
+      </p:grpSpPr>
+      <p:sp>
+        <p:nvSpPr>
+          <p:cNvPr id="2" name="Title 1">
+            <a:extLst>
+              <a:ext uri="{FF2B5EF4-FFF2-40B4-BE49-F238E27FC236}">
+                <a16:creationId xmlns:a16="http://schemas.microsoft.com/office/drawing/2014/main" id="{05FA2E65-170D-4F23-B715-08ADC4D4DD03}"/>
+              </a:ext>
+            </a:extLst>
+          </p:cNvPr>
+          <p:cNvSpPr>
+            <a:spLocks noGrp="1"/>
+          </p:cNvSpPr>
+          <p:nvPr>
+            <p:ph type="title"/>
+          </p:nvPr>
+        </p:nvSpPr>
+        <p:spPr/>
+        <p:txBody>
+          <a:bodyPr/>
+          <a:lstStyle/>
+          <a:p>
+            <a:r>
+              <a:rPr lang="en-US" dirty="0"/>
+              <a:t>Implementation</a:t>
+            </a:r>
+          </a:p>
+        </p:txBody>
+      </p:sp>
+      <p:sp>
+        <p:nvSpPr>
+          <p:cNvPr id="3" name="Content Placeholder 2">
+            <a:extLst>
+              <a:ext uri="{FF2B5EF4-FFF2-40B4-BE49-F238E27FC236}">
+                <a16:creationId xmlns:a16="http://schemas.microsoft.com/office/drawing/2014/main" id="{CD469BD2-8A6D-46CF-84CE-2D80E95C3569}"/>
+              </a:ext>
+            </a:extLst>
+          </p:cNvPr>
+          <p:cNvSpPr>
+            <a:spLocks noGrp="1"/>
+          </p:cNvSpPr>
+          <p:nvPr>
+            <p:ph idx="1"/>
+          </p:nvPr>
+        </p:nvSpPr>
+        <p:spPr/>
+        <p:txBody>
+          <a:bodyPr/>
+          <a:lstStyle/>
+          <a:p>
+            <a:r>
+              <a:rPr lang="en-US" dirty="0"/>
+              <a:t>Design</a:t>
+            </a:r>
+          </a:p>
+          <a:p>
+            <a:r>
+              <a:rPr lang="en-US" dirty="0"/>
+              <a:t>Code flow</a:t>
+            </a:r>
+          </a:p>
+        </p:txBody>
+      </p:sp>
+    </p:spTree>
+    <p:extLst>
+      <p:ext uri="{BB962C8B-B14F-4D97-AF65-F5344CB8AC3E}">
+        <p14:creationId xmlns:p14="http://schemas.microsoft.com/office/powerpoint/2010/main" val="3243493965"/>
+      </p:ext>
+    </p:extLst>
+  </p:cSld>
+  <p:clrMapOvr>
+    <a:masterClrMapping/>
+  </p:clrMapOvr>
+</p:sld>
+</file>
+
+<file path=ppt/slides/slide18.xml><?xml version="1.0" encoding="utf-8"?>
+<p:sld xmlns:a="http://schemas.openxmlformats.org/drawingml/2006/main" xmlns:r="http://schemas.openxmlformats.org/officeDocument/2006/relationships" xmlns:p="http://schemas.openxmlformats.org/presentationml/2006/main">
+  <p:cSld>
+    <p:spTree>
+      <p:nvGrpSpPr>
+        <p:cNvPr id="1" name=""/>
+        <p:cNvGrpSpPr/>
+        <p:nvPr/>
+      </p:nvGrpSpPr>
+      <p:grpSpPr>
+        <a:xfrm>
+          <a:off x="0" y="0"/>
+          <a:ext cx="0" cy="0"/>
+          <a:chOff x="0" y="0"/>
+          <a:chExt cx="0" cy="0"/>
+        </a:xfrm>
+      </p:grpSpPr>
+      <p:sp>
+        <p:nvSpPr>
+          <p:cNvPr id="2" name="Title 1">
+            <a:extLst>
+              <a:ext uri="{FF2B5EF4-FFF2-40B4-BE49-F238E27FC236}">
+                <a16:creationId xmlns:a16="http://schemas.microsoft.com/office/drawing/2014/main" id="{626B6371-9176-4F0D-B558-5DFD2DD55EE7}"/>
+              </a:ext>
+            </a:extLst>
+          </p:cNvPr>
+          <p:cNvSpPr>
+            <a:spLocks noGrp="1"/>
+          </p:cNvSpPr>
+          <p:nvPr>
+            <p:ph type="title"/>
+          </p:nvPr>
+        </p:nvSpPr>
+        <p:spPr/>
+        <p:txBody>
+          <a:bodyPr/>
+          <a:lstStyle/>
+          <a:p>
+            <a:r>
+              <a:rPr lang="en-US" dirty="0"/>
+              <a:t>Design</a:t>
+            </a:r>
+          </a:p>
+        </p:txBody>
+      </p:sp>
+      <p:sp>
+        <p:nvSpPr>
+          <p:cNvPr id="3" name="Content Placeholder 2">
+            <a:extLst>
+              <a:ext uri="{FF2B5EF4-FFF2-40B4-BE49-F238E27FC236}">
+                <a16:creationId xmlns:a16="http://schemas.microsoft.com/office/drawing/2014/main" id="{AB5C3533-1D7E-4FC0-9C0B-6CB05CF391F8}"/>
+              </a:ext>
+            </a:extLst>
+          </p:cNvPr>
+          <p:cNvSpPr>
+            <a:spLocks noGrp="1"/>
+          </p:cNvSpPr>
+          <p:nvPr>
+            <p:ph idx="1"/>
+          </p:nvPr>
+        </p:nvSpPr>
+        <p:spPr/>
+        <p:txBody>
+          <a:bodyPr/>
+          <a:lstStyle/>
+          <a:p>
+            <a:endParaRPr lang="en-US" dirty="0"/>
+          </a:p>
+        </p:txBody>
+      </p:sp>
+      <p:sp>
+        <p:nvSpPr>
+          <p:cNvPr id="4" name="Rectangle 3">
+            <a:extLst>
+              <a:ext uri="{FF2B5EF4-FFF2-40B4-BE49-F238E27FC236}">
+                <a16:creationId xmlns:a16="http://schemas.microsoft.com/office/drawing/2014/main" id="{BAA13D2D-FB47-4ADE-8E14-A50E4CC1CE2B}"/>
+              </a:ext>
+            </a:extLst>
+          </p:cNvPr>
+          <p:cNvSpPr/>
+          <p:nvPr/>
+        </p:nvSpPr>
+        <p:spPr>
+          <a:xfrm>
+            <a:off x="1394980" y="2285999"/>
+            <a:ext cx="1158585" cy="831273"/>
+          </a:xfrm>
+          <a:prstGeom prst="rect">
+            <a:avLst/>
+          </a:prstGeom>
+        </p:spPr>
+        <p:style>
+          <a:lnRef idx="1">
+            <a:schemeClr val="accent1"/>
+          </a:lnRef>
+          <a:fillRef idx="3">
+            <a:schemeClr val="accent1"/>
+          </a:fillRef>
+          <a:effectRef idx="2">
+            <a:schemeClr val="accent1"/>
+          </a:effectRef>
+          <a:fontRef idx="minor">
+            <a:schemeClr val="lt1"/>
+          </a:fontRef>
+        </p:style>
+        <p:txBody>
+          <a:bodyPr rtlCol="0" anchor="ctr"/>
+          <a:lstStyle/>
+          <a:p>
+            <a:pPr algn="ctr"/>
+            <a:r>
+              <a:rPr lang="en-US" dirty="0"/>
+              <a:t>JSTOR database </a:t>
+            </a:r>
+          </a:p>
+        </p:txBody>
+      </p:sp>
+      <p:sp>
+        <p:nvSpPr>
+          <p:cNvPr id="8" name="Rectangle 7">
+            <a:extLst>
+              <a:ext uri="{FF2B5EF4-FFF2-40B4-BE49-F238E27FC236}">
+                <a16:creationId xmlns:a16="http://schemas.microsoft.com/office/drawing/2014/main" id="{5822652C-70E6-4608-996F-A1918520EE2C}"/>
+              </a:ext>
+            </a:extLst>
+          </p:cNvPr>
+          <p:cNvSpPr/>
+          <p:nvPr/>
+        </p:nvSpPr>
+        <p:spPr>
+          <a:xfrm>
+            <a:off x="3011845" y="2285998"/>
+            <a:ext cx="1167245" cy="831273"/>
+          </a:xfrm>
+          <a:prstGeom prst="rect">
+            <a:avLst/>
+          </a:prstGeom>
+        </p:spPr>
+        <p:style>
+          <a:lnRef idx="1">
+            <a:schemeClr val="accent1"/>
+          </a:lnRef>
+          <a:fillRef idx="3">
+            <a:schemeClr val="accent1"/>
+          </a:fillRef>
+          <a:effectRef idx="2">
+            <a:schemeClr val="accent1"/>
+          </a:effectRef>
+          <a:fontRef idx="minor">
+            <a:schemeClr val="lt1"/>
+          </a:fontRef>
+        </p:style>
+        <p:txBody>
+          <a:bodyPr rtlCol="0" anchor="ctr"/>
+          <a:lstStyle/>
+          <a:p>
+            <a:pPr algn="ctr"/>
+            <a:r>
+              <a:rPr lang="en-US" dirty="0"/>
+              <a:t>MySQL DB</a:t>
+            </a:r>
+          </a:p>
+        </p:txBody>
+      </p:sp>
+      <p:sp>
+        <p:nvSpPr>
+          <p:cNvPr id="10" name="Rectangle 9">
+            <a:extLst>
+              <a:ext uri="{FF2B5EF4-FFF2-40B4-BE49-F238E27FC236}">
+                <a16:creationId xmlns:a16="http://schemas.microsoft.com/office/drawing/2014/main" id="{72828EE3-162D-4641-BB2E-E1F8B4E62A57}"/>
+              </a:ext>
+            </a:extLst>
+          </p:cNvPr>
+          <p:cNvSpPr/>
+          <p:nvPr/>
+        </p:nvSpPr>
+        <p:spPr>
+          <a:xfrm>
+            <a:off x="4637371" y="2285998"/>
+            <a:ext cx="1167245" cy="831273"/>
+          </a:xfrm>
+          <a:prstGeom prst="rect">
+            <a:avLst/>
+          </a:prstGeom>
+        </p:spPr>
+        <p:style>
+          <a:lnRef idx="1">
+            <a:schemeClr val="accent1"/>
+          </a:lnRef>
+          <a:fillRef idx="3">
+            <a:schemeClr val="accent1"/>
+          </a:fillRef>
+          <a:effectRef idx="2">
+            <a:schemeClr val="accent1"/>
+          </a:effectRef>
+          <a:fontRef idx="minor">
+            <a:schemeClr val="lt1"/>
+          </a:fontRef>
+        </p:style>
+        <p:txBody>
+          <a:bodyPr rtlCol="0" anchor="ctr"/>
+          <a:lstStyle/>
+          <a:p>
+            <a:pPr algn="ctr"/>
+            <a:r>
+              <a:rPr lang="en-US" dirty="0"/>
+              <a:t>Training Sets</a:t>
+            </a:r>
+          </a:p>
+        </p:txBody>
+      </p:sp>
+      <p:sp>
+        <p:nvSpPr>
+          <p:cNvPr id="14" name="Rectangle 13">
+            <a:extLst>
+              <a:ext uri="{FF2B5EF4-FFF2-40B4-BE49-F238E27FC236}">
+                <a16:creationId xmlns:a16="http://schemas.microsoft.com/office/drawing/2014/main" id="{276C9703-B6DC-4407-89BD-AC6A3BED3A22}"/>
+              </a:ext>
+            </a:extLst>
+          </p:cNvPr>
+          <p:cNvSpPr/>
+          <p:nvPr/>
+        </p:nvSpPr>
+        <p:spPr>
+          <a:xfrm>
+            <a:off x="6252074" y="2285998"/>
+            <a:ext cx="1454730" cy="831273"/>
+          </a:xfrm>
+          <a:prstGeom prst="rect">
+            <a:avLst/>
+          </a:prstGeom>
+        </p:spPr>
+        <p:style>
+          <a:lnRef idx="1">
+            <a:schemeClr val="accent1"/>
+          </a:lnRef>
+          <a:fillRef idx="3">
+            <a:schemeClr val="accent1"/>
+          </a:fillRef>
+          <a:effectRef idx="2">
+            <a:schemeClr val="accent1"/>
+          </a:effectRef>
+          <a:fontRef idx="minor">
+            <a:schemeClr val="lt1"/>
+          </a:fontRef>
+        </p:style>
+        <p:txBody>
+          <a:bodyPr rtlCol="0" anchor="ctr"/>
+          <a:lstStyle/>
+          <a:p>
+            <a:pPr algn="ctr"/>
+            <a:r>
+              <a:rPr lang="en-US" dirty="0"/>
+              <a:t>Similarity profiles x in json files</a:t>
+            </a:r>
+          </a:p>
+        </p:txBody>
+      </p:sp>
+      <p:sp>
+        <p:nvSpPr>
+          <p:cNvPr id="16" name="Rectangle 15">
+            <a:extLst>
+              <a:ext uri="{FF2B5EF4-FFF2-40B4-BE49-F238E27FC236}">
+                <a16:creationId xmlns:a16="http://schemas.microsoft.com/office/drawing/2014/main" id="{C428EDC9-58D7-4230-AD31-CE69ABDBA4A2}"/>
+              </a:ext>
+            </a:extLst>
+          </p:cNvPr>
+          <p:cNvSpPr/>
+          <p:nvPr/>
+        </p:nvSpPr>
+        <p:spPr>
+          <a:xfrm>
+            <a:off x="8151016" y="2285998"/>
+            <a:ext cx="1198420" cy="831273"/>
+          </a:xfrm>
+          <a:prstGeom prst="rect">
+            <a:avLst/>
+          </a:prstGeom>
+        </p:spPr>
+        <p:style>
+          <a:lnRef idx="1">
+            <a:schemeClr val="accent1"/>
+          </a:lnRef>
+          <a:fillRef idx="3">
+            <a:schemeClr val="accent1"/>
+          </a:fillRef>
+          <a:effectRef idx="2">
+            <a:schemeClr val="accent1"/>
+          </a:effectRef>
+          <a:fontRef idx="minor">
+            <a:schemeClr val="lt1"/>
+          </a:fontRef>
+        </p:style>
+        <p:txBody>
+          <a:bodyPr rtlCol="0" anchor="ctr"/>
+          <a:lstStyle/>
+          <a:p>
+            <a:pPr algn="ctr"/>
+            <a:r>
+              <a:rPr lang="en-US" dirty="0"/>
+              <a:t>Lookup table in json file</a:t>
+            </a:r>
+          </a:p>
+        </p:txBody>
+      </p:sp>
+      <p:sp>
+        <p:nvSpPr>
+          <p:cNvPr id="18" name="Rectangle 17">
+            <a:extLst>
+              <a:ext uri="{FF2B5EF4-FFF2-40B4-BE49-F238E27FC236}">
+                <a16:creationId xmlns:a16="http://schemas.microsoft.com/office/drawing/2014/main" id="{EAC56A1C-981F-4EB3-879E-17B1ADF26F4F}"/>
+              </a:ext>
+            </a:extLst>
+          </p:cNvPr>
+          <p:cNvSpPr/>
+          <p:nvPr/>
+        </p:nvSpPr>
+        <p:spPr>
+          <a:xfrm>
+            <a:off x="9778278" y="2285997"/>
+            <a:ext cx="1198419" cy="831273"/>
+          </a:xfrm>
+          <a:prstGeom prst="rect">
+            <a:avLst/>
+          </a:prstGeom>
+        </p:spPr>
+        <p:style>
+          <a:lnRef idx="1">
+            <a:schemeClr val="accent1"/>
+          </a:lnRef>
+          <a:fillRef idx="3">
+            <a:schemeClr val="accent1"/>
+          </a:fillRef>
+          <a:effectRef idx="2">
+            <a:schemeClr val="accent1"/>
+          </a:effectRef>
+          <a:fontRef idx="minor">
+            <a:schemeClr val="lt1"/>
+          </a:fontRef>
+        </p:style>
+        <p:txBody>
+          <a:bodyPr rtlCol="0" anchor="ctr"/>
+          <a:lstStyle/>
+          <a:p>
+            <a:pPr algn="ctr"/>
+            <a:r>
+              <a:rPr lang="en-US" dirty="0"/>
+              <a:t>Smoothing table in </a:t>
+            </a:r>
+            <a:r>
+              <a:rPr lang="en-US" dirty="0" err="1"/>
+              <a:t>matlab</a:t>
+            </a:r>
+            <a:endParaRPr lang="en-US" dirty="0"/>
+          </a:p>
+        </p:txBody>
+      </p:sp>
+      <p:sp>
+        <p:nvSpPr>
+          <p:cNvPr id="21" name="Arrow: Right 20">
+            <a:extLst>
+              <a:ext uri="{FF2B5EF4-FFF2-40B4-BE49-F238E27FC236}">
+                <a16:creationId xmlns:a16="http://schemas.microsoft.com/office/drawing/2014/main" id="{99DC8596-E991-4C57-ACB6-387492979A1D}"/>
+              </a:ext>
+            </a:extLst>
+          </p:cNvPr>
+          <p:cNvSpPr/>
+          <p:nvPr/>
+        </p:nvSpPr>
+        <p:spPr>
+          <a:xfrm flipV="1">
+            <a:off x="2507846" y="2655913"/>
+            <a:ext cx="503999" cy="121922"/>
+          </a:xfrm>
+          <a:prstGeom prst="rightArrow">
+            <a:avLst/>
+          </a:prstGeom>
+        </p:spPr>
+        <p:style>
+          <a:lnRef idx="2">
+            <a:schemeClr val="accent1">
+              <a:shade val="50000"/>
+            </a:schemeClr>
+          </a:lnRef>
+          <a:fillRef idx="1">
+            <a:schemeClr val="accent1"/>
+          </a:fillRef>
+          <a:effectRef idx="0">
+            <a:schemeClr val="accent1"/>
+          </a:effectRef>
+          <a:fontRef idx="minor">
+            <a:schemeClr val="lt1"/>
+          </a:fontRef>
+        </p:style>
+        <p:txBody>
+          <a:bodyPr rtlCol="0" anchor="ctr"/>
+          <a:lstStyle/>
+          <a:p>
+            <a:pPr algn="ctr"/>
+            <a:endParaRPr lang="en-US"/>
+          </a:p>
+        </p:txBody>
+      </p:sp>
+      <p:sp>
+        <p:nvSpPr>
+          <p:cNvPr id="25" name="Arrow: Right 24">
+            <a:extLst>
+              <a:ext uri="{FF2B5EF4-FFF2-40B4-BE49-F238E27FC236}">
+                <a16:creationId xmlns:a16="http://schemas.microsoft.com/office/drawing/2014/main" id="{F8CE1DE6-1B8A-4BA2-9EAB-B6FEC1659767}"/>
+              </a:ext>
+            </a:extLst>
+          </p:cNvPr>
+          <p:cNvSpPr/>
+          <p:nvPr/>
+        </p:nvSpPr>
+        <p:spPr>
+          <a:xfrm flipV="1">
+            <a:off x="4177294" y="2640672"/>
+            <a:ext cx="503999" cy="121922"/>
+          </a:xfrm>
+          <a:prstGeom prst="rightArrow">
+            <a:avLst/>
+          </a:prstGeom>
+        </p:spPr>
+        <p:style>
+          <a:lnRef idx="2">
+            <a:schemeClr val="accent1">
+              <a:shade val="50000"/>
+            </a:schemeClr>
+          </a:lnRef>
+          <a:fillRef idx="1">
+            <a:schemeClr val="accent1"/>
+          </a:fillRef>
+          <a:effectRef idx="0">
+            <a:schemeClr val="accent1"/>
+          </a:effectRef>
+          <a:fontRef idx="minor">
+            <a:schemeClr val="lt1"/>
+          </a:fontRef>
+        </p:style>
+        <p:txBody>
+          <a:bodyPr rtlCol="0" anchor="ctr"/>
+          <a:lstStyle/>
+          <a:p>
+            <a:pPr algn="ctr"/>
+            <a:endParaRPr lang="en-US"/>
+          </a:p>
+        </p:txBody>
+      </p:sp>
+      <p:sp>
+        <p:nvSpPr>
+          <p:cNvPr id="27" name="Arrow: Right 26">
+            <a:extLst>
+              <a:ext uri="{FF2B5EF4-FFF2-40B4-BE49-F238E27FC236}">
+                <a16:creationId xmlns:a16="http://schemas.microsoft.com/office/drawing/2014/main" id="{5394F601-C75F-4A56-9AB5-C59D5DCC1936}"/>
+              </a:ext>
+            </a:extLst>
+          </p:cNvPr>
+          <p:cNvSpPr/>
+          <p:nvPr/>
+        </p:nvSpPr>
+        <p:spPr>
+          <a:xfrm flipV="1">
+            <a:off x="5792581" y="2630971"/>
+            <a:ext cx="503999" cy="121922"/>
+          </a:xfrm>
+          <a:prstGeom prst="rightArrow">
+            <a:avLst/>
+          </a:prstGeom>
+        </p:spPr>
+        <p:style>
+          <a:lnRef idx="2">
+            <a:schemeClr val="accent1">
+              <a:shade val="50000"/>
+            </a:schemeClr>
+          </a:lnRef>
+          <a:fillRef idx="1">
+            <a:schemeClr val="accent1"/>
+          </a:fillRef>
+          <a:effectRef idx="0">
+            <a:schemeClr val="accent1"/>
+          </a:effectRef>
+          <a:fontRef idx="minor">
+            <a:schemeClr val="lt1"/>
+          </a:fontRef>
+        </p:style>
+        <p:txBody>
+          <a:bodyPr rtlCol="0" anchor="ctr"/>
+          <a:lstStyle/>
+          <a:p>
+            <a:pPr algn="ctr"/>
+            <a:endParaRPr lang="en-US"/>
+          </a:p>
+        </p:txBody>
+      </p:sp>
+      <p:sp>
+        <p:nvSpPr>
+          <p:cNvPr id="29" name="Arrow: Right 28">
+            <a:extLst>
+              <a:ext uri="{FF2B5EF4-FFF2-40B4-BE49-F238E27FC236}">
+                <a16:creationId xmlns:a16="http://schemas.microsoft.com/office/drawing/2014/main" id="{568B986A-0731-45CA-B932-36DC00B2E7EA}"/>
+              </a:ext>
+            </a:extLst>
+          </p:cNvPr>
+          <p:cNvSpPr/>
+          <p:nvPr/>
+        </p:nvSpPr>
+        <p:spPr>
+          <a:xfrm flipV="1">
+            <a:off x="7722174" y="2632354"/>
+            <a:ext cx="503999" cy="121922"/>
+          </a:xfrm>
+          <a:prstGeom prst="rightArrow">
+            <a:avLst/>
+          </a:prstGeom>
+        </p:spPr>
+        <p:style>
+          <a:lnRef idx="2">
+            <a:schemeClr val="accent1">
+              <a:shade val="50000"/>
+            </a:schemeClr>
+          </a:lnRef>
+          <a:fillRef idx="1">
+            <a:schemeClr val="accent1"/>
+          </a:fillRef>
+          <a:effectRef idx="0">
+            <a:schemeClr val="accent1"/>
+          </a:effectRef>
+          <a:fontRef idx="minor">
+            <a:schemeClr val="lt1"/>
+          </a:fontRef>
+        </p:style>
+        <p:txBody>
+          <a:bodyPr rtlCol="0" anchor="ctr"/>
+          <a:lstStyle/>
+          <a:p>
+            <a:pPr algn="ctr"/>
+            <a:endParaRPr lang="en-US"/>
+          </a:p>
+        </p:txBody>
+      </p:sp>
+      <p:sp>
+        <p:nvSpPr>
+          <p:cNvPr id="31" name="Arrow: Right 30">
+            <a:extLst>
+              <a:ext uri="{FF2B5EF4-FFF2-40B4-BE49-F238E27FC236}">
+                <a16:creationId xmlns:a16="http://schemas.microsoft.com/office/drawing/2014/main" id="{A83D07CA-3100-4E83-B85F-36993F652A60}"/>
+              </a:ext>
+            </a:extLst>
+          </p:cNvPr>
+          <p:cNvSpPr/>
+          <p:nvPr/>
+        </p:nvSpPr>
+        <p:spPr>
+          <a:xfrm flipV="1">
+            <a:off x="9349436" y="2657296"/>
+            <a:ext cx="503999" cy="121922"/>
+          </a:xfrm>
+          <a:prstGeom prst="rightArrow">
+            <a:avLst/>
+          </a:prstGeom>
+        </p:spPr>
+        <p:style>
+          <a:lnRef idx="2">
+            <a:schemeClr val="accent1">
+              <a:shade val="50000"/>
+            </a:schemeClr>
+          </a:lnRef>
+          <a:fillRef idx="1">
+            <a:schemeClr val="accent1"/>
+          </a:fillRef>
+          <a:effectRef idx="0">
+            <a:schemeClr val="accent1"/>
+          </a:effectRef>
+          <a:fontRef idx="minor">
+            <a:schemeClr val="lt1"/>
+          </a:fontRef>
+        </p:style>
+        <p:txBody>
+          <a:bodyPr rtlCol="0" anchor="ctr"/>
+          <a:lstStyle/>
+          <a:p>
+            <a:pPr algn="ctr"/>
+            <a:endParaRPr lang="en-US"/>
+          </a:p>
+        </p:txBody>
+      </p:sp>
+    </p:spTree>
+    <p:extLst>
+      <p:ext uri="{BB962C8B-B14F-4D97-AF65-F5344CB8AC3E}">
+        <p14:creationId xmlns:p14="http://schemas.microsoft.com/office/powerpoint/2010/main" val="2997593557"/>
+      </p:ext>
+    </p:extLst>
+  </p:cSld>
+  <p:clrMapOvr>
+    <a:masterClrMapping/>
+  </p:clrMapOvr>
+</p:sld>
+</file>
+
+<file path=ppt/slides/slide19.xml><?xml version="1.0" encoding="utf-8"?>
+<p:sld xmlns:a="http://schemas.openxmlformats.org/drawingml/2006/main" xmlns:r="http://schemas.openxmlformats.org/officeDocument/2006/relationships" xmlns:p="http://schemas.openxmlformats.org/presentationml/2006/main">
+  <p:cSld>
+    <p:spTree>
+      <p:nvGrpSpPr>
+        <p:cNvPr id="1" name=""/>
+        <p:cNvGrpSpPr/>
+        <p:nvPr/>
+      </p:nvGrpSpPr>
+      <p:grpSpPr>
+        <a:xfrm>
+          <a:off x="0" y="0"/>
+          <a:ext cx="0" cy="0"/>
+          <a:chOff x="0" y="0"/>
+          <a:chExt cx="0" cy="0"/>
+        </a:xfrm>
+      </p:grpSpPr>
+      <p:sp>
+        <p:nvSpPr>
+          <p:cNvPr id="2" name="Title 1">
+            <a:extLst>
+              <a:ext uri="{FF2B5EF4-FFF2-40B4-BE49-F238E27FC236}">
+                <a16:creationId xmlns:a16="http://schemas.microsoft.com/office/drawing/2014/main" id="{937811E6-C287-462F-8FB2-F3FA6F41C0DC}"/>
+              </a:ext>
+            </a:extLst>
+          </p:cNvPr>
+          <p:cNvSpPr>
+            <a:spLocks noGrp="1"/>
+          </p:cNvSpPr>
+          <p:nvPr>
+            <p:ph type="title"/>
+          </p:nvPr>
+        </p:nvSpPr>
+        <p:spPr/>
+        <p:txBody>
+          <a:bodyPr/>
+          <a:lstStyle/>
+          <a:p>
+            <a:r>
+              <a:rPr lang="en-US" dirty="0"/>
+              <a:t>Code structure</a:t>
+            </a:r>
+          </a:p>
+        </p:txBody>
+      </p:sp>
+      <p:pic>
+        <p:nvPicPr>
+          <p:cNvPr id="4" name="Content Placeholder 3">
+            <a:extLst>
+              <a:ext uri="{FF2B5EF4-FFF2-40B4-BE49-F238E27FC236}">
+                <a16:creationId xmlns:a16="http://schemas.microsoft.com/office/drawing/2014/main" id="{C2E9C3E5-E1C3-4342-8191-37A6001C1F5D}"/>
+              </a:ext>
+            </a:extLst>
+          </p:cNvPr>
+          <p:cNvPicPr>
+            <a:picLocks noGrp="1" noChangeAspect="1"/>
+          </p:cNvPicPr>
+          <p:nvPr>
+            <p:ph idx="1"/>
+          </p:nvPr>
+        </p:nvPicPr>
+        <p:blipFill>
+          <a:blip r:embed="rId2"/>
+          <a:stretch>
+            <a:fillRect/>
+          </a:stretch>
+        </p:blipFill>
+        <p:spPr>
+          <a:xfrm>
+            <a:off x="705136" y="1690688"/>
+            <a:ext cx="2773799" cy="4351338"/>
+          </a:xfrm>
+          <a:prstGeom prst="rect">
+            <a:avLst/>
+          </a:prstGeom>
+        </p:spPr>
+      </p:pic>
+    </p:spTree>
+    <p:extLst>
+      <p:ext uri="{BB962C8B-B14F-4D97-AF65-F5344CB8AC3E}">
+        <p14:creationId xmlns:p14="http://schemas.microsoft.com/office/powerpoint/2010/main" val="1412151643"/>
+      </p:ext>
+    </p:extLst>
+  </p:cSld>
+  <p:clrMapOvr>
+    <a:masterClrMapping/>
+  </p:clrMapOvr>
+</p:sld>
+</file>
+
 <file path=ppt/slides/slide2.xml><?xml version="1.0" encoding="utf-8"?>
 <p:sld xmlns:a="http://schemas.openxmlformats.org/drawingml/2006/main" xmlns:r="http://schemas.openxmlformats.org/officeDocument/2006/relationships" xmlns:p="http://schemas.openxmlformats.org/presentationml/2006/main">
   <p:cSld>
@@ -3417,7 +5669,7 @@
           <p:cNvPr id="2" name="Title 1">
             <a:extLst>
               <a:ext uri="{FF2B5EF4-FFF2-40B4-BE49-F238E27FC236}">
-                <a16:creationId xmlns:a16="http://schemas.microsoft.com/office/drawing/2014/main" id="{F68AF8AF-31E2-40EA-884F-EE077BF4ADAF}"/>
+                <a16:creationId xmlns:a16="http://schemas.microsoft.com/office/drawing/2014/main" id="{4D102996-87C4-47CA-AC81-217EDCECFBE5}"/>
               </a:ext>
             </a:extLst>
           </p:cNvPr>
@@ -3435,7 +5687,7 @@
           <a:p>
             <a:r>
               <a:rPr lang="en-US" dirty="0"/>
-              <a:t>Objective</a:t>
+              <a:t>Outline</a:t>
             </a:r>
           </a:p>
         </p:txBody>
@@ -3445,7 +5697,7 @@
           <p:cNvPr id="3" name="Content Placeholder 2">
             <a:extLst>
               <a:ext uri="{FF2B5EF4-FFF2-40B4-BE49-F238E27FC236}">
-                <a16:creationId xmlns:a16="http://schemas.microsoft.com/office/drawing/2014/main" id="{5A7D4769-0461-48A3-8A91-CAA307783818}"/>
+                <a16:creationId xmlns:a16="http://schemas.microsoft.com/office/drawing/2014/main" id="{2FF9E5C6-22B8-484A-9B2D-AB8913BB1722}"/>
               </a:ext>
             </a:extLst>
           </p:cNvPr>
@@ -3463,24 +5715,125 @@
           <a:p>
             <a:r>
               <a:rPr lang="en-US" dirty="0"/>
-              <a:t>Author name disambiguation</a:t>
-            </a:r>
-          </a:p>
-          <a:p>
-            <a:r>
-              <a:rPr lang="en-US" dirty="0"/>
-              <a:t>Estimating whether a pair of articles sharing same author name were written by the same individual.</a:t>
-            </a:r>
-          </a:p>
-          <a:p>
-            <a:endParaRPr lang="en-US" dirty="0"/>
+              <a:t>1. Objective</a:t>
+            </a:r>
+          </a:p>
+          <a:p>
+            <a:r>
+              <a:rPr lang="en-US" dirty="0"/>
+              <a:t>2. Model outline</a:t>
+            </a:r>
+          </a:p>
+          <a:p>
+            <a:r>
+              <a:rPr lang="en-US" dirty="0"/>
+              <a:t>3. Algorithm</a:t>
+            </a:r>
+          </a:p>
+          <a:p>
+            <a:r>
+              <a:rPr lang="en-US" dirty="0"/>
+              <a:t>4. Implementation </a:t>
+            </a:r>
           </a:p>
         </p:txBody>
       </p:sp>
     </p:spTree>
     <p:extLst>
       <p:ext uri="{BB962C8B-B14F-4D97-AF65-F5344CB8AC3E}">
-        <p14:creationId xmlns:p14="http://schemas.microsoft.com/office/powerpoint/2010/main" val="4208264285"/>
+        <p14:creationId xmlns:p14="http://schemas.microsoft.com/office/powerpoint/2010/main" val="3734864777"/>
+      </p:ext>
+    </p:extLst>
+  </p:cSld>
+  <p:clrMapOvr>
+    <a:masterClrMapping/>
+  </p:clrMapOvr>
+</p:sld>
+</file>
+
+<file path=ppt/slides/slide20.xml><?xml version="1.0" encoding="utf-8"?>
+<p:sld xmlns:a="http://schemas.openxmlformats.org/drawingml/2006/main" xmlns:r="http://schemas.openxmlformats.org/officeDocument/2006/relationships" xmlns:p="http://schemas.openxmlformats.org/presentationml/2006/main">
+  <p:cSld>
+    <p:spTree>
+      <p:nvGrpSpPr>
+        <p:cNvPr id="1" name=""/>
+        <p:cNvGrpSpPr/>
+        <p:nvPr/>
+      </p:nvGrpSpPr>
+      <p:grpSpPr>
+        <a:xfrm>
+          <a:off x="0" y="0"/>
+          <a:ext cx="0" cy="0"/>
+          <a:chOff x="0" y="0"/>
+          <a:chExt cx="0" cy="0"/>
+        </a:xfrm>
+      </p:grpSpPr>
+      <p:sp>
+        <p:nvSpPr>
+          <p:cNvPr id="2" name="Title 1">
+            <a:extLst>
+              <a:ext uri="{FF2B5EF4-FFF2-40B4-BE49-F238E27FC236}">
+                <a16:creationId xmlns:a16="http://schemas.microsoft.com/office/drawing/2014/main" id="{E772E305-78BB-4C5A-B2BA-0FB7503A8C79}"/>
+              </a:ext>
+            </a:extLst>
+          </p:cNvPr>
+          <p:cNvSpPr>
+            <a:spLocks noGrp="1"/>
+          </p:cNvSpPr>
+          <p:nvPr>
+            <p:ph type="title"/>
+          </p:nvPr>
+        </p:nvSpPr>
+        <p:spPr/>
+        <p:txBody>
+          <a:bodyPr/>
+          <a:lstStyle/>
+          <a:p>
+            <a:r>
+              <a:rPr lang="en-US" dirty="0"/>
+              <a:t>Code walkthrough</a:t>
+            </a:r>
+          </a:p>
+        </p:txBody>
+      </p:sp>
+      <p:sp>
+        <p:nvSpPr>
+          <p:cNvPr id="3" name="Content Placeholder 2">
+            <a:extLst>
+              <a:ext uri="{FF2B5EF4-FFF2-40B4-BE49-F238E27FC236}">
+                <a16:creationId xmlns:a16="http://schemas.microsoft.com/office/drawing/2014/main" id="{DC2B1BB6-7E65-4723-BADD-4B70EAB76646}"/>
+              </a:ext>
+            </a:extLst>
+          </p:cNvPr>
+          <p:cNvSpPr>
+            <a:spLocks noGrp="1"/>
+          </p:cNvSpPr>
+          <p:nvPr>
+            <p:ph idx="1"/>
+          </p:nvPr>
+        </p:nvSpPr>
+        <p:spPr/>
+        <p:txBody>
+          <a:bodyPr/>
+          <a:lstStyle/>
+          <a:p>
+            <a:r>
+              <a:rPr lang="en-US" dirty="0">
+                <a:hlinkClick r:id="rId2"/>
+              </a:rPr>
+              <a:t>https://github.com/SternerLab/Authority/tree/initial/r_table</a:t>
+            </a:r>
+            <a:endParaRPr lang="en-US" dirty="0"/>
+          </a:p>
+          <a:p>
+            <a:endParaRPr lang="en-US" dirty="0"/>
+          </a:p>
+        </p:txBody>
+      </p:sp>
+    </p:spTree>
+    <p:extLst>
+      <p:ext uri="{BB962C8B-B14F-4D97-AF65-F5344CB8AC3E}">
+        <p14:creationId xmlns:p14="http://schemas.microsoft.com/office/powerpoint/2010/main" val="387054074"/>
       </p:ext>
     </p:extLst>
   </p:cSld>
@@ -3512,7 +5865,7 @@
           <p:cNvPr id="2" name="Title 1">
             <a:extLst>
               <a:ext uri="{FF2B5EF4-FFF2-40B4-BE49-F238E27FC236}">
-                <a16:creationId xmlns:a16="http://schemas.microsoft.com/office/drawing/2014/main" id="{16807B9D-5CB9-4099-A34C-81242BB9B691}"/>
+                <a16:creationId xmlns:a16="http://schemas.microsoft.com/office/drawing/2014/main" id="{F68AF8AF-31E2-40EA-884F-EE077BF4ADAF}"/>
               </a:ext>
             </a:extLst>
           </p:cNvPr>
@@ -3530,7 +5883,7 @@
           <a:p>
             <a:r>
               <a:rPr lang="en-US" dirty="0"/>
-              <a:t>Authority model</a:t>
+              <a:t>Objective</a:t>
             </a:r>
           </a:p>
         </p:txBody>
@@ -3540,7 +5893,7 @@
           <p:cNvPr id="3" name="Content Placeholder 2">
             <a:extLst>
               <a:ext uri="{FF2B5EF4-FFF2-40B4-BE49-F238E27FC236}">
-                <a16:creationId xmlns:a16="http://schemas.microsoft.com/office/drawing/2014/main" id="{C467F06A-E626-4A0B-AA75-6E2905F6A59B}"/>
+                <a16:creationId xmlns:a16="http://schemas.microsoft.com/office/drawing/2014/main" id="{5A7D4769-0461-48A3-8A91-CAA307783818}"/>
               </a:ext>
             </a:extLst>
           </p:cNvPr>
@@ -3553,67 +5906,29 @@
         </p:nvSpPr>
         <p:spPr/>
         <p:txBody>
-          <a:bodyPr>
-            <a:normAutofit fontScale="92500"/>
-          </a:bodyPr>
-          <a:lstStyle/>
-          <a:p>
-            <a:r>
-              <a:rPr lang="en-US" dirty="0"/>
-              <a:t>Input: Pair of articles sharing common author name</a:t>
-            </a:r>
-          </a:p>
-          <a:p>
-            <a:r>
-              <a:rPr lang="en-US" dirty="0"/>
-              <a:t>Output: Probability of whether the common author name refers to the same individual.</a:t>
-            </a:r>
-          </a:p>
-          <a:p>
-            <a:r>
-              <a:rPr lang="en-US" dirty="0"/>
-              <a:t>Algorithm:</a:t>
-            </a:r>
-            <a:br>
-              <a:rPr lang="en-US" dirty="0"/>
-            </a:br>
-            <a:r>
-              <a:rPr lang="en-US" dirty="0"/>
-              <a:t>1. A comparison vector, x is computed between two articles. </a:t>
-            </a:r>
-          </a:p>
-          <a:p>
-            <a:pPr marL="0" indent="0">
-              <a:buNone/>
-            </a:pPr>
-            <a:r>
-              <a:rPr lang="en-US" dirty="0"/>
-              <a:t>   2. If x is more frequently observed (</a:t>
-            </a:r>
-            <a:r>
-              <a:rPr lang="en-US" dirty="0" err="1"/>
-              <a:t>r-value</a:t>
-            </a:r>
-            <a:r>
-              <a:rPr lang="en-US" dirty="0"/>
-              <a:t>) in positive training sets, then the pair of articles were written by the same individual and vice versa.</a:t>
-            </a:r>
-          </a:p>
-          <a:p>
-            <a:pPr marL="0" indent="0">
-              <a:buNone/>
-            </a:pPr>
-            <a:r>
-              <a:rPr lang="en-US" dirty="0"/>
-              <a:t>   3. Positive sets implies sample of training data which share some common properties like author name and coauthors and are likely written by the same person.  </a:t>
-            </a:r>
+          <a:bodyPr/>
+          <a:lstStyle/>
+          <a:p>
+            <a:r>
+              <a:rPr lang="en-US" dirty="0"/>
+              <a:t>1. Author name disambiguation</a:t>
+            </a:r>
+          </a:p>
+          <a:p>
+            <a:r>
+              <a:rPr lang="en-US" dirty="0"/>
+              <a:t>2. Estimating whether a pair of articles sharing same author name were written by the same individual.</a:t>
+            </a:r>
+          </a:p>
+          <a:p>
+            <a:endParaRPr lang="en-US" dirty="0"/>
           </a:p>
         </p:txBody>
       </p:sp>
     </p:spTree>
     <p:extLst>
       <p:ext uri="{BB962C8B-B14F-4D97-AF65-F5344CB8AC3E}">
-        <p14:creationId xmlns:p14="http://schemas.microsoft.com/office/powerpoint/2010/main" val="2304130826"/>
+        <p14:creationId xmlns:p14="http://schemas.microsoft.com/office/powerpoint/2010/main" val="4208264285"/>
       </p:ext>
     </p:extLst>
   </p:cSld>
@@ -3645,7 +5960,7 @@
           <p:cNvPr id="2" name="Title 1">
             <a:extLst>
               <a:ext uri="{FF2B5EF4-FFF2-40B4-BE49-F238E27FC236}">
-                <a16:creationId xmlns:a16="http://schemas.microsoft.com/office/drawing/2014/main" id="{B7C28B02-E063-4FCC-A91A-961F933C0E3C}"/>
+                <a16:creationId xmlns:a16="http://schemas.microsoft.com/office/drawing/2014/main" id="{16807B9D-5CB9-4099-A34C-81242BB9B691}"/>
               </a:ext>
             </a:extLst>
           </p:cNvPr>
@@ -3663,7 +5978,7 @@
           <a:p>
             <a:r>
               <a:rPr lang="en-US" dirty="0"/>
-              <a:t>Example</a:t>
+              <a:t>Authority model</a:t>
             </a:r>
           </a:p>
         </p:txBody>
@@ -3673,7 +5988,7 @@
           <p:cNvPr id="3" name="Content Placeholder 2">
             <a:extLst>
               <a:ext uri="{FF2B5EF4-FFF2-40B4-BE49-F238E27FC236}">
-                <a16:creationId xmlns:a16="http://schemas.microsoft.com/office/drawing/2014/main" id="{CF2B6D8B-3FB1-44A2-AF5D-D47BA16C6008}"/>
+                <a16:creationId xmlns:a16="http://schemas.microsoft.com/office/drawing/2014/main" id="{C467F06A-E626-4A0B-AA75-6E2905F6A59B}"/>
               </a:ext>
             </a:extLst>
           </p:cNvPr>
@@ -3686,21 +6001,20 @@
         </p:nvSpPr>
         <p:spPr/>
         <p:txBody>
-          <a:bodyPr/>
-          <a:lstStyle/>
-          <a:p>
-            <a:r>
-              <a:rPr lang="en-US" dirty="0"/>
-              <a:t>Article : Author</a:t>
-            </a:r>
-          </a:p>
-          <a:p>
-            <a:pPr marL="0" indent="0">
-              <a:buNone/>
-            </a:pPr>
-            <a:r>
-              <a:rPr lang="en-US" dirty="0"/>
-              <a:t>	1: </a:t>
+          <a:bodyPr>
+            <a:normAutofit/>
+          </a:bodyPr>
+          <a:lstStyle/>
+          <a:p>
+            <a:r>
+              <a:rPr lang="en-US" dirty="0"/>
+              <a:t>Input: Pair of articles sharing common author name</a:t>
+            </a:r>
+          </a:p>
+          <a:p>
+            <a:r>
+              <a:rPr lang="en-US" dirty="0"/>
+              <a:t>Output: Probability of whether the common author name refers to the same individual.</a:t>
             </a:r>
           </a:p>
         </p:txBody>
@@ -3708,7 +6022,7 @@
     </p:spTree>
     <p:extLst>
       <p:ext uri="{BB962C8B-B14F-4D97-AF65-F5344CB8AC3E}">
-        <p14:creationId xmlns:p14="http://schemas.microsoft.com/office/powerpoint/2010/main" val="2172869438"/>
+        <p14:creationId xmlns:p14="http://schemas.microsoft.com/office/powerpoint/2010/main" val="2304130826"/>
       </p:ext>
     </p:extLst>
   </p:cSld>
@@ -3740,7 +6054,7 @@
           <p:cNvPr id="2" name="Title 1">
             <a:extLst>
               <a:ext uri="{FF2B5EF4-FFF2-40B4-BE49-F238E27FC236}">
-                <a16:creationId xmlns:a16="http://schemas.microsoft.com/office/drawing/2014/main" id="{76E1A307-1095-4038-AD57-73595736239F}"/>
+                <a16:creationId xmlns:a16="http://schemas.microsoft.com/office/drawing/2014/main" id="{E3352262-FEAB-49EA-B652-CB8B1DE552AF}"/>
               </a:ext>
             </a:extLst>
           </p:cNvPr>
@@ -3758,7 +6072,7 @@
           <a:p>
             <a:r>
               <a:rPr lang="en-US" dirty="0"/>
-              <a:t>More details…</a:t>
+              <a:t>Model outline</a:t>
             </a:r>
           </a:p>
         </p:txBody>
@@ -3768,7 +6082,7 @@
           <p:cNvPr id="3" name="Content Placeholder 2">
             <a:extLst>
               <a:ext uri="{FF2B5EF4-FFF2-40B4-BE49-F238E27FC236}">
-                <a16:creationId xmlns:a16="http://schemas.microsoft.com/office/drawing/2014/main" id="{586B2B20-A61D-48F7-B9A0-E4DE6F0CFA8B}"/>
+                <a16:creationId xmlns:a16="http://schemas.microsoft.com/office/drawing/2014/main" id="{5010ED05-CF6C-4B64-8090-8214231888F6}"/>
               </a:ext>
             </a:extLst>
           </p:cNvPr>
@@ -3784,16 +6098,68 @@
           <a:bodyPr/>
           <a:lstStyle/>
           <a:p>
-            <a:r>
-              <a:rPr lang="en-US" dirty="0"/>
-              <a:t>The 5-step procedure</a:t>
-            </a:r>
-          </a:p>
-          <a:p>
-            <a:r>
-              <a:rPr lang="en-US"/>
-              <a:t>Training </a:t>
-            </a:r>
+            <a:pPr marL="514350" indent="-514350">
+              <a:buFont typeface="+mj-lt"/>
+              <a:buAutoNum type="arabicPeriod"/>
+            </a:pPr>
+            <a:r>
+              <a:rPr lang="en-US" dirty="0"/>
+              <a:t> A </a:t>
+            </a:r>
+            <a:r>
+              <a:rPr lang="en-US" b="1" dirty="0"/>
+              <a:t>similarity profile</a:t>
+            </a:r>
+            <a:r>
+              <a:rPr lang="en-US" dirty="0"/>
+              <a:t> (</a:t>
+            </a:r>
+            <a:r>
+              <a:rPr lang="en-US" b="1" dirty="0"/>
+              <a:t>comparison vector</a:t>
+            </a:r>
+            <a:r>
+              <a:rPr lang="en-US" dirty="0"/>
+              <a:t>), x is computed between two articles. </a:t>
+            </a:r>
+          </a:p>
+          <a:p>
+            <a:pPr marL="514350" indent="-514350">
+              <a:buFont typeface="+mj-lt"/>
+              <a:buAutoNum type="arabicPeriod"/>
+            </a:pPr>
+            <a:r>
+              <a:rPr lang="en-US" dirty="0"/>
+              <a:t>If x is more frequently observed (</a:t>
+            </a:r>
+            <a:r>
+              <a:rPr lang="en-US" b="1" dirty="0" err="1"/>
+              <a:t>r-value</a:t>
+            </a:r>
+            <a:r>
+              <a:rPr lang="en-US" dirty="0"/>
+              <a:t>) in positive (match) training sets, then the pair of articles were written by the same individual and vice versa.</a:t>
+            </a:r>
+          </a:p>
+          <a:p>
+            <a:pPr marL="514350" indent="-514350">
+              <a:buFont typeface="+mj-lt"/>
+              <a:buAutoNum type="arabicPeriod"/>
+            </a:pPr>
+            <a:r>
+              <a:rPr lang="en-US" dirty="0"/>
+              <a:t>Positive (match) sets implies sample of training data which share some common properties like author name and coauthors and are </a:t>
+            </a:r>
+            <a:r>
+              <a:rPr lang="en-US" b="1" dirty="0"/>
+              <a:t>likely</a:t>
+            </a:r>
+            <a:r>
+              <a:rPr lang="en-US" dirty="0"/>
+              <a:t> to be written by the same person.  </a:t>
+            </a:r>
+          </a:p>
+          <a:p>
             <a:endParaRPr lang="en-US" dirty="0"/>
           </a:p>
         </p:txBody>
@@ -3801,7 +6167,7 @@
     </p:spTree>
     <p:extLst>
       <p:ext uri="{BB962C8B-B14F-4D97-AF65-F5344CB8AC3E}">
-        <p14:creationId xmlns:p14="http://schemas.microsoft.com/office/powerpoint/2010/main" val="2791301672"/>
+        <p14:creationId xmlns:p14="http://schemas.microsoft.com/office/powerpoint/2010/main" val="751974024"/>
       </p:ext>
     </p:extLst>
   </p:cSld>
@@ -3833,7 +6199,7 @@
           <p:cNvPr id="2" name="Title 1">
             <a:extLst>
               <a:ext uri="{FF2B5EF4-FFF2-40B4-BE49-F238E27FC236}">
-                <a16:creationId xmlns:a16="http://schemas.microsoft.com/office/drawing/2014/main" id="{D1854292-FCF1-4928-9D2B-46BCD35D30E5}"/>
+                <a16:creationId xmlns:a16="http://schemas.microsoft.com/office/drawing/2014/main" id="{B7C28B02-E063-4FCC-A91A-961F933C0E3C}"/>
               </a:ext>
             </a:extLst>
           </p:cNvPr>
@@ -3849,7 +6215,10 @@
           <a:bodyPr/>
           <a:lstStyle/>
           <a:p>
-            <a:endParaRPr lang="en-US" dirty="0"/>
+            <a:r>
+              <a:rPr lang="en-US" dirty="0"/>
+              <a:t>The similarity profile or comparison vector, x</a:t>
+            </a:r>
           </a:p>
         </p:txBody>
       </p:sp>
@@ -3858,7 +6227,7 @@
           <p:cNvPr id="3" name="Content Placeholder 2">
             <a:extLst>
               <a:ext uri="{FF2B5EF4-FFF2-40B4-BE49-F238E27FC236}">
-                <a16:creationId xmlns:a16="http://schemas.microsoft.com/office/drawing/2014/main" id="{8AEA5552-E668-4FB5-90AC-EF97E8301F57}"/>
+                <a16:creationId xmlns:a16="http://schemas.microsoft.com/office/drawing/2014/main" id="{CF2B6D8B-3FB1-44A2-AF5D-D47BA16C6008}"/>
               </a:ext>
             </a:extLst>
           </p:cNvPr>
@@ -3874,14 +6243,71 @@
           <a:bodyPr/>
           <a:lstStyle/>
           <a:p>
+            <a:r>
+              <a:rPr lang="en-US" dirty="0"/>
+              <a:t>Given pair of articles, the comparison vector (or similarity profile)</a:t>
+            </a:r>
+          </a:p>
+          <a:p>
+            <a:pPr marL="0" indent="0">
+              <a:buNone/>
+            </a:pPr>
+            <a:r>
+              <a:rPr lang="en-US" dirty="0"/>
+              <a:t>	x = &lt;x1, x2, x3, x4, x5, x6, x7, x8, x9&gt;</a:t>
+            </a:r>
+          </a:p>
+          <a:p>
+            <a:pPr marL="0" indent="0">
+              <a:buNone/>
+            </a:pPr>
+            <a:r>
+              <a:rPr lang="en-US" dirty="0"/>
+              <a:t>Rules:</a:t>
+            </a:r>
+          </a:p>
+          <a:p>
+            <a:pPr marL="0" indent="0">
+              <a:buNone/>
+            </a:pPr>
             <a:endParaRPr lang="en-US" dirty="0"/>
           </a:p>
         </p:txBody>
       </p:sp>
+      <p:pic>
+        <p:nvPicPr>
+          <p:cNvPr id="4" name="Picture 3">
+            <a:extLst>
+              <a:ext uri="{FF2B5EF4-FFF2-40B4-BE49-F238E27FC236}">
+                <a16:creationId xmlns:a16="http://schemas.microsoft.com/office/drawing/2014/main" id="{027DE2AA-C6AE-468A-AB14-E6AE641B4463}"/>
+              </a:ext>
+            </a:extLst>
+          </p:cNvPr>
+          <p:cNvPicPr>
+            <a:picLocks noChangeAspect="1"/>
+          </p:cNvPicPr>
+          <p:nvPr/>
+        </p:nvPicPr>
+        <p:blipFill>
+          <a:blip r:embed="rId2"/>
+          <a:stretch>
+            <a:fillRect/>
+          </a:stretch>
+        </p:blipFill>
+        <p:spPr>
+          <a:xfrm>
+            <a:off x="1917878" y="2711074"/>
+            <a:ext cx="4711522" cy="3519988"/>
+          </a:xfrm>
+          <a:prstGeom prst="rect">
+            <a:avLst/>
+          </a:prstGeom>
+        </p:spPr>
+      </p:pic>
     </p:spTree>
     <p:extLst>
       <p:ext uri="{BB962C8B-B14F-4D97-AF65-F5344CB8AC3E}">
-        <p14:creationId xmlns:p14="http://schemas.microsoft.com/office/powerpoint/2010/main" val="3714041640"/>
+        <p14:creationId xmlns:p14="http://schemas.microsoft.com/office/powerpoint/2010/main" val="2172869438"/>
       </p:ext>
     </p:extLst>
   </p:cSld>
@@ -3913,7 +6339,7 @@
           <p:cNvPr id="2" name="Title 1">
             <a:extLst>
               <a:ext uri="{FF2B5EF4-FFF2-40B4-BE49-F238E27FC236}">
-                <a16:creationId xmlns:a16="http://schemas.microsoft.com/office/drawing/2014/main" id="{05FA2E65-170D-4F23-B715-08ADC4D4DD03}"/>
+                <a16:creationId xmlns:a16="http://schemas.microsoft.com/office/drawing/2014/main" id="{B9AE98A2-99D6-4F59-A7EB-571B63424025}"/>
               </a:ext>
             </a:extLst>
           </p:cNvPr>
@@ -3931,7 +6357,7 @@
           <a:p>
             <a:r>
               <a:rPr lang="en-US" dirty="0"/>
-              <a:t>Implementation</a:t>
+              <a:t>Similarity profile in our case</a:t>
             </a:r>
           </a:p>
         </p:txBody>
@@ -3941,7 +6367,7 @@
           <p:cNvPr id="3" name="Content Placeholder 2">
             <a:extLst>
               <a:ext uri="{FF2B5EF4-FFF2-40B4-BE49-F238E27FC236}">
-                <a16:creationId xmlns:a16="http://schemas.microsoft.com/office/drawing/2014/main" id="{CD469BD2-8A6D-46CF-84CE-2D80E95C3569}"/>
+                <a16:creationId xmlns:a16="http://schemas.microsoft.com/office/drawing/2014/main" id="{25BD422D-81CF-45F0-A7FD-7AB4401CA852}"/>
               </a:ext>
             </a:extLst>
           </p:cNvPr>
@@ -3959,27 +6385,37 @@
           <a:p>
             <a:r>
               <a:rPr lang="en-US" dirty="0"/>
-              <a:t>Design</a:t>
-            </a:r>
-          </a:p>
-          <a:p>
-            <a:r>
-              <a:rPr lang="en-US" dirty="0"/>
-              <a:t>Code flow</a:t>
-            </a:r>
-          </a:p>
-          <a:p>
-            <a:r>
-              <a:rPr lang="en-US" dirty="0"/>
-              <a:t>Design choices – software used.</a:t>
-            </a:r>
+              <a:t>Some of the metadata is unavailable. Hence similarity profile in our case has attributes: x = &lt;x1, x2, x3, x4, x5, x7&gt;</a:t>
+            </a:r>
+          </a:p>
+          <a:p>
+            <a:endParaRPr lang="en-US" dirty="0"/>
+          </a:p>
+          <a:p>
+            <a:r>
+              <a:rPr lang="en-US" dirty="0"/>
+              <a:t>Example: </a:t>
+            </a:r>
+            <a:br>
+              <a:rPr lang="en-US" dirty="0"/>
+            </a:br>
+            <a:r>
+              <a:rPr lang="en-US" dirty="0"/>
+              <a:t>Article 1</a:t>
+            </a:r>
+          </a:p>
+          <a:p>
+            <a:pPr marL="0" indent="0">
+              <a:buNone/>
+            </a:pPr>
+            <a:endParaRPr lang="en-US" dirty="0"/>
           </a:p>
         </p:txBody>
       </p:sp>
     </p:spTree>
     <p:extLst>
       <p:ext uri="{BB962C8B-B14F-4D97-AF65-F5344CB8AC3E}">
-        <p14:creationId xmlns:p14="http://schemas.microsoft.com/office/powerpoint/2010/main" val="3243493965"/>
+        <p14:creationId xmlns:p14="http://schemas.microsoft.com/office/powerpoint/2010/main" val="1004950734"/>
       </p:ext>
     </p:extLst>
   </p:cSld>
@@ -4011,7 +6447,7 @@
           <p:cNvPr id="2" name="Title 1">
             <a:extLst>
               <a:ext uri="{FF2B5EF4-FFF2-40B4-BE49-F238E27FC236}">
-                <a16:creationId xmlns:a16="http://schemas.microsoft.com/office/drawing/2014/main" id="{626B6371-9176-4F0D-B558-5DFD2DD55EE7}"/>
+                <a16:creationId xmlns:a16="http://schemas.microsoft.com/office/drawing/2014/main" id="{8F405031-3655-4C1F-8C75-43FB6ABD2407}"/>
               </a:ext>
             </a:extLst>
           </p:cNvPr>
@@ -4029,8 +6465,13 @@
           <a:p>
             <a:r>
               <a:rPr lang="en-US" dirty="0"/>
-              <a:t>More on implementation </a:t>
-            </a:r>
+              <a:t>The relative frequency, </a:t>
+            </a:r>
+            <a:r>
+              <a:rPr lang="en-US" dirty="0" err="1"/>
+              <a:t>r-value</a:t>
+            </a:r>
+            <a:endParaRPr lang="en-US" dirty="0"/>
           </a:p>
         </p:txBody>
       </p:sp>
@@ -4039,7 +6480,7 @@
           <p:cNvPr id="3" name="Content Placeholder 2">
             <a:extLst>
               <a:ext uri="{FF2B5EF4-FFF2-40B4-BE49-F238E27FC236}">
-                <a16:creationId xmlns:a16="http://schemas.microsoft.com/office/drawing/2014/main" id="{AB5C3533-1D7E-4FC0-9C0B-6CB05CF391F8}"/>
+                <a16:creationId xmlns:a16="http://schemas.microsoft.com/office/drawing/2014/main" id="{27CEFFFB-FFA9-446C-94B5-6DC48ED06FE9}"/>
               </a:ext>
             </a:extLst>
           </p:cNvPr>
@@ -4055,14 +6496,61 @@
           <a:bodyPr/>
           <a:lstStyle/>
           <a:p>
-            <a:endParaRPr lang="en-US"/>
+            <a:r>
+              <a:rPr lang="en-US" dirty="0"/>
+              <a:t>Mathematically, let P(</a:t>
+            </a:r>
+            <a:r>
+              <a:rPr lang="en-US" dirty="0" err="1"/>
+              <a:t>x|M</a:t>
+            </a:r>
+            <a:r>
+              <a:rPr lang="en-US" dirty="0"/>
+              <a:t>) and P(</a:t>
+            </a:r>
+            <a:r>
+              <a:rPr lang="en-US" dirty="0" err="1"/>
+              <a:t>x|N</a:t>
+            </a:r>
+            <a:r>
+              <a:rPr lang="en-US" dirty="0"/>
+              <a:t>) denote probability of observing similarity profile x given that pair of articles were written  by the same person and different person respectively.</a:t>
+            </a:r>
+          </a:p>
+          <a:p>
+            <a:r>
+              <a:rPr lang="en-US" dirty="0"/>
+              <a:t>r(x) = P(</a:t>
+            </a:r>
+            <a:r>
+              <a:rPr lang="en-US" dirty="0" err="1"/>
+              <a:t>x|M</a:t>
+            </a:r>
+            <a:r>
+              <a:rPr lang="en-US" dirty="0"/>
+              <a:t>) / P(</a:t>
+            </a:r>
+            <a:r>
+              <a:rPr lang="en-US" dirty="0" err="1"/>
+              <a:t>x|N</a:t>
+            </a:r>
+            <a:r>
+              <a:rPr lang="en-US" dirty="0"/>
+              <a:t>).</a:t>
+            </a:r>
+          </a:p>
+          <a:p>
+            <a:r>
+              <a:rPr lang="en-US" dirty="0"/>
+              <a:t>Higher r(x) implies that the pair of articles were more likely written by a same individual and vice versa.</a:t>
+            </a:r>
           </a:p>
         </p:txBody>
       </p:sp>
     </p:spTree>
     <p:extLst>
       <p:ext uri="{BB962C8B-B14F-4D97-AF65-F5344CB8AC3E}">
-        <p14:creationId xmlns:p14="http://schemas.microsoft.com/office/powerpoint/2010/main" val="2997593557"/>
+        <p14:creationId xmlns:p14="http://schemas.microsoft.com/office/powerpoint/2010/main" val="2059013687"/>
       </p:ext>
     </p:extLst>
   </p:cSld>
@@ -4094,7 +6582,7 @@
           <p:cNvPr id="2" name="Title 1">
             <a:extLst>
               <a:ext uri="{FF2B5EF4-FFF2-40B4-BE49-F238E27FC236}">
-                <a16:creationId xmlns:a16="http://schemas.microsoft.com/office/drawing/2014/main" id="{937811E6-C287-462F-8FB2-F3FA6F41C0DC}"/>
+                <a16:creationId xmlns:a16="http://schemas.microsoft.com/office/drawing/2014/main" id="{4FDF61D4-13EA-4BB2-9D98-466007073653}"/>
               </a:ext>
             </a:extLst>
           </p:cNvPr>
@@ -4112,7 +6600,7 @@
           <a:p>
             <a:r>
               <a:rPr lang="en-US" dirty="0"/>
-              <a:t>code</a:t>
+              <a:t>Example</a:t>
             </a:r>
           </a:p>
         </p:txBody>
@@ -4122,7 +6610,7 @@
           <p:cNvPr id="3" name="Content Placeholder 2">
             <a:extLst>
               <a:ext uri="{FF2B5EF4-FFF2-40B4-BE49-F238E27FC236}">
-                <a16:creationId xmlns:a16="http://schemas.microsoft.com/office/drawing/2014/main" id="{FFD53393-E7EC-4EF3-BEEF-E941FDDF9EA3}"/>
+                <a16:creationId xmlns:a16="http://schemas.microsoft.com/office/drawing/2014/main" id="{3C382CCB-84BB-405E-812D-902B8D98C0F6}"/>
               </a:ext>
             </a:extLst>
           </p:cNvPr>
@@ -4138,14 +6626,220 @@
           <a:bodyPr/>
           <a:lstStyle/>
           <a:p>
-            <a:endParaRPr lang="en-US"/>
-          </a:p>
-        </p:txBody>
-      </p:sp>
+            <a:r>
+              <a:rPr lang="en-US" dirty="0"/>
+              <a:t>Positive sets similarity profiles:</a:t>
+            </a:r>
+          </a:p>
+          <a:p>
+            <a:pPr marL="0" indent="0">
+              <a:buNone/>
+            </a:pPr>
+            <a:endParaRPr lang="en-US" dirty="0"/>
+          </a:p>
+        </p:txBody>
+      </p:sp>
+      <p:graphicFrame>
+        <p:nvGraphicFramePr>
+          <p:cNvPr id="4" name="Table 4">
+            <a:extLst>
+              <a:ext uri="{FF2B5EF4-FFF2-40B4-BE49-F238E27FC236}">
+                <a16:creationId xmlns:a16="http://schemas.microsoft.com/office/drawing/2014/main" id="{F167D53D-7DB9-4750-8497-8C3E07BFAAE7}"/>
+              </a:ext>
+            </a:extLst>
+          </p:cNvPr>
+          <p:cNvGraphicFramePr>
+            <a:graphicFrameLocks noGrp="1"/>
+          </p:cNvGraphicFramePr>
+          <p:nvPr>
+            <p:extLst>
+              <p:ext uri="{D42A27DB-BD31-4B8C-83A1-F6EECF244321}">
+                <p14:modId xmlns:p14="http://schemas.microsoft.com/office/powerpoint/2010/main" val="2705106844"/>
+              </p:ext>
+            </p:extLst>
+          </p:nvPr>
+        </p:nvGraphicFramePr>
+        <p:xfrm>
+          <a:off x="1089891" y="2345266"/>
+          <a:ext cx="8128000" cy="1849120"/>
+        </p:xfrm>
+        <a:graphic>
+          <a:graphicData uri="http://schemas.openxmlformats.org/drawingml/2006/table">
+            <a:tbl>
+              <a:tblPr firstRow="1" bandRow="1">
+                <a:tableStyleId>{5C22544A-7EE6-4342-B048-85BDC9FD1C3A}</a:tableStyleId>
+              </a:tblPr>
+              <a:tblGrid>
+                <a:gridCol w="4064000">
+                  <a:extLst>
+                    <a:ext uri="{9D8B030D-6E8A-4147-A177-3AD203B41FA5}">
+                      <a16:colId xmlns:a16="http://schemas.microsoft.com/office/drawing/2014/main" val="485236428"/>
+                    </a:ext>
+                  </a:extLst>
+                </a:gridCol>
+                <a:gridCol w="4064000">
+                  <a:extLst>
+                    <a:ext uri="{9D8B030D-6E8A-4147-A177-3AD203B41FA5}">
+                      <a16:colId xmlns:a16="http://schemas.microsoft.com/office/drawing/2014/main" val="4113649343"/>
+                    </a:ext>
+                  </a:extLst>
+                </a:gridCol>
+              </a:tblGrid>
+              <a:tr h="0">
+                <a:tc>
+                  <a:txBody>
+                    <a:bodyPr/>
+                    <a:lstStyle/>
+                    <a:p>
+                      <a:r>
+                        <a:rPr lang="en-US" dirty="0"/>
+                        <a:t>Pair</a:t>
+                      </a:r>
+                    </a:p>
+                  </a:txBody>
+                  <a:tcPr/>
+                </a:tc>
+                <a:tc>
+                  <a:txBody>
+                    <a:bodyPr/>
+                    <a:lstStyle/>
+                    <a:p>
+                      <a:r>
+                        <a:rPr lang="en-US" dirty="0"/>
+                        <a:t>Similarity profile</a:t>
+                      </a:r>
+                    </a:p>
+                  </a:txBody>
+                  <a:tcPr/>
+                </a:tc>
+                <a:extLst>
+                  <a:ext uri="{0D108BD9-81ED-4DB2-BD59-A6C34878D82A}">
+                    <a16:rowId xmlns:a16="http://schemas.microsoft.com/office/drawing/2014/main" val="4242084953"/>
+                  </a:ext>
+                </a:extLst>
+              </a:tr>
+              <a:tr h="370840">
+                <a:tc>
+                  <a:txBody>
+                    <a:bodyPr/>
+                    <a:lstStyle/>
+                    <a:p>
+                      <a:r>
+                        <a:rPr lang="en-US" dirty="0"/>
+                        <a:t>(a1, b1)</a:t>
+                      </a:r>
+                    </a:p>
+                  </a:txBody>
+                  <a:tcPr/>
+                </a:tc>
+                <a:tc>
+                  <a:txBody>
+                    <a:bodyPr/>
+                    <a:lstStyle/>
+                    <a:p>
+                      <a:r>
+                        <a:rPr lang="en-US" dirty="0"/>
+                        <a:t>&lt;</a:t>
+                      </a:r>
+                    </a:p>
+                  </a:txBody>
+                  <a:tcPr/>
+                </a:tc>
+                <a:extLst>
+                  <a:ext uri="{0D108BD9-81ED-4DB2-BD59-A6C34878D82A}">
+                    <a16:rowId xmlns:a16="http://schemas.microsoft.com/office/drawing/2014/main" val="517382432"/>
+                  </a:ext>
+                </a:extLst>
+              </a:tr>
+              <a:tr h="370840">
+                <a:tc>
+                  <a:txBody>
+                    <a:bodyPr/>
+                    <a:lstStyle/>
+                    <a:p>
+                      <a:endParaRPr lang="en-US" dirty="0"/>
+                    </a:p>
+                  </a:txBody>
+                  <a:tcPr/>
+                </a:tc>
+                <a:tc>
+                  <a:txBody>
+                    <a:bodyPr/>
+                    <a:lstStyle/>
+                    <a:p>
+                      <a:endParaRPr lang="en-US"/>
+                    </a:p>
+                  </a:txBody>
+                  <a:tcPr/>
+                </a:tc>
+                <a:extLst>
+                  <a:ext uri="{0D108BD9-81ED-4DB2-BD59-A6C34878D82A}">
+                    <a16:rowId xmlns:a16="http://schemas.microsoft.com/office/drawing/2014/main" val="2126399689"/>
+                  </a:ext>
+                </a:extLst>
+              </a:tr>
+              <a:tr h="370840">
+                <a:tc>
+                  <a:txBody>
+                    <a:bodyPr/>
+                    <a:lstStyle/>
+                    <a:p>
+                      <a:endParaRPr lang="en-US"/>
+                    </a:p>
+                  </a:txBody>
+                  <a:tcPr/>
+                </a:tc>
+                <a:tc>
+                  <a:txBody>
+                    <a:bodyPr/>
+                    <a:lstStyle/>
+                    <a:p>
+                      <a:endParaRPr lang="en-US"/>
+                    </a:p>
+                  </a:txBody>
+                  <a:tcPr/>
+                </a:tc>
+                <a:extLst>
+                  <a:ext uri="{0D108BD9-81ED-4DB2-BD59-A6C34878D82A}">
+                    <a16:rowId xmlns:a16="http://schemas.microsoft.com/office/drawing/2014/main" val="2476857021"/>
+                  </a:ext>
+                </a:extLst>
+              </a:tr>
+              <a:tr h="370840">
+                <a:tc>
+                  <a:txBody>
+                    <a:bodyPr/>
+                    <a:lstStyle/>
+                    <a:p>
+                      <a:endParaRPr lang="en-US"/>
+                    </a:p>
+                  </a:txBody>
+                  <a:tcPr/>
+                </a:tc>
+                <a:tc>
+                  <a:txBody>
+                    <a:bodyPr/>
+                    <a:lstStyle/>
+                    <a:p>
+                      <a:endParaRPr lang="en-US" dirty="0"/>
+                    </a:p>
+                  </a:txBody>
+                  <a:tcPr/>
+                </a:tc>
+                <a:extLst>
+                  <a:ext uri="{0D108BD9-81ED-4DB2-BD59-A6C34878D82A}">
+                    <a16:rowId xmlns:a16="http://schemas.microsoft.com/office/drawing/2014/main" val="1941509792"/>
+                  </a:ext>
+                </a:extLst>
+              </a:tr>
+            </a:tbl>
+          </a:graphicData>
+        </a:graphic>
+      </p:graphicFrame>
     </p:spTree>
     <p:extLst>
       <p:ext uri="{BB962C8B-B14F-4D97-AF65-F5344CB8AC3E}">
-        <p14:creationId xmlns:p14="http://schemas.microsoft.com/office/powerpoint/2010/main" val="1412151643"/>
+        <p14:creationId xmlns:p14="http://schemas.microsoft.com/office/powerpoint/2010/main" val="1935409594"/>
       </p:ext>
     </p:extLst>
   </p:cSld>
@@ -4156,54 +6850,54 @@
 </file>
 
 <file path=ppt/theme/theme1.xml><?xml version="1.0" encoding="utf-8"?>
-<a:theme xmlns:a="http://schemas.openxmlformats.org/drawingml/2006/main" name="Office Theme">
+<a:theme xmlns:a="http://schemas.openxmlformats.org/drawingml/2006/main" name="Retrospect">
   <a:themeElements>
-    <a:clrScheme name="Office">
+    <a:clrScheme name="Retrospect">
       <a:dk1>
-        <a:sysClr val="windowText" lastClr="000000"/>
+        <a:srgbClr val="000000"/>
       </a:dk1>
       <a:lt1>
         <a:sysClr val="window" lastClr="FFFFFF"/>
       </a:lt1>
       <a:dk2>
-        <a:srgbClr val="44546A"/>
+        <a:srgbClr val="637052"/>
       </a:dk2>
       <a:lt2>
-        <a:srgbClr val="E7E6E6"/>
+        <a:srgbClr val="CCDDEA"/>
       </a:lt2>
       <a:accent1>
-        <a:srgbClr val="4472C4"/>
+        <a:srgbClr val="E48312"/>
       </a:accent1>
       <a:accent2>
-        <a:srgbClr val="ED7D31"/>
+        <a:srgbClr val="BD582C"/>
       </a:accent2>
       <a:accent3>
-        <a:srgbClr val="A5A5A5"/>
+        <a:srgbClr val="865640"/>
       </a:accent3>
       <a:accent4>
-        <a:srgbClr val="FFC000"/>
+        <a:srgbClr val="9B8357"/>
       </a:accent4>
       <a:accent5>
-        <a:srgbClr val="5B9BD5"/>
+        <a:srgbClr val="C2BC80"/>
       </a:accent5>
       <a:accent6>
-        <a:srgbClr val="70AD47"/>
+        <a:srgbClr val="94A088"/>
       </a:accent6>
       <a:hlink>
-        <a:srgbClr val="0563C1"/>
+        <a:srgbClr val="2998E3"/>
       </a:hlink>
       <a:folHlink>
-        <a:srgbClr val="954F72"/>
+        <a:srgbClr val="8C8C8C"/>
       </a:folHlink>
     </a:clrScheme>
-    <a:fontScheme name="Office">
+    <a:fontScheme name="Retrospect">
       <a:majorFont>
         <a:latin typeface="Calibri Light" panose="020F0302020204030204"/>
         <a:ea typeface=""/>
         <a:cs typeface=""/>
-        <a:font script="Jpan" typeface="游ゴシック Light"/>
+        <a:font script="Jpan" typeface="ＭＳ Ｐゴシック"/>
         <a:font script="Hang" typeface="맑은 고딕"/>
-        <a:font script="Hans" typeface="等线 Light"/>
+        <a:font script="Hans" typeface="宋体"/>
         <a:font script="Hant" typeface="新細明體"/>
         <a:font script="Arab" typeface="Times New Roman"/>
         <a:font script="Hebr" typeface="Times New Roman"/>
@@ -4231,31 +6925,14 @@
         <a:font script="Viet" typeface="Times New Roman"/>
         <a:font script="Uigh" typeface="Microsoft Uighur"/>
         <a:font script="Geor" typeface="Sylfaen"/>
-        <a:font script="Armn" typeface="Arial"/>
-        <a:font script="Bugi" typeface="Leelawadee UI"/>
-        <a:font script="Bopo" typeface="Microsoft JhengHei"/>
-        <a:font script="Java" typeface="Javanese Text"/>
-        <a:font script="Lisu" typeface="Segoe UI"/>
-        <a:font script="Mymr" typeface="Myanmar Text"/>
-        <a:font script="Nkoo" typeface="Ebrima"/>
-        <a:font script="Olck" typeface="Nirmala UI"/>
-        <a:font script="Osma" typeface="Ebrima"/>
-        <a:font script="Phag" typeface="Phagspa"/>
-        <a:font script="Syrn" typeface="Estrangelo Edessa"/>
-        <a:font script="Syrj" typeface="Estrangelo Edessa"/>
-        <a:font script="Syre" typeface="Estrangelo Edessa"/>
-        <a:font script="Sora" typeface="Nirmala UI"/>
-        <a:font script="Tale" typeface="Microsoft Tai Le"/>
-        <a:font script="Talu" typeface="Microsoft New Tai Lue"/>
-        <a:font script="Tfng" typeface="Ebrima"/>
       </a:majorFont>
       <a:minorFont>
         <a:latin typeface="Calibri" panose="020F0502020204030204"/>
         <a:ea typeface=""/>
         <a:cs typeface=""/>
-        <a:font script="Jpan" typeface="游ゴシック"/>
+        <a:font script="Jpan" typeface="ＭＳ Ｐゴシック"/>
         <a:font script="Hang" typeface="맑은 고딕"/>
-        <a:font script="Hans" typeface="等线"/>
+        <a:font script="Hans" typeface="宋体"/>
         <a:font script="Hant" typeface="新細明體"/>
         <a:font script="Arab" typeface="Arial"/>
         <a:font script="Hebr" typeface="Arial"/>
@@ -4283,26 +6960,9 @@
         <a:font script="Viet" typeface="Arial"/>
         <a:font script="Uigh" typeface="Microsoft Uighur"/>
         <a:font script="Geor" typeface="Sylfaen"/>
-        <a:font script="Armn" typeface="Arial"/>
-        <a:font script="Bugi" typeface="Leelawadee UI"/>
-        <a:font script="Bopo" typeface="Microsoft JhengHei"/>
-        <a:font script="Java" typeface="Javanese Text"/>
-        <a:font script="Lisu" typeface="Segoe UI"/>
-        <a:font script="Mymr" typeface="Myanmar Text"/>
-        <a:font script="Nkoo" typeface="Ebrima"/>
-        <a:font script="Olck" typeface="Nirmala UI"/>
-        <a:font script="Osma" typeface="Ebrima"/>
-        <a:font script="Phag" typeface="Phagspa"/>
-        <a:font script="Syrn" typeface="Estrangelo Edessa"/>
-        <a:font script="Syrj" typeface="Estrangelo Edessa"/>
-        <a:font script="Syre" typeface="Estrangelo Edessa"/>
-        <a:font script="Sora" typeface="Nirmala UI"/>
-        <a:font script="Tale" typeface="Microsoft Tai Le"/>
-        <a:font script="Talu" typeface="Microsoft New Tai Lue"/>
-        <a:font script="Tfng" typeface="Ebrima"/>
       </a:minorFont>
     </a:fontScheme>
-    <a:fmtScheme name="Office">
+    <a:fmtScheme name="Retrospect">
       <a:fillStyleLst>
         <a:solidFill>
           <a:schemeClr val="phClr"/>
@@ -4311,76 +6971,81 @@
           <a:gsLst>
             <a:gs pos="0">
               <a:schemeClr val="phClr">
-                <a:lumMod val="110000"/>
-                <a:satMod val="105000"/>
-                <a:tint val="67000"/>
+                <a:tint val="65000"/>
+                <a:shade val="92000"/>
+                <a:satMod val="130000"/>
               </a:schemeClr>
             </a:gs>
-            <a:gs pos="50000">
+            <a:gs pos="45000">
               <a:schemeClr val="phClr">
-                <a:lumMod val="105000"/>
-                <a:satMod val="103000"/>
-                <a:tint val="73000"/>
+                <a:tint val="60000"/>
+                <a:shade val="99000"/>
+                <a:satMod val="120000"/>
               </a:schemeClr>
             </a:gs>
             <a:gs pos="100000">
               <a:schemeClr val="phClr">
-                <a:lumMod val="105000"/>
-                <a:satMod val="109000"/>
-                <a:tint val="81000"/>
+                <a:tint val="55000"/>
+                <a:satMod val="140000"/>
               </a:schemeClr>
             </a:gs>
           </a:gsLst>
-          <a:lin ang="5400000" scaled="0"/>
+          <a:path path="circle">
+            <a:fillToRect l="100000" t="100000" r="100000" b="100000"/>
+          </a:path>
         </a:gradFill>
         <a:gradFill rotWithShape="1">
           <a:gsLst>
             <a:gs pos="0">
               <a:schemeClr val="phClr">
-                <a:satMod val="103000"/>
-                <a:lumMod val="102000"/>
-                <a:tint val="94000"/>
+                <a:shade val="85000"/>
+                <a:satMod val="130000"/>
               </a:schemeClr>
             </a:gs>
-            <a:gs pos="50000">
+            <a:gs pos="34000">
               <a:schemeClr val="phClr">
-                <a:satMod val="110000"/>
-                <a:lumMod val="100000"/>
-                <a:shade val="100000"/>
+                <a:shade val="87000"/>
+                <a:satMod val="125000"/>
+              </a:schemeClr>
+            </a:gs>
+            <a:gs pos="70000">
+              <a:schemeClr val="phClr">
+                <a:tint val="100000"/>
+                <a:shade val="90000"/>
+                <a:satMod val="130000"/>
               </a:schemeClr>
             </a:gs>
             <a:gs pos="100000">
               <a:schemeClr val="phClr">
-                <a:lumMod val="99000"/>
-                <a:satMod val="120000"/>
-                <a:shade val="78000"/>
+                <a:tint val="100000"/>
+                <a:shade val="100000"/>
+                <a:satMod val="110000"/>
               </a:schemeClr>
             </a:gs>
           </a:gsLst>
-          <a:lin ang="5400000" scaled="0"/>
+          <a:path path="circle">
+            <a:fillToRect l="100000" t="100000" r="100000" b="100000"/>
+          </a:path>
         </a:gradFill>
       </a:fillStyleLst>
       <a:lnStyleLst>
-        <a:ln w="6350" cap="flat" cmpd="sng" algn="ctr">
-          <a:solidFill>
-            <a:schemeClr val="phClr"/>
-          </a:solidFill>
-          <a:prstDash val="solid"/>
-          <a:miter lim="800000"/>
-        </a:ln>
         <a:ln w="12700" cap="flat" cmpd="sng" algn="ctr">
           <a:solidFill>
             <a:schemeClr val="phClr"/>
           </a:solidFill>
           <a:prstDash val="solid"/>
-          <a:miter lim="800000"/>
         </a:ln>
-        <a:ln w="19050" cap="flat" cmpd="sng" algn="ctr">
+        <a:ln w="15875" cap="flat" cmpd="sng" algn="ctr">
           <a:solidFill>
             <a:schemeClr val="phClr"/>
           </a:solidFill>
           <a:prstDash val="solid"/>
-          <a:miter lim="800000"/>
+        </a:ln>
+        <a:ln w="25400" cap="flat" cmpd="sng" algn="ctr">
+          <a:solidFill>
+            <a:schemeClr val="phClr"/>
+          </a:solidFill>
+          <a:prstDash val="solid"/>
         </a:ln>
       </a:lnStyleLst>
       <a:effectStyleLst>
@@ -4388,16 +7053,33 @@
           <a:effectLst/>
         </a:effectStyle>
         <a:effectStyle>
-          <a:effectLst/>
+          <a:effectLst>
+            <a:outerShdw blurRad="38100" dist="25400" dir="2700000" algn="br" rotWithShape="0">
+              <a:srgbClr val="000000">
+                <a:alpha val="60000"/>
+              </a:srgbClr>
+            </a:outerShdw>
+          </a:effectLst>
         </a:effectStyle>
         <a:effectStyle>
           <a:effectLst>
-            <a:outerShdw blurRad="57150" dist="19050" dir="5400000" algn="ctr" rotWithShape="0">
+            <a:outerShdw blurRad="44450" dist="25400" dir="2700000" algn="br" rotWithShape="0">
               <a:srgbClr val="000000">
-                <a:alpha val="63000"/>
+                <a:alpha val="60000"/>
               </a:srgbClr>
             </a:outerShdw>
           </a:effectLst>
+          <a:scene3d>
+            <a:camera prst="orthographicFront">
+              <a:rot lat="0" lon="0" rev="0"/>
+            </a:camera>
+            <a:lightRig rig="threePt" dir="t">
+              <a:rot lat="0" lon="0" rev="19800000"/>
+            </a:lightRig>
+          </a:scene3d>
+          <a:sp3d prstMaterial="flat">
+            <a:bevelT w="25400" h="31750"/>
+          </a:sp3d>
         </a:effectStyle>
       </a:effectStyleLst>
       <a:bgFillStyleLst>
@@ -4406,36 +7088,36 @@
         </a:solidFill>
         <a:solidFill>
           <a:schemeClr val="phClr">
-            <a:tint val="95000"/>
-            <a:satMod val="170000"/>
+            <a:tint val="90000"/>
+            <a:shade val="97000"/>
+            <a:satMod val="130000"/>
           </a:schemeClr>
         </a:solidFill>
         <a:gradFill rotWithShape="1">
           <a:gsLst>
             <a:gs pos="0">
               <a:schemeClr val="phClr">
-                <a:tint val="93000"/>
-                <a:satMod val="150000"/>
-                <a:shade val="98000"/>
-                <a:lumMod val="102000"/>
+                <a:tint val="96000"/>
+                <a:shade val="99000"/>
+                <a:satMod val="140000"/>
               </a:schemeClr>
             </a:gs>
-            <a:gs pos="50000">
+            <a:gs pos="65000">
               <a:schemeClr val="phClr">
-                <a:tint val="98000"/>
+                <a:tint val="100000"/>
+                <a:shade val="80000"/>
                 <a:satMod val="130000"/>
-                <a:shade val="90000"/>
-                <a:lumMod val="103000"/>
               </a:schemeClr>
             </a:gs>
             <a:gs pos="100000">
               <a:schemeClr val="phClr">
-                <a:shade val="63000"/>
+                <a:tint val="100000"/>
+                <a:shade val="48000"/>
                 <a:satMod val="120000"/>
               </a:schemeClr>
             </a:gs>
           </a:gsLst>
-          <a:lin ang="5400000" scaled="0"/>
+          <a:lin ang="16200000" scaled="0"/>
         </a:gradFill>
       </a:bgFillStyleLst>
     </a:fmtScheme>
@@ -4444,7 +7126,7 @@
   <a:extraClrSchemeLst/>
   <a:extLst>
     <a:ext uri="{05A4C25C-085E-4340-85A3-A5531E510DB2}">
-      <thm15:themeFamily xmlns:thm15="http://schemas.microsoft.com/office/thememl/2012/main" name="Office Theme" id="{62F939B6-93AF-4DB8-9C6B-D6C7DFDC589F}" vid="{4A3C46E8-61CC-4603-A589-7422A47A8E4A}"/>
+      <thm15:themeFamily xmlns:thm15="http://schemas.microsoft.com/office/thememl/2012/main" name="Retrospect" id="{5F128B03-DCCA-4EEB-AB3B-CF2899314A46}" vid="{3F1AAB62-24C6-49D2-8E01-B56FAC9A3DCD}"/>
     </a:ext>
   </a:extLst>
 </a:theme>

--- a/r_table/slides/Authority look up table.pptx
+++ b/r_table/slides/Authority look up table.pptx
@@ -383,7 +383,7 @@
           <a:p>
             <a:fld id="{0C7EF424-2B96-41A9-9E55-352BE5C452E6}" type="datetimeFigureOut">
               <a:rPr lang="en-US" smtClean="0"/>
-              <a:t>9/22/2020</a:t>
+              <a:t>9/23/2020</a:t>
             </a:fld>
             <a:endParaRPr lang="en-US"/>
           </a:p>
@@ -591,7 +591,7 @@
           <a:p>
             <a:fld id="{0C7EF424-2B96-41A9-9E55-352BE5C452E6}" type="datetimeFigureOut">
               <a:rPr lang="en-US" smtClean="0"/>
-              <a:t>9/22/2020</a:t>
+              <a:t>9/23/2020</a:t>
             </a:fld>
             <a:endParaRPr lang="en-US"/>
           </a:p>
@@ -847,7 +847,7 @@
           <a:p>
             <a:fld id="{0C7EF424-2B96-41A9-9E55-352BE5C452E6}" type="datetimeFigureOut">
               <a:rPr lang="en-US" smtClean="0"/>
-              <a:t>9/22/2020</a:t>
+              <a:t>9/23/2020</a:t>
             </a:fld>
             <a:endParaRPr lang="en-US"/>
           </a:p>
@@ -1021,7 +1021,7 @@
           <a:p>
             <a:fld id="{0C7EF424-2B96-41A9-9E55-352BE5C452E6}" type="datetimeFigureOut">
               <a:rPr lang="en-US" smtClean="0"/>
-              <a:t>9/22/2020</a:t>
+              <a:t>9/23/2020</a:t>
             </a:fld>
             <a:endParaRPr lang="en-US"/>
           </a:p>
@@ -1364,7 +1364,7 @@
           <a:p>
             <a:fld id="{0C7EF424-2B96-41A9-9E55-352BE5C452E6}" type="datetimeFigureOut">
               <a:rPr lang="en-US" smtClean="0"/>
-              <a:t>9/22/2020</a:t>
+              <a:t>9/23/2020</a:t>
             </a:fld>
             <a:endParaRPr lang="en-US"/>
           </a:p>
@@ -1639,7 +1639,7 @@
           <a:p>
             <a:fld id="{0C7EF424-2B96-41A9-9E55-352BE5C452E6}" type="datetimeFigureOut">
               <a:rPr lang="en-US" smtClean="0"/>
-              <a:t>9/22/2020</a:t>
+              <a:t>9/23/2020</a:t>
             </a:fld>
             <a:endParaRPr lang="en-US"/>
           </a:p>
@@ -2018,7 +2018,7 @@
           <a:p>
             <a:fld id="{0C7EF424-2B96-41A9-9E55-352BE5C452E6}" type="datetimeFigureOut">
               <a:rPr lang="en-US" smtClean="0"/>
-              <a:t>9/22/2020</a:t>
+              <a:t>9/23/2020</a:t>
             </a:fld>
             <a:endParaRPr lang="en-US"/>
           </a:p>
@@ -2136,7 +2136,7 @@
           <a:p>
             <a:fld id="{0C7EF424-2B96-41A9-9E55-352BE5C452E6}" type="datetimeFigureOut">
               <a:rPr lang="en-US" smtClean="0"/>
-              <a:t>9/22/2020</a:t>
+              <a:t>9/23/2020</a:t>
             </a:fld>
             <a:endParaRPr lang="en-US"/>
           </a:p>
@@ -2307,7 +2307,7 @@
           <a:p>
             <a:fld id="{0C7EF424-2B96-41A9-9E55-352BE5C452E6}" type="datetimeFigureOut">
               <a:rPr lang="en-US" smtClean="0"/>
-              <a:t>9/22/2020</a:t>
+              <a:t>9/23/2020</a:t>
             </a:fld>
             <a:endParaRPr lang="en-US"/>
           </a:p>
@@ -2661,7 +2661,7 @@
           <a:p>
             <a:fld id="{0C7EF424-2B96-41A9-9E55-352BE5C452E6}" type="datetimeFigureOut">
               <a:rPr lang="en-US" smtClean="0"/>
-              <a:t>9/22/2020</a:t>
+              <a:t>9/23/2020</a:t>
             </a:fld>
             <a:endParaRPr lang="en-US"/>
           </a:p>
@@ -3043,7 +3043,7 @@
           <a:p>
             <a:fld id="{0C7EF424-2B96-41A9-9E55-352BE5C452E6}" type="datetimeFigureOut">
               <a:rPr lang="en-US" smtClean="0"/>
-              <a:t>9/22/2020</a:t>
+              <a:t>9/23/2020</a:t>
             </a:fld>
             <a:endParaRPr lang="en-US"/>
           </a:p>
@@ -3330,7 +3330,7 @@
           <a:p>
             <a:fld id="{0C7EF424-2B96-41A9-9E55-352BE5C452E6}" type="datetimeFigureOut">
               <a:rPr lang="en-US" smtClean="0"/>
-              <a:t>9/22/2020</a:t>
+              <a:t>9/23/2020</a:t>
             </a:fld>
             <a:endParaRPr lang="en-US"/>
           </a:p>
@@ -4838,8 +4838,36 @@
             </a:r>
             <a:r>
               <a:rPr lang="en-US" dirty="0"/>
-              <a:t>) is smoothened to improve accuracies and to ensure monotonicity. </a:t>
-            </a:r>
+              <a:t>) is smoothened to improve accuracies and to ensure monotonicity. r(x) &lt;= r(y) for all (</a:t>
+            </a:r>
+            <a:r>
+              <a:rPr lang="en-US" dirty="0" err="1"/>
+              <a:t>x,y</a:t>
+            </a:r>
+            <a:r>
+              <a:rPr lang="en-US" dirty="0"/>
+              <a:t>) where xi&lt;=</a:t>
+            </a:r>
+            <a:r>
+              <a:rPr lang="en-US" dirty="0" err="1"/>
+              <a:t>yi</a:t>
+            </a:r>
+            <a:r>
+              <a:rPr lang="en-US" dirty="0"/>
+              <a:t> </a:t>
+            </a:r>
+            <a:r>
+              <a:rPr lang="en-US" dirty="0" err="1"/>
+              <a:t>i</a:t>
+            </a:r>
+            <a:r>
+              <a:rPr lang="en-US" dirty="0"/>
+              <a:t>=1,2,3,4,5,7. </a:t>
+            </a:r>
+            <a:br>
+              <a:rPr lang="en-US" dirty="0"/>
+            </a:br>
+            <a:endParaRPr lang="en-US" dirty="0"/>
           </a:p>
           <a:p>
             <a:pPr marL="0" indent="0">
@@ -4847,11 +4875,50 @@
             </a:pPr>
             <a:r>
               <a:rPr lang="en-US" dirty="0"/>
+              <a:t>	Example: </a:t>
+            </a:r>
+          </a:p>
+          <a:p>
+            <a:pPr marL="0" indent="0">
+              <a:buNone/>
+            </a:pPr>
+            <a:r>
+              <a:rPr lang="en-US" dirty="0"/>
               <a:t>       </a:t>
             </a:r>
           </a:p>
         </p:txBody>
       </p:sp>
+      <p:pic>
+        <p:nvPicPr>
+          <p:cNvPr id="2" name="Picture 1">
+            <a:extLst>
+              <a:ext uri="{FF2B5EF4-FFF2-40B4-BE49-F238E27FC236}">
+                <a16:creationId xmlns:a16="http://schemas.microsoft.com/office/drawing/2014/main" id="{EA41C1F4-BA92-4B21-93D4-4522808D903B}"/>
+              </a:ext>
+            </a:extLst>
+          </p:cNvPr>
+          <p:cNvPicPr>
+            <a:picLocks noChangeAspect="1"/>
+          </p:cNvPicPr>
+          <p:nvPr/>
+        </p:nvPicPr>
+        <p:blipFill>
+          <a:blip r:embed="rId2"/>
+          <a:stretch>
+            <a:fillRect/>
+          </a:stretch>
+        </p:blipFill>
+        <p:spPr>
+          <a:xfrm>
+            <a:off x="958316" y="5143199"/>
+            <a:ext cx="10395484" cy="450873"/>
+          </a:xfrm>
+          <a:prstGeom prst="rect">
+            <a:avLst/>
+          </a:prstGeom>
+        </p:spPr>
+      </p:pic>
     </p:spTree>
     <p:extLst>
       <p:ext uri="{BB962C8B-B14F-4D97-AF65-F5344CB8AC3E}">
@@ -6399,16 +6466,108 @@
             <a:br>
               <a:rPr lang="en-US" dirty="0"/>
             </a:br>
-            <a:r>
-              <a:rPr lang="en-US" dirty="0"/>
-              <a:t>Article 1</a:t>
-            </a:r>
+            <a:endParaRPr lang="en-US" dirty="0"/>
           </a:p>
           <a:p>
             <a:pPr marL="0" indent="0">
               <a:buNone/>
             </a:pPr>
             <a:endParaRPr lang="en-US" dirty="0"/>
+          </a:p>
+        </p:txBody>
+      </p:sp>
+      <p:pic>
+        <p:nvPicPr>
+          <p:cNvPr id="6" name="Picture 5">
+            <a:extLst>
+              <a:ext uri="{FF2B5EF4-FFF2-40B4-BE49-F238E27FC236}">
+                <a16:creationId xmlns:a16="http://schemas.microsoft.com/office/drawing/2014/main" id="{60A643E9-DF0E-4FFD-B882-8F643385C678}"/>
+              </a:ext>
+            </a:extLst>
+          </p:cNvPr>
+          <p:cNvPicPr>
+            <a:picLocks noChangeAspect="1"/>
+          </p:cNvPicPr>
+          <p:nvPr/>
+        </p:nvPicPr>
+        <p:blipFill>
+          <a:blip r:embed="rId2"/>
+          <a:stretch>
+            <a:fillRect/>
+          </a:stretch>
+        </p:blipFill>
+        <p:spPr>
+          <a:xfrm>
+            <a:off x="1097280" y="3372814"/>
+            <a:ext cx="10914611" cy="417172"/>
+          </a:xfrm>
+          <a:prstGeom prst="rect">
+            <a:avLst/>
+          </a:prstGeom>
+        </p:spPr>
+      </p:pic>
+      <p:pic>
+        <p:nvPicPr>
+          <p:cNvPr id="7" name="Picture 6">
+            <a:extLst>
+              <a:ext uri="{FF2B5EF4-FFF2-40B4-BE49-F238E27FC236}">
+                <a16:creationId xmlns:a16="http://schemas.microsoft.com/office/drawing/2014/main" id="{313B5809-20DC-430D-B420-82565ADCA468}"/>
+              </a:ext>
+            </a:extLst>
+          </p:cNvPr>
+          <p:cNvPicPr>
+            <a:picLocks noChangeAspect="1"/>
+          </p:cNvPicPr>
+          <p:nvPr/>
+        </p:nvPicPr>
+        <p:blipFill>
+          <a:blip r:embed="rId3"/>
+          <a:stretch>
+            <a:fillRect/>
+          </a:stretch>
+        </p:blipFill>
+        <p:spPr>
+          <a:xfrm>
+            <a:off x="1097280" y="4001267"/>
+            <a:ext cx="10914611" cy="421027"/>
+          </a:xfrm>
+          <a:prstGeom prst="rect">
+            <a:avLst/>
+          </a:prstGeom>
+        </p:spPr>
+      </p:pic>
+      <p:sp>
+        <p:nvSpPr>
+          <p:cNvPr id="8" name="TextBox 7">
+            <a:extLst>
+              <a:ext uri="{FF2B5EF4-FFF2-40B4-BE49-F238E27FC236}">
+                <a16:creationId xmlns:a16="http://schemas.microsoft.com/office/drawing/2014/main" id="{CB91B331-05AA-4DF1-8302-54FE0831ECEE}"/>
+              </a:ext>
+            </a:extLst>
+          </p:cNvPr>
+          <p:cNvSpPr txBox="1"/>
+          <p:nvPr/>
+        </p:nvSpPr>
+        <p:spPr>
+          <a:xfrm>
+            <a:off x="1097280" y="4696691"/>
+            <a:ext cx="10859193" cy="369332"/>
+          </a:xfrm>
+          <a:prstGeom prst="rect">
+            <a:avLst/>
+          </a:prstGeom>
+          <a:noFill/>
+        </p:spPr>
+        <p:txBody>
+          <a:bodyPr wrap="square" rtlCol="0">
+            <a:spAutoFit/>
+          </a:bodyPr>
+          <a:lstStyle/>
+          <a:p>
+            <a:r>
+              <a:rPr lang="en-US" dirty="0"/>
+              <a:t>x1 = 3, x2 = 0, x3 = 0, x4 = 1, x5 = 0, x7 = 2</a:t>
+            </a:r>
           </a:p>
         </p:txBody>
       </p:sp>
@@ -6628,7 +6787,7 @@
           <a:p>
             <a:r>
               <a:rPr lang="en-US" dirty="0"/>
-              <a:t>Positive sets similarity profiles:</a:t>
+              <a:t>Positive sets similarity profiles	   Negative sets similarity profiles </a:t>
             </a:r>
           </a:p>
           <a:p>
@@ -6654,14 +6813,14 @@
           <p:nvPr>
             <p:extLst>
               <p:ext uri="{D42A27DB-BD31-4B8C-83A1-F6EECF244321}">
-                <p14:modId xmlns:p14="http://schemas.microsoft.com/office/powerpoint/2010/main" val="2705106844"/>
+                <p14:modId xmlns:p14="http://schemas.microsoft.com/office/powerpoint/2010/main" val="2336249087"/>
               </p:ext>
             </p:extLst>
           </p:nvPr>
         </p:nvGraphicFramePr>
         <p:xfrm>
           <a:off x="1089891" y="2345266"/>
-          <a:ext cx="8128000" cy="1849120"/>
+          <a:ext cx="3565236" cy="2103120"/>
         </p:xfrm>
         <a:graphic>
           <a:graphicData uri="http://schemas.openxmlformats.org/drawingml/2006/table">
@@ -6670,14 +6829,14 @@
                 <a:tableStyleId>{5C22544A-7EE6-4342-B048-85BDC9FD1C3A}</a:tableStyleId>
               </a:tblPr>
               <a:tblGrid>
-                <a:gridCol w="4064000">
+                <a:gridCol w="1782618">
                   <a:extLst>
                     <a:ext uri="{9D8B030D-6E8A-4147-A177-3AD203B41FA5}">
                       <a16:colId xmlns:a16="http://schemas.microsoft.com/office/drawing/2014/main" val="485236428"/>
                     </a:ext>
                   </a:extLst>
                 </a:gridCol>
-                <a:gridCol w="4064000">
+                <a:gridCol w="1782618">
                   <a:extLst>
                     <a:ext uri="{9D8B030D-6E8A-4147-A177-3AD203B41FA5}">
                       <a16:colId xmlns:a16="http://schemas.microsoft.com/office/drawing/2014/main" val="4113649343"/>
@@ -6685,7 +6844,7 @@
                   </a:extLst>
                 </a:gridCol>
               </a:tblGrid>
-              <a:tr h="0">
+              <a:tr h="286963">
                 <a:tc>
                   <a:txBody>
                     <a:bodyPr/>
@@ -6706,7 +6865,7 @@
                     <a:p>
                       <a:r>
                         <a:rPr lang="en-US" dirty="0"/>
-                        <a:t>Similarity profile</a:t>
+                        <a:t>Similarity profile &lt;x&gt;</a:t>
                       </a:r>
                     </a:p>
                   </a:txBody>
@@ -6718,7 +6877,7 @@
                   </a:ext>
                 </a:extLst>
               </a:tr>
-              <a:tr h="370840">
+              <a:tr h="290949">
                 <a:tc>
                   <a:txBody>
                     <a:bodyPr/>
@@ -6739,7 +6898,7 @@
                     <a:p>
                       <a:r>
                         <a:rPr lang="en-US" dirty="0"/>
-                        <a:t>&lt;</a:t>
+                        <a:t>&lt;3, 0, 0, 1, 0, 2&gt;</a:t>
                       </a:r>
                     </a:p>
                   </a:txBody>
@@ -6751,13 +6910,16 @@
                   </a:ext>
                 </a:extLst>
               </a:tr>
-              <a:tr h="370840">
+              <a:tr h="290949">
                 <a:tc>
                   <a:txBody>
                     <a:bodyPr/>
                     <a:lstStyle/>
                     <a:p>
-                      <a:endParaRPr lang="en-US" dirty="0"/>
+                      <a:r>
+                        <a:rPr lang="en-US" dirty="0"/>
+                        <a:t>(a2, b2)</a:t>
+                      </a:r>
                     </a:p>
                   </a:txBody>
                   <a:tcPr/>
@@ -6767,7 +6929,10 @@
                     <a:bodyPr/>
                     <a:lstStyle/>
                     <a:p>
-                      <a:endParaRPr lang="en-US"/>
+                      <a:r>
+                        <a:rPr lang="en-US" dirty="0"/>
+                        <a:t>&lt;2, 1, 1, 0, 0, 2&gt;</a:t>
+                      </a:r>
                     </a:p>
                   </a:txBody>
                   <a:tcPr/>
@@ -6778,13 +6943,16 @@
                   </a:ext>
                 </a:extLst>
               </a:tr>
-              <a:tr h="370840">
+              <a:tr h="290949">
                 <a:tc>
                   <a:txBody>
                     <a:bodyPr/>
                     <a:lstStyle/>
                     <a:p>
-                      <a:endParaRPr lang="en-US"/>
+                      <a:r>
+                        <a:rPr lang="en-US" dirty="0"/>
+                        <a:t>(a3, b3)</a:t>
+                      </a:r>
                     </a:p>
                   </a:txBody>
                   <a:tcPr/>
@@ -6794,7 +6962,10 @@
                     <a:bodyPr/>
                     <a:lstStyle/>
                     <a:p>
-                      <a:endParaRPr lang="en-US"/>
+                      <a:r>
+                        <a:rPr lang="en-US" dirty="0"/>
+                        <a:t>&lt;2, 1, 1, 0, 0, 2&gt;</a:t>
+                      </a:r>
                     </a:p>
                   </a:txBody>
                   <a:tcPr/>
@@ -6805,13 +6976,16 @@
                   </a:ext>
                 </a:extLst>
               </a:tr>
-              <a:tr h="370840">
+              <a:tr h="290949">
                 <a:tc>
                   <a:txBody>
                     <a:bodyPr/>
                     <a:lstStyle/>
                     <a:p>
-                      <a:endParaRPr lang="en-US"/>
+                      <a:r>
+                        <a:rPr lang="en-US" dirty="0"/>
+                        <a:t>(a4, b4)</a:t>
+                      </a:r>
                     </a:p>
                   </a:txBody>
                   <a:tcPr/>
@@ -6821,7 +6995,10 @@
                     <a:bodyPr/>
                     <a:lstStyle/>
                     <a:p>
-                      <a:endParaRPr lang="en-US" dirty="0"/>
+                      <a:r>
+                        <a:rPr lang="en-US" dirty="0"/>
+                        <a:t>&lt;2, 1, 1, 0, 0, 2&gt;</a:t>
+                      </a:r>
                     </a:p>
                   </a:txBody>
                   <a:tcPr/>
@@ -6836,6 +7013,256 @@
           </a:graphicData>
         </a:graphic>
       </p:graphicFrame>
+      <p:graphicFrame>
+        <p:nvGraphicFramePr>
+          <p:cNvPr id="6" name="Table 5">
+            <a:extLst>
+              <a:ext uri="{FF2B5EF4-FFF2-40B4-BE49-F238E27FC236}">
+                <a16:creationId xmlns:a16="http://schemas.microsoft.com/office/drawing/2014/main" id="{693CA9DF-FFB1-4E5D-B444-3E3099F0F4C7}"/>
+              </a:ext>
+            </a:extLst>
+          </p:cNvPr>
+          <p:cNvGraphicFramePr>
+            <a:graphicFrameLocks noGrp="1"/>
+          </p:cNvGraphicFramePr>
+          <p:nvPr>
+            <p:extLst>
+              <p:ext uri="{D42A27DB-BD31-4B8C-83A1-F6EECF244321}">
+                <p14:modId xmlns:p14="http://schemas.microsoft.com/office/powerpoint/2010/main" val="1358830698"/>
+              </p:ext>
+            </p:extLst>
+          </p:nvPr>
+        </p:nvGraphicFramePr>
+        <p:xfrm>
+          <a:off x="4900036" y="2320636"/>
+          <a:ext cx="4133128" cy="2107140"/>
+        </p:xfrm>
+        <a:graphic>
+          <a:graphicData uri="http://schemas.openxmlformats.org/drawingml/2006/table">
+            <a:tbl>
+              <a:tblPr firstRow="1" bandRow="1">
+                <a:tableStyleId>{5C22544A-7EE6-4342-B048-85BDC9FD1C3A}</a:tableStyleId>
+              </a:tblPr>
+              <a:tblGrid>
+                <a:gridCol w="2066564">
+                  <a:extLst>
+                    <a:ext uri="{9D8B030D-6E8A-4147-A177-3AD203B41FA5}">
+                      <a16:colId xmlns:a16="http://schemas.microsoft.com/office/drawing/2014/main" val="1814086611"/>
+                    </a:ext>
+                  </a:extLst>
+                </a:gridCol>
+                <a:gridCol w="2066564">
+                  <a:extLst>
+                    <a:ext uri="{9D8B030D-6E8A-4147-A177-3AD203B41FA5}">
+                      <a16:colId xmlns:a16="http://schemas.microsoft.com/office/drawing/2014/main" val="2569608730"/>
+                    </a:ext>
+                  </a:extLst>
+                </a:gridCol>
+              </a:tblGrid>
+              <a:tr h="361741">
+                <a:tc>
+                  <a:txBody>
+                    <a:bodyPr/>
+                    <a:lstStyle/>
+                    <a:p>
+                      <a:r>
+                        <a:rPr lang="en-US" dirty="0"/>
+                        <a:t>Pair</a:t>
+                      </a:r>
+                    </a:p>
+                  </a:txBody>
+                  <a:tcPr/>
+                </a:tc>
+                <a:tc>
+                  <a:txBody>
+                    <a:bodyPr/>
+                    <a:lstStyle/>
+                    <a:p>
+                      <a:r>
+                        <a:rPr lang="en-US" dirty="0"/>
+                        <a:t>Similarity profile &lt;x&gt;</a:t>
+                      </a:r>
+                    </a:p>
+                  </a:txBody>
+                  <a:tcPr/>
+                </a:tc>
+                <a:extLst>
+                  <a:ext uri="{0D108BD9-81ED-4DB2-BD59-A6C34878D82A}">
+                    <a16:rowId xmlns:a16="http://schemas.microsoft.com/office/drawing/2014/main" val="406610723"/>
+                  </a:ext>
+                </a:extLst>
+              </a:tr>
+              <a:tr h="366765">
+                <a:tc>
+                  <a:txBody>
+                    <a:bodyPr/>
+                    <a:lstStyle/>
+                    <a:p>
+                      <a:r>
+                        <a:rPr lang="en-US" dirty="0"/>
+                        <a:t>(a5, b5)</a:t>
+                      </a:r>
+                    </a:p>
+                  </a:txBody>
+                  <a:tcPr/>
+                </a:tc>
+                <a:tc>
+                  <a:txBody>
+                    <a:bodyPr/>
+                    <a:lstStyle/>
+                    <a:p>
+                      <a:r>
+                        <a:rPr lang="en-US" dirty="0"/>
+                        <a:t>&lt;3, 1, 0, 1, 0, 1&gt;</a:t>
+                      </a:r>
+                    </a:p>
+                  </a:txBody>
+                  <a:tcPr/>
+                </a:tc>
+                <a:extLst>
+                  <a:ext uri="{0D108BD9-81ED-4DB2-BD59-A6C34878D82A}">
+                    <a16:rowId xmlns:a16="http://schemas.microsoft.com/office/drawing/2014/main" val="1691134446"/>
+                  </a:ext>
+                </a:extLst>
+              </a:tr>
+              <a:tr h="366765">
+                <a:tc>
+                  <a:txBody>
+                    <a:bodyPr/>
+                    <a:lstStyle/>
+                    <a:p>
+                      <a:r>
+                        <a:rPr lang="en-US" dirty="0"/>
+                        <a:t>(a6, b6)</a:t>
+                      </a:r>
+                    </a:p>
+                  </a:txBody>
+                  <a:tcPr/>
+                </a:tc>
+                <a:tc>
+                  <a:txBody>
+                    <a:bodyPr/>
+                    <a:lstStyle/>
+                    <a:p>
+                      <a:r>
+                        <a:rPr lang="en-US" dirty="0"/>
+                        <a:t>&lt;1, 1, 1, 0, 0, 2&gt;</a:t>
+                      </a:r>
+                    </a:p>
+                  </a:txBody>
+                  <a:tcPr/>
+                </a:tc>
+                <a:extLst>
+                  <a:ext uri="{0D108BD9-81ED-4DB2-BD59-A6C34878D82A}">
+                    <a16:rowId xmlns:a16="http://schemas.microsoft.com/office/drawing/2014/main" val="3336823652"/>
+                  </a:ext>
+                </a:extLst>
+              </a:tr>
+              <a:tr h="366765">
+                <a:tc>
+                  <a:txBody>
+                    <a:bodyPr/>
+                    <a:lstStyle/>
+                    <a:p>
+                      <a:r>
+                        <a:rPr lang="en-US" dirty="0"/>
+                        <a:t>(a7, b7)</a:t>
+                      </a:r>
+                    </a:p>
+                  </a:txBody>
+                  <a:tcPr/>
+                </a:tc>
+                <a:tc>
+                  <a:txBody>
+                    <a:bodyPr/>
+                    <a:lstStyle/>
+                    <a:p>
+                      <a:r>
+                        <a:rPr lang="en-US" dirty="0"/>
+                        <a:t>&lt;2, 1, 1, 0, 0, 2&gt;</a:t>
+                      </a:r>
+                    </a:p>
+                  </a:txBody>
+                  <a:tcPr/>
+                </a:tc>
+                <a:extLst>
+                  <a:ext uri="{0D108BD9-81ED-4DB2-BD59-A6C34878D82A}">
+                    <a16:rowId xmlns:a16="http://schemas.microsoft.com/office/drawing/2014/main" val="644855702"/>
+                  </a:ext>
+                </a:extLst>
+              </a:tr>
+              <a:tr h="366765">
+                <a:tc>
+                  <a:txBody>
+                    <a:bodyPr/>
+                    <a:lstStyle/>
+                    <a:p>
+                      <a:r>
+                        <a:rPr lang="en-US" dirty="0"/>
+                        <a:t>(a8, b8)</a:t>
+                      </a:r>
+                    </a:p>
+                  </a:txBody>
+                  <a:tcPr/>
+                </a:tc>
+                <a:tc>
+                  <a:txBody>
+                    <a:bodyPr/>
+                    <a:lstStyle/>
+                    <a:p>
+                      <a:r>
+                        <a:rPr lang="en-US" dirty="0"/>
+                        <a:t>&lt;3, 1, 1, 0, 0, 2&gt;</a:t>
+                      </a:r>
+                    </a:p>
+                  </a:txBody>
+                  <a:tcPr/>
+                </a:tc>
+                <a:extLst>
+                  <a:ext uri="{0D108BD9-81ED-4DB2-BD59-A6C34878D82A}">
+                    <a16:rowId xmlns:a16="http://schemas.microsoft.com/office/drawing/2014/main" val="1184654957"/>
+                  </a:ext>
+                </a:extLst>
+              </a:tr>
+            </a:tbl>
+          </a:graphicData>
+        </a:graphic>
+      </p:graphicFrame>
+      <p:sp>
+        <p:nvSpPr>
+          <p:cNvPr id="7" name="TextBox 6">
+            <a:extLst>
+              <a:ext uri="{FF2B5EF4-FFF2-40B4-BE49-F238E27FC236}">
+                <a16:creationId xmlns:a16="http://schemas.microsoft.com/office/drawing/2014/main" id="{99C531BC-99ED-40EE-B021-D39D98BC7EA3}"/>
+              </a:ext>
+            </a:extLst>
+          </p:cNvPr>
+          <p:cNvSpPr txBox="1"/>
+          <p:nvPr/>
+        </p:nvSpPr>
+        <p:spPr>
+          <a:xfrm>
+            <a:off x="1097280" y="4475018"/>
+            <a:ext cx="10540538" cy="646331"/>
+          </a:xfrm>
+          <a:prstGeom prst="rect">
+            <a:avLst/>
+          </a:prstGeom>
+          <a:noFill/>
+        </p:spPr>
+        <p:txBody>
+          <a:bodyPr wrap="square" rtlCol="0">
+            <a:spAutoFit/>
+          </a:bodyPr>
+          <a:lstStyle/>
+          <a:p>
+            <a:r>
+              <a:rPr lang="en-US" dirty="0"/>
+              <a:t>Given a pair of articles (a9, b9) with similarity profile x = &lt;2, 1, 1, 0, 0, 2&gt;, they are most likely written by the same individual. </a:t>
+            </a:r>
+          </a:p>
+        </p:txBody>
+      </p:sp>
     </p:spTree>
     <p:extLst>
       <p:ext uri="{BB962C8B-B14F-4D97-AF65-F5344CB8AC3E}">
